--- a/streams/docs/pldi-2011/figures/exe_model_examples.pptx
+++ b/streams/docs/pldi-2011/figures/exe_model_examples.pptx
@@ -293,7 +293,7 @@
             <a:fld id="{FCD1AD2B-D049-894A-99EC-F5804FE8259F}" type="datetimeFigureOut">
               <a:rPr lang="en-US" smtClean="0"/>
               <a:pPr/>
-              <a:t>4/28/10</a:t>
+              <a:t>11/18/10</a:t>
             </a:fld>
             <a:endParaRPr lang="en-US"/>
           </a:p>
@@ -460,7 +460,7 @@
             <a:fld id="{FCD1AD2B-D049-894A-99EC-F5804FE8259F}" type="datetimeFigureOut">
               <a:rPr lang="en-US" smtClean="0"/>
               <a:pPr/>
-              <a:t>4/28/10</a:t>
+              <a:t>11/18/10</a:t>
             </a:fld>
             <a:endParaRPr lang="en-US"/>
           </a:p>
@@ -637,7 +637,7 @@
             <a:fld id="{FCD1AD2B-D049-894A-99EC-F5804FE8259F}" type="datetimeFigureOut">
               <a:rPr lang="en-US" smtClean="0"/>
               <a:pPr/>
-              <a:t>4/28/10</a:t>
+              <a:t>11/18/10</a:t>
             </a:fld>
             <a:endParaRPr lang="en-US"/>
           </a:p>
@@ -804,7 +804,7 @@
             <a:fld id="{FCD1AD2B-D049-894A-99EC-F5804FE8259F}" type="datetimeFigureOut">
               <a:rPr lang="en-US" smtClean="0"/>
               <a:pPr/>
-              <a:t>4/28/10</a:t>
+              <a:t>11/18/10</a:t>
             </a:fld>
             <a:endParaRPr lang="en-US"/>
           </a:p>
@@ -1047,7 +1047,7 @@
             <a:fld id="{FCD1AD2B-D049-894A-99EC-F5804FE8259F}" type="datetimeFigureOut">
               <a:rPr lang="en-US" smtClean="0"/>
               <a:pPr/>
-              <a:t>4/28/10</a:t>
+              <a:t>11/18/10</a:t>
             </a:fld>
             <a:endParaRPr lang="en-US"/>
           </a:p>
@@ -1332,7 +1332,7 @@
             <a:fld id="{FCD1AD2B-D049-894A-99EC-F5804FE8259F}" type="datetimeFigureOut">
               <a:rPr lang="en-US" smtClean="0"/>
               <a:pPr/>
-              <a:t>4/28/10</a:t>
+              <a:t>11/18/10</a:t>
             </a:fld>
             <a:endParaRPr lang="en-US"/>
           </a:p>
@@ -1751,7 +1751,7 @@
             <a:fld id="{FCD1AD2B-D049-894A-99EC-F5804FE8259F}" type="datetimeFigureOut">
               <a:rPr lang="en-US" smtClean="0"/>
               <a:pPr/>
-              <a:t>4/28/10</a:t>
+              <a:t>11/18/10</a:t>
             </a:fld>
             <a:endParaRPr lang="en-US"/>
           </a:p>
@@ -1866,7 +1866,7 @@
             <a:fld id="{FCD1AD2B-D049-894A-99EC-F5804FE8259F}" type="datetimeFigureOut">
               <a:rPr lang="en-US" smtClean="0"/>
               <a:pPr/>
-              <a:t>4/28/10</a:t>
+              <a:t>11/18/10</a:t>
             </a:fld>
             <a:endParaRPr lang="en-US"/>
           </a:p>
@@ -1958,7 +1958,7 @@
             <a:fld id="{FCD1AD2B-D049-894A-99EC-F5804FE8259F}" type="datetimeFigureOut">
               <a:rPr lang="en-US" smtClean="0"/>
               <a:pPr/>
-              <a:t>4/28/10</a:t>
+              <a:t>11/18/10</a:t>
             </a:fld>
             <a:endParaRPr lang="en-US"/>
           </a:p>
@@ -2232,7 +2232,7 @@
             <a:fld id="{FCD1AD2B-D049-894A-99EC-F5804FE8259F}" type="datetimeFigureOut">
               <a:rPr lang="en-US" smtClean="0"/>
               <a:pPr/>
-              <a:t>4/28/10</a:t>
+              <a:t>11/18/10</a:t>
             </a:fld>
             <a:endParaRPr lang="en-US"/>
           </a:p>
@@ -2482,7 +2482,7 @@
             <a:fld id="{FCD1AD2B-D049-894A-99EC-F5804FE8259F}" type="datetimeFigureOut">
               <a:rPr lang="en-US" smtClean="0"/>
               <a:pPr/>
-              <a:t>4/28/10</a:t>
+              <a:t>11/18/10</a:t>
             </a:fld>
             <a:endParaRPr lang="en-US"/>
           </a:p>
@@ -2692,7 +2692,7 @@
             <a:fld id="{FCD1AD2B-D049-894A-99EC-F5804FE8259F}" type="datetimeFigureOut">
               <a:rPr lang="en-US" smtClean="0"/>
               <a:pPr/>
-              <a:t>4/28/10</a:t>
+              <a:t>11/18/10</a:t>
             </a:fld>
             <a:endParaRPr lang="en-US"/>
           </a:p>
@@ -6009,31 +6009,31 @@
             <a:p>
               <a:pPr algn="ctr"/>
               <a:r>
-                <a:rPr lang="en-US" sz="1400" dirty="0" err="1" smtClean="0">
+                <a:rPr lang="en-US" sz="1400" i="1" dirty="0" err="1" smtClean="0">
                   <a:solidFill>
                     <a:schemeClr val="tx1"/>
                   </a:solidFill>
-                  <a:latin typeface="Arial"/>
-                  <a:cs typeface="Arial"/>
+                  <a:latin typeface="Times New Roman"/>
+                  <a:cs typeface="Times New Roman"/>
                 </a:rPr>
                 <a:t>Filter</a:t>
               </a:r>
               <a:r>
-                <a:rPr lang="en-US" sz="1400" baseline="-25000" dirty="0" err="1" smtClean="0">
+                <a:rPr lang="en-US" sz="1400" i="1" baseline="-25000" dirty="0" err="1" smtClean="0">
                   <a:solidFill>
                     <a:schemeClr val="tx1"/>
                   </a:solidFill>
-                  <a:latin typeface="Arial"/>
-                  <a:cs typeface="Arial"/>
+                  <a:latin typeface="Times New Roman"/>
+                  <a:cs typeface="Times New Roman"/>
                 </a:rPr>
                 <a:t>1</a:t>
               </a:r>
-              <a:endParaRPr lang="en-US" sz="1400" baseline="-25000" dirty="0">
-                <a:solidFill>
-                  <a:schemeClr val="tx1"/>
-                </a:solidFill>
-                <a:latin typeface="Arial"/>
-                <a:cs typeface="Arial"/>
+              <a:endParaRPr lang="en-US" sz="1400" i="1" baseline="-25000" dirty="0">
+                <a:solidFill>
+                  <a:schemeClr val="tx1"/>
+                </a:solidFill>
+                <a:latin typeface="Times New Roman"/>
+                <a:cs typeface="Times New Roman"/>
               </a:endParaRPr>
             </a:p>
           </p:txBody>
@@ -6123,31 +6123,31 @@
             <a:p>
               <a:pPr algn="ctr"/>
               <a:r>
-                <a:rPr lang="en-US" sz="1400" dirty="0" err="1" smtClean="0">
+                <a:rPr lang="en-US" sz="1400" i="1" dirty="0" err="1" smtClean="0">
                   <a:solidFill>
                     <a:schemeClr val="tx1"/>
                   </a:solidFill>
-                  <a:latin typeface="Arial"/>
-                  <a:cs typeface="Arial"/>
+                  <a:latin typeface="Times New Roman"/>
+                  <a:cs typeface="Times New Roman"/>
                 </a:rPr>
                 <a:t>Filter</a:t>
               </a:r>
               <a:r>
-                <a:rPr lang="en-US" sz="1400" baseline="-25000" dirty="0" err="1" smtClean="0">
+                <a:rPr lang="en-US" sz="1400" i="1" baseline="-25000" dirty="0" err="1" smtClean="0">
                   <a:solidFill>
                     <a:schemeClr val="tx1"/>
                   </a:solidFill>
-                  <a:latin typeface="Arial"/>
-                  <a:cs typeface="Arial"/>
+                  <a:latin typeface="Times New Roman"/>
+                  <a:cs typeface="Times New Roman"/>
                 </a:rPr>
                 <a:t>2</a:t>
               </a:r>
-              <a:endParaRPr lang="en-US" sz="1400" baseline="-25000" dirty="0">
-                <a:solidFill>
-                  <a:schemeClr val="tx1"/>
-                </a:solidFill>
-                <a:latin typeface="Arial"/>
-                <a:cs typeface="Arial"/>
+              <a:endParaRPr lang="en-US" sz="1400" i="1" baseline="-25000" dirty="0">
+                <a:solidFill>
+                  <a:schemeClr val="tx1"/>
+                </a:solidFill>
+                <a:latin typeface="Times New Roman"/>
+                <a:cs typeface="Times New Roman"/>
               </a:endParaRPr>
             </a:p>
           </p:txBody>
@@ -6194,31 +6194,31 @@
             <a:p>
               <a:pPr algn="ctr"/>
               <a:r>
-                <a:rPr lang="en-US" sz="1400" dirty="0" err="1" smtClean="0">
+                <a:rPr lang="en-US" sz="1400" i="1" dirty="0" err="1" smtClean="0">
                   <a:solidFill>
                     <a:schemeClr val="tx1"/>
                   </a:solidFill>
-                  <a:latin typeface="Arial"/>
-                  <a:cs typeface="Arial"/>
+                  <a:latin typeface="Times New Roman"/>
+                  <a:cs typeface="Times New Roman"/>
                 </a:rPr>
                 <a:t>Filter</a:t>
               </a:r>
               <a:r>
-                <a:rPr lang="en-US" sz="1400" baseline="-25000" dirty="0" err="1" smtClean="0">
+                <a:rPr lang="en-US" sz="1400" i="1" baseline="-25000" dirty="0" err="1" smtClean="0">
                   <a:solidFill>
                     <a:schemeClr val="tx1"/>
                   </a:solidFill>
-                  <a:latin typeface="Arial"/>
-                  <a:cs typeface="Arial"/>
+                  <a:latin typeface="Times New Roman"/>
+                  <a:cs typeface="Times New Roman"/>
                 </a:rPr>
                 <a:t>3</a:t>
               </a:r>
-              <a:endParaRPr lang="en-US" sz="1400" baseline="-25000" dirty="0">
-                <a:solidFill>
-                  <a:schemeClr val="tx1"/>
-                </a:solidFill>
-                <a:latin typeface="Arial"/>
-                <a:cs typeface="Arial"/>
+              <a:endParaRPr lang="en-US" sz="1400" i="1" baseline="-25000" dirty="0">
+                <a:solidFill>
+                  <a:schemeClr val="tx1"/>
+                </a:solidFill>
+                <a:latin typeface="Times New Roman"/>
+                <a:cs typeface="Times New Roman"/>
               </a:endParaRPr>
             </a:p>
           </p:txBody>
@@ -6290,14 +6290,14 @@
             <a:p>
               <a:r>
                 <a:rPr lang="en-US" sz="1400" dirty="0" smtClean="0">
-                  <a:latin typeface="Arial"/>
-                  <a:cs typeface="Arial"/>
+                  <a:latin typeface="Times New Roman"/>
+                  <a:cs typeface="Times New Roman"/>
                 </a:rPr>
                 <a:t>2</a:t>
               </a:r>
               <a:endParaRPr lang="en-US" sz="1400" dirty="0">
-                <a:latin typeface="Arial"/>
-                <a:cs typeface="Arial"/>
+                <a:latin typeface="Times New Roman"/>
+                <a:cs typeface="Times New Roman"/>
               </a:endParaRPr>
             </a:p>
           </p:txBody>
@@ -6326,14 +6326,14 @@
             <a:p>
               <a:r>
                 <a:rPr lang="en-US" sz="1400" dirty="0" smtClean="0">
-                  <a:latin typeface="Arial"/>
-                  <a:cs typeface="Arial"/>
+                  <a:latin typeface="Times New Roman"/>
+                  <a:cs typeface="Times New Roman"/>
                 </a:rPr>
                 <a:t>1</a:t>
               </a:r>
               <a:endParaRPr lang="en-US" sz="1400" dirty="0">
-                <a:latin typeface="Arial"/>
-                <a:cs typeface="Arial"/>
+                <a:latin typeface="Times New Roman"/>
+                <a:cs typeface="Times New Roman"/>
               </a:endParaRPr>
             </a:p>
           </p:txBody>
@@ -6362,14 +6362,14 @@
             <a:p>
               <a:r>
                 <a:rPr lang="en-US" sz="1400" dirty="0" smtClean="0">
-                  <a:latin typeface="Arial"/>
-                  <a:cs typeface="Arial"/>
+                  <a:latin typeface="Times New Roman"/>
+                  <a:cs typeface="Times New Roman"/>
                 </a:rPr>
                 <a:t>1</a:t>
               </a:r>
               <a:endParaRPr lang="en-US" sz="1400" dirty="0">
-                <a:latin typeface="Arial"/>
-                <a:cs typeface="Arial"/>
+                <a:latin typeface="Times New Roman"/>
+                <a:cs typeface="Times New Roman"/>
               </a:endParaRPr>
             </a:p>
           </p:txBody>
@@ -6398,14 +6398,14 @@
             <a:p>
               <a:r>
                 <a:rPr lang="en-US" sz="1400" dirty="0" smtClean="0">
-                  <a:latin typeface="Arial"/>
-                  <a:cs typeface="Arial"/>
+                  <a:latin typeface="Times New Roman"/>
+                  <a:cs typeface="Times New Roman"/>
                 </a:rPr>
                 <a:t>3</a:t>
               </a:r>
               <a:endParaRPr lang="en-US" sz="1400" dirty="0">
-                <a:latin typeface="Arial"/>
-                <a:cs typeface="Arial"/>
+                <a:latin typeface="Times New Roman"/>
+                <a:cs typeface="Times New Roman"/>
               </a:endParaRPr>
             </a:p>
           </p:txBody>
@@ -6419,7 +6419,7 @@
           <p:spPr>
             <a:xfrm>
               <a:off x="5731658" y="858638"/>
-              <a:ext cx="450336" cy="338554"/>
+              <a:ext cx="402975" cy="338554"/>
             </a:xfrm>
             <a:prstGeom prst="rect">
               <a:avLst/>
@@ -6433,15 +6433,15 @@
             <a:lstStyle/>
             <a:p>
               <a:r>
-                <a:rPr lang="en-US" sz="1600" i="1" dirty="0" smtClean="0">
-                  <a:latin typeface="Arial"/>
-                  <a:cs typeface="Arial"/>
+                <a:rPr lang="en-US" sz="1600" dirty="0" smtClean="0">
+                  <a:latin typeface="Times New Roman"/>
+                  <a:cs typeface="Times New Roman"/>
                 </a:rPr>
-                <a:t>x2</a:t>
+                <a:t>×2</a:t>
               </a:r>
-              <a:endParaRPr lang="en-US" sz="1600" i="1" dirty="0">
-                <a:latin typeface="Arial"/>
-                <a:cs typeface="Arial"/>
+              <a:endParaRPr lang="en-US" sz="1600" dirty="0">
+                <a:latin typeface="Times New Roman"/>
+                <a:cs typeface="Times New Roman"/>
               </a:endParaRPr>
             </a:p>
           </p:txBody>
@@ -6455,7 +6455,7 @@
           <p:spPr>
             <a:xfrm>
               <a:off x="3801402" y="858638"/>
-              <a:ext cx="450336" cy="338554"/>
+              <a:ext cx="402975" cy="338554"/>
             </a:xfrm>
             <a:prstGeom prst="rect">
               <a:avLst/>
@@ -6469,15 +6469,15 @@
             <a:lstStyle/>
             <a:p>
               <a:r>
-                <a:rPr lang="en-US" sz="1600" i="1" dirty="0" smtClean="0">
-                  <a:latin typeface="Arial"/>
-                  <a:cs typeface="Arial"/>
+                <a:rPr lang="en-US" sz="1600" dirty="0" smtClean="0">
+                  <a:latin typeface="Times New Roman"/>
+                  <a:cs typeface="Times New Roman"/>
                 </a:rPr>
-                <a:t>x6</a:t>
+                <a:t>×6</a:t>
               </a:r>
-              <a:endParaRPr lang="en-US" sz="1600" i="1" dirty="0">
-                <a:latin typeface="Arial"/>
-                <a:cs typeface="Arial"/>
+              <a:endParaRPr lang="en-US" sz="1600" dirty="0">
+                <a:latin typeface="Times New Roman"/>
+                <a:cs typeface="Times New Roman"/>
               </a:endParaRPr>
             </a:p>
           </p:txBody>
@@ -6491,7 +6491,7 @@
           <p:spPr>
             <a:xfrm>
               <a:off x="1871146" y="858638"/>
-              <a:ext cx="450336" cy="338554"/>
+              <a:ext cx="402975" cy="338554"/>
             </a:xfrm>
             <a:prstGeom prst="rect">
               <a:avLst/>
@@ -6505,15 +6505,15 @@
             <a:lstStyle/>
             <a:p>
               <a:r>
-                <a:rPr lang="en-US" sz="1600" i="1" dirty="0" smtClean="0">
-                  <a:latin typeface="Arial"/>
-                  <a:cs typeface="Arial"/>
+                <a:rPr lang="en-US" sz="1600" dirty="0" smtClean="0">
+                  <a:latin typeface="Times New Roman"/>
+                  <a:cs typeface="Times New Roman"/>
                 </a:rPr>
-                <a:t>x3</a:t>
+                <a:t>×3</a:t>
               </a:r>
-              <a:endParaRPr lang="en-US" sz="1600" i="1" dirty="0">
-                <a:latin typeface="Arial"/>
-                <a:cs typeface="Arial"/>
+              <a:endParaRPr lang="en-US" sz="1600" dirty="0">
+                <a:latin typeface="Times New Roman"/>
+                <a:cs typeface="Times New Roman"/>
               </a:endParaRPr>
             </a:p>
           </p:txBody>
@@ -6574,22 +6574,22 @@
             <a:lstStyle/>
             <a:p>
               <a:r>
-                <a:rPr lang="en-US" sz="1400" dirty="0" smtClean="0">
+                <a:rPr lang="en-US" sz="1400" i="1" dirty="0" smtClean="0">
                   <a:solidFill>
                     <a:schemeClr val="tx1"/>
                   </a:solidFill>
-                  <a:latin typeface="Arial"/>
-                  <a:cs typeface="Arial"/>
+                  <a:latin typeface="Times New Roman"/>
+                  <a:cs typeface="Times New Roman"/>
                 </a:rPr>
                 <a:t>Filter</a:t>
               </a:r>
               <a:r>
-                <a:rPr lang="en-US" sz="1400" baseline="-25000" dirty="0" smtClean="0">
+                <a:rPr lang="en-US" sz="1400" i="1" baseline="-25000" dirty="0" smtClean="0">
                   <a:solidFill>
                     <a:schemeClr val="tx1"/>
                   </a:solidFill>
-                  <a:latin typeface="Arial"/>
-                  <a:cs typeface="Arial"/>
+                  <a:latin typeface="Times New Roman"/>
+                  <a:cs typeface="Times New Roman"/>
                 </a:rPr>
                 <a:t>2</a:t>
               </a:r>
@@ -6599,8 +6599,8 @@
                 <a:solidFill>
                   <a:schemeClr val="tx1"/>
                 </a:solidFill>
-                <a:latin typeface="Arial"/>
-                <a:cs typeface="Arial"/>
+                <a:latin typeface="Times New Roman"/>
+                <a:cs typeface="Times New Roman"/>
               </a:endParaRPr>
             </a:p>
             <a:p>
@@ -6609,8 +6609,8 @@
                   <a:solidFill>
                     <a:schemeClr val="tx1"/>
                   </a:solidFill>
-                  <a:latin typeface="Arial"/>
-                  <a:cs typeface="Arial"/>
+                  <a:latin typeface="Times New Roman"/>
+                  <a:cs typeface="Times New Roman"/>
                 </a:rPr>
                 <a:t>e</a:t>
               </a:r>
@@ -6619,8 +6619,8 @@
                   <a:solidFill>
                     <a:schemeClr val="tx1"/>
                   </a:solidFill>
-                  <a:latin typeface="Arial"/>
-                  <a:cs typeface="Arial"/>
+                  <a:latin typeface="Times New Roman"/>
+                  <a:cs typeface="Times New Roman"/>
                 </a:rPr>
                 <a:t>(</a:t>
               </a:r>
@@ -6629,8 +6629,8 @@
                   <a:solidFill>
                     <a:schemeClr val="tx1"/>
                   </a:solidFill>
-                  <a:latin typeface="Arial"/>
-                  <a:cs typeface="Arial"/>
+                  <a:latin typeface="Times New Roman"/>
+                  <a:cs typeface="Times New Roman"/>
                 </a:rPr>
                 <a:t>W</a:t>
               </a:r>
@@ -6639,8 +6639,8 @@
                   <a:solidFill>
                     <a:schemeClr val="tx1"/>
                   </a:solidFill>
-                  <a:latin typeface="Arial"/>
-                  <a:cs typeface="Arial"/>
+                  <a:latin typeface="Times New Roman"/>
+                  <a:cs typeface="Times New Roman"/>
                 </a:rPr>
                 <a:t>) = 3</a:t>
               </a:r>
@@ -6651,8 +6651,8 @@
                   <a:solidFill>
                     <a:schemeClr val="tx1"/>
                   </a:solidFill>
-                  <a:latin typeface="Arial"/>
-                  <a:cs typeface="Arial"/>
+                  <a:latin typeface="Times New Roman"/>
+                  <a:cs typeface="Times New Roman"/>
                 </a:rPr>
                 <a:t>o</a:t>
               </a:r>
@@ -6661,8 +6661,8 @@
                   <a:solidFill>
                     <a:schemeClr val="tx1"/>
                   </a:solidFill>
-                  <a:latin typeface="Arial"/>
-                  <a:cs typeface="Arial"/>
+                  <a:latin typeface="Times New Roman"/>
+                  <a:cs typeface="Times New Roman"/>
                 </a:rPr>
                 <a:t>(</a:t>
               </a:r>
@@ -6671,8 +6671,8 @@
                   <a:solidFill>
                     <a:schemeClr val="tx1"/>
                   </a:solidFill>
-                  <a:latin typeface="Arial"/>
-                  <a:cs typeface="Arial"/>
+                  <a:latin typeface="Times New Roman"/>
+                  <a:cs typeface="Times New Roman"/>
                 </a:rPr>
                 <a:t>W</a:t>
               </a:r>
@@ -6681,8 +6681,8 @@
                   <a:solidFill>
                     <a:schemeClr val="tx1"/>
                   </a:solidFill>
-                  <a:latin typeface="Arial"/>
-                  <a:cs typeface="Arial"/>
+                  <a:latin typeface="Times New Roman"/>
+                  <a:cs typeface="Times New Roman"/>
                 </a:rPr>
                 <a:t>) = 1</a:t>
               </a:r>
@@ -6693,8 +6693,8 @@
                   <a:solidFill>
                     <a:schemeClr val="tx1"/>
                   </a:solidFill>
-                  <a:latin typeface="Arial"/>
-                  <a:cs typeface="Arial"/>
+                  <a:latin typeface="Times New Roman"/>
+                  <a:cs typeface="Times New Roman"/>
                 </a:rPr>
                 <a:t>u</a:t>
               </a:r>
@@ -6703,8 +6703,8 @@
                   <a:solidFill>
                     <a:schemeClr val="tx1"/>
                   </a:solidFill>
-                  <a:latin typeface="Arial"/>
-                  <a:cs typeface="Arial"/>
+                  <a:latin typeface="Times New Roman"/>
+                  <a:cs typeface="Times New Roman"/>
                 </a:rPr>
                 <a:t>(</a:t>
               </a:r>
@@ -6713,8 +6713,8 @@
                   <a:solidFill>
                     <a:schemeClr val="tx1"/>
                   </a:solidFill>
-                  <a:latin typeface="Arial"/>
-                  <a:cs typeface="Arial"/>
+                  <a:latin typeface="Times New Roman"/>
+                  <a:cs typeface="Times New Roman"/>
                 </a:rPr>
                 <a:t>W</a:t>
               </a:r>
@@ -6723,8 +6723,8 @@
                   <a:solidFill>
                     <a:schemeClr val="tx1"/>
                   </a:solidFill>
-                  <a:latin typeface="Arial"/>
-                  <a:cs typeface="Arial"/>
+                  <a:latin typeface="Times New Roman"/>
+                  <a:cs typeface="Times New Roman"/>
                 </a:rPr>
                 <a:t>) = 1</a:t>
               </a:r>
@@ -6734,8 +6734,8 @@
                 <a:solidFill>
                   <a:schemeClr val="tx1"/>
                 </a:solidFill>
-                <a:latin typeface="Arial"/>
-                <a:cs typeface="Arial"/>
+                <a:latin typeface="Times New Roman"/>
+                <a:cs typeface="Times New Roman"/>
               </a:endParaRPr>
             </a:p>
           </p:txBody>
@@ -7091,14 +7091,14 @@
               <a:p>
                 <a:r>
                   <a:rPr lang="en-US" sz="1400" dirty="0" smtClean="0">
-                    <a:latin typeface="Arial"/>
-                    <a:cs typeface="Arial"/>
+                    <a:latin typeface="Times New Roman"/>
+                    <a:cs typeface="Times New Roman"/>
                   </a:rPr>
                   <a:t>0</a:t>
                 </a:r>
                 <a:endParaRPr lang="en-US" sz="1400" dirty="0">
-                  <a:latin typeface="Arial"/>
-                  <a:cs typeface="Arial"/>
+                  <a:latin typeface="Times New Roman"/>
+                  <a:cs typeface="Times New Roman"/>
                 </a:endParaRPr>
               </a:p>
             </p:txBody>
@@ -7127,14 +7127,14 @@
               <a:p>
                 <a:r>
                   <a:rPr lang="en-US" sz="1400" dirty="0" smtClean="0">
-                    <a:latin typeface="Arial"/>
-                    <a:cs typeface="Arial"/>
+                    <a:latin typeface="Times New Roman"/>
+                    <a:cs typeface="Times New Roman"/>
                   </a:rPr>
                   <a:t>1</a:t>
                 </a:r>
                 <a:endParaRPr lang="en-US" sz="1400" dirty="0">
-                  <a:latin typeface="Arial"/>
-                  <a:cs typeface="Arial"/>
+                  <a:latin typeface="Times New Roman"/>
+                  <a:cs typeface="Times New Roman"/>
                 </a:endParaRPr>
               </a:p>
             </p:txBody>
@@ -7163,14 +7163,14 @@
               <a:p>
                 <a:r>
                   <a:rPr lang="en-US" sz="1400" dirty="0" smtClean="0">
-                    <a:latin typeface="Arial"/>
-                    <a:cs typeface="Arial"/>
+                    <a:latin typeface="Times New Roman"/>
+                    <a:cs typeface="Times New Roman"/>
                   </a:rPr>
                   <a:t>2</a:t>
                 </a:r>
                 <a:endParaRPr lang="en-US" sz="1400" dirty="0">
-                  <a:latin typeface="Arial"/>
-                  <a:cs typeface="Arial"/>
+                  <a:latin typeface="Times New Roman"/>
+                  <a:cs typeface="Times New Roman"/>
                 </a:endParaRPr>
               </a:p>
             </p:txBody>
@@ -7199,14 +7199,14 @@
               <a:p>
                 <a:r>
                   <a:rPr lang="en-US" sz="1400" dirty="0" smtClean="0">
-                    <a:latin typeface="Arial"/>
-                    <a:cs typeface="Arial"/>
+                    <a:latin typeface="Times New Roman"/>
+                    <a:cs typeface="Times New Roman"/>
                   </a:rPr>
                   <a:t>3</a:t>
                 </a:r>
                 <a:endParaRPr lang="en-US" sz="1400" dirty="0">
-                  <a:latin typeface="Arial"/>
-                  <a:cs typeface="Arial"/>
+                  <a:latin typeface="Times New Roman"/>
+                  <a:cs typeface="Times New Roman"/>
                 </a:endParaRPr>
               </a:p>
             </p:txBody>
@@ -7235,14 +7235,14 @@
               <a:p>
                 <a:r>
                   <a:rPr lang="en-US" sz="1400" dirty="0" smtClean="0">
-                    <a:latin typeface="Arial"/>
-                    <a:cs typeface="Arial"/>
+                    <a:latin typeface="Times New Roman"/>
+                    <a:cs typeface="Times New Roman"/>
                   </a:rPr>
                   <a:t>4</a:t>
                 </a:r>
                 <a:endParaRPr lang="en-US" sz="1400" dirty="0">
-                  <a:latin typeface="Arial"/>
-                  <a:cs typeface="Arial"/>
+                  <a:latin typeface="Times New Roman"/>
+                  <a:cs typeface="Times New Roman"/>
                 </a:endParaRPr>
               </a:p>
             </p:txBody>
@@ -7295,7 +7295,10 @@
             <a:lstStyle/>
             <a:p>
               <a:pPr algn="ctr"/>
-              <a:endParaRPr lang="en-US"/>
+              <a:endParaRPr lang="en-US">
+                <a:latin typeface="Times New Roman"/>
+                <a:cs typeface="Times New Roman"/>
+              </a:endParaRPr>
             </a:p>
           </p:txBody>
         </p:sp>
@@ -7484,7 +7487,10 @@
               <a:lstStyle/>
               <a:p>
                 <a:pPr algn="ctr"/>
-                <a:endParaRPr lang="en-US"/>
+                <a:endParaRPr lang="en-US">
+                  <a:latin typeface="Times New Roman"/>
+                  <a:cs typeface="Times New Roman"/>
+                </a:endParaRPr>
               </a:p>
             </p:txBody>
           </p:sp>
@@ -7630,7 +7636,10 @@
               <a:lstStyle/>
               <a:p>
                 <a:pPr algn="ctr"/>
-                <a:endParaRPr lang="en-US"/>
+                <a:endParaRPr lang="en-US">
+                  <a:latin typeface="Times New Roman"/>
+                  <a:cs typeface="Times New Roman"/>
+                </a:endParaRPr>
               </a:p>
             </p:txBody>
           </p:sp>
@@ -7726,7 +7735,7 @@
           <p:spPr>
             <a:xfrm>
               <a:off x="3279495" y="2206981"/>
-              <a:ext cx="328039" cy="307777"/>
+              <a:ext cx="334279" cy="307777"/>
             </a:xfrm>
             <a:prstGeom prst="rect">
               <a:avLst/>
@@ -7745,8 +7754,8 @@
                   <a:solidFill>
                     <a:srgbClr val="FF0000"/>
                   </a:solidFill>
-                  <a:latin typeface="Arial"/>
-                  <a:cs typeface="Arial"/>
+                  <a:latin typeface="Times New Roman"/>
+                  <a:cs typeface="Times New Roman"/>
                 </a:rPr>
                 <a:t>1</a:t>
               </a:r>
@@ -7754,8 +7763,8 @@
                 <a:solidFill>
                   <a:srgbClr val="FF0000"/>
                 </a:solidFill>
-                <a:latin typeface="Arial"/>
-                <a:cs typeface="Arial"/>
+                <a:latin typeface="Times New Roman"/>
+                <a:cs typeface="Times New Roman"/>
               </a:endParaRPr>
             </a:p>
           </p:txBody>
@@ -7788,8 +7797,8 @@
                   <a:solidFill>
                     <a:srgbClr val="0000FF"/>
                   </a:solidFill>
-                  <a:latin typeface="Arial"/>
-                  <a:cs typeface="Arial"/>
+                  <a:latin typeface="Times New Roman"/>
+                  <a:cs typeface="Times New Roman"/>
                 </a:rPr>
                 <a:t>2</a:t>
               </a:r>
@@ -7797,8 +7806,8 @@
                 <a:solidFill>
                   <a:srgbClr val="0000FF"/>
                 </a:solidFill>
-                <a:latin typeface="Arial"/>
-                <a:cs typeface="Arial"/>
+                <a:latin typeface="Times New Roman"/>
+                <a:cs typeface="Times New Roman"/>
               </a:endParaRPr>
             </a:p>
           </p:txBody>
@@ -7812,7 +7821,7 @@
           <p:spPr>
             <a:xfrm>
               <a:off x="2823587" y="2496740"/>
-              <a:ext cx="328039" cy="307777"/>
+              <a:ext cx="334279" cy="307777"/>
             </a:xfrm>
             <a:prstGeom prst="rect">
               <a:avLst/>
@@ -7831,8 +7840,8 @@
                   <a:solidFill>
                     <a:srgbClr val="008000"/>
                   </a:solidFill>
-                  <a:latin typeface="Arial"/>
-                  <a:cs typeface="Arial"/>
+                  <a:latin typeface="Times New Roman"/>
+                  <a:cs typeface="Times New Roman"/>
                 </a:rPr>
                 <a:t>3</a:t>
               </a:r>
@@ -7840,8 +7849,8 @@
                 <a:solidFill>
                   <a:srgbClr val="008000"/>
                 </a:solidFill>
-                <a:latin typeface="Arial"/>
-                <a:cs typeface="Arial"/>
+                <a:latin typeface="Times New Roman"/>
+                <a:cs typeface="Times New Roman"/>
               </a:endParaRPr>
             </a:p>
           </p:txBody>
@@ -7855,7 +7864,7 @@
         </p:nvGrpSpPr>
         <p:grpSpPr>
           <a:xfrm>
-            <a:off x="2117972" y="4756042"/>
+            <a:off x="2117972" y="4300090"/>
             <a:ext cx="4908057" cy="832296"/>
             <a:chOff x="1576494" y="4063294"/>
             <a:chExt cx="4908057" cy="832296"/>
@@ -7903,31 +7912,31 @@
             <a:p>
               <a:pPr algn="ctr"/>
               <a:r>
-                <a:rPr lang="en-US" sz="1400" dirty="0" err="1" smtClean="0">
+                <a:rPr lang="en-US" sz="1400" i="1" dirty="0" err="1" smtClean="0">
                   <a:solidFill>
                     <a:schemeClr val="tx1"/>
                   </a:solidFill>
-                  <a:latin typeface="Arial"/>
-                  <a:cs typeface="Arial"/>
+                  <a:latin typeface="Times New Roman"/>
+                  <a:cs typeface="Times New Roman"/>
                 </a:rPr>
                 <a:t>Filter</a:t>
               </a:r>
               <a:r>
-                <a:rPr lang="en-US" sz="1400" baseline="-25000" dirty="0" err="1" smtClean="0">
+                <a:rPr lang="en-US" sz="1400" i="1" baseline="-25000" dirty="0" err="1" smtClean="0">
                   <a:solidFill>
                     <a:schemeClr val="tx1"/>
                   </a:solidFill>
-                  <a:latin typeface="Arial"/>
-                  <a:cs typeface="Arial"/>
+                  <a:latin typeface="Times New Roman"/>
+                  <a:cs typeface="Times New Roman"/>
                 </a:rPr>
                 <a:t>1</a:t>
               </a:r>
-              <a:endParaRPr lang="en-US" sz="1400" baseline="-25000" dirty="0">
-                <a:solidFill>
-                  <a:schemeClr val="tx1"/>
-                </a:solidFill>
-                <a:latin typeface="Arial"/>
-                <a:cs typeface="Arial"/>
+              <a:endParaRPr lang="en-US" sz="1400" i="1" baseline="-25000" dirty="0">
+                <a:solidFill>
+                  <a:schemeClr val="tx1"/>
+                </a:solidFill>
+                <a:latin typeface="Times New Roman"/>
+                <a:cs typeface="Times New Roman"/>
               </a:endParaRPr>
             </a:p>
           </p:txBody>
@@ -8017,31 +8026,31 @@
             <a:p>
               <a:pPr algn="ctr"/>
               <a:r>
-                <a:rPr lang="en-US" sz="1400" dirty="0" err="1" smtClean="0">
+                <a:rPr lang="en-US" sz="1400" i="1" dirty="0" err="1" smtClean="0">
                   <a:solidFill>
                     <a:schemeClr val="tx1"/>
                   </a:solidFill>
-                  <a:latin typeface="Arial"/>
-                  <a:cs typeface="Arial"/>
+                  <a:latin typeface="Times New Roman"/>
+                  <a:cs typeface="Times New Roman"/>
                 </a:rPr>
                 <a:t>Filter</a:t>
               </a:r>
               <a:r>
-                <a:rPr lang="en-US" sz="1400" baseline="-25000" dirty="0" err="1" smtClean="0">
+                <a:rPr lang="en-US" sz="1400" i="1" baseline="-25000" dirty="0" err="1" smtClean="0">
                   <a:solidFill>
                     <a:schemeClr val="tx1"/>
                   </a:solidFill>
-                  <a:latin typeface="Arial"/>
-                  <a:cs typeface="Arial"/>
+                  <a:latin typeface="Times New Roman"/>
+                  <a:cs typeface="Times New Roman"/>
                 </a:rPr>
                 <a:t>2</a:t>
               </a:r>
-              <a:endParaRPr lang="en-US" sz="1400" baseline="-25000" dirty="0">
-                <a:solidFill>
-                  <a:schemeClr val="tx1"/>
-                </a:solidFill>
-                <a:latin typeface="Arial"/>
-                <a:cs typeface="Arial"/>
+              <a:endParaRPr lang="en-US" sz="1400" i="1" baseline="-25000" dirty="0">
+                <a:solidFill>
+                  <a:schemeClr val="tx1"/>
+                </a:solidFill>
+                <a:latin typeface="Times New Roman"/>
+                <a:cs typeface="Times New Roman"/>
               </a:endParaRPr>
             </a:p>
           </p:txBody>
@@ -8088,31 +8097,31 @@
             <a:p>
               <a:pPr algn="ctr"/>
               <a:r>
-                <a:rPr lang="en-US" sz="1400" dirty="0" err="1" smtClean="0">
+                <a:rPr lang="en-US" sz="1400" i="1" dirty="0" err="1" smtClean="0">
                   <a:solidFill>
                     <a:schemeClr val="tx1"/>
                   </a:solidFill>
-                  <a:latin typeface="Arial"/>
-                  <a:cs typeface="Arial"/>
+                  <a:latin typeface="Times New Roman"/>
+                  <a:cs typeface="Times New Roman"/>
                 </a:rPr>
                 <a:t>Filter</a:t>
               </a:r>
               <a:r>
-                <a:rPr lang="en-US" sz="1400" baseline="-25000" dirty="0" err="1" smtClean="0">
+                <a:rPr lang="en-US" sz="1400" i="1" baseline="-25000" dirty="0" err="1" smtClean="0">
                   <a:solidFill>
                     <a:schemeClr val="tx1"/>
                   </a:solidFill>
-                  <a:latin typeface="Arial"/>
-                  <a:cs typeface="Arial"/>
+                  <a:latin typeface="Times New Roman"/>
+                  <a:cs typeface="Times New Roman"/>
                 </a:rPr>
                 <a:t>3</a:t>
               </a:r>
-              <a:endParaRPr lang="en-US" sz="1400" baseline="-25000" dirty="0">
-                <a:solidFill>
-                  <a:schemeClr val="tx1"/>
-                </a:solidFill>
-                <a:latin typeface="Arial"/>
-                <a:cs typeface="Arial"/>
+              <a:endParaRPr lang="en-US" sz="1400" i="1" baseline="-25000" dirty="0">
+                <a:solidFill>
+                  <a:schemeClr val="tx1"/>
+                </a:solidFill>
+                <a:latin typeface="Times New Roman"/>
+                <a:cs typeface="Times New Roman"/>
               </a:endParaRPr>
             </a:p>
           </p:txBody>
@@ -8184,14 +8193,14 @@
             <a:p>
               <a:r>
                 <a:rPr lang="en-US" sz="1400" dirty="0" smtClean="0">
-                  <a:latin typeface="Arial"/>
-                  <a:cs typeface="Arial"/>
+                  <a:latin typeface="Times New Roman"/>
+                  <a:cs typeface="Times New Roman"/>
                 </a:rPr>
                 <a:t>2</a:t>
               </a:r>
               <a:endParaRPr lang="en-US" sz="1400" dirty="0">
-                <a:latin typeface="Arial"/>
-                <a:cs typeface="Arial"/>
+                <a:latin typeface="Times New Roman"/>
+                <a:cs typeface="Times New Roman"/>
               </a:endParaRPr>
             </a:p>
           </p:txBody>
@@ -8220,14 +8229,14 @@
             <a:p>
               <a:r>
                 <a:rPr lang="en-US" sz="1400" dirty="0" smtClean="0">
-                  <a:latin typeface="Arial"/>
-                  <a:cs typeface="Arial"/>
+                  <a:latin typeface="Times New Roman"/>
+                  <a:cs typeface="Times New Roman"/>
                 </a:rPr>
                 <a:t>1</a:t>
               </a:r>
               <a:endParaRPr lang="en-US" sz="1400" dirty="0">
-                <a:latin typeface="Arial"/>
-                <a:cs typeface="Arial"/>
+                <a:latin typeface="Times New Roman"/>
+                <a:cs typeface="Times New Roman"/>
               </a:endParaRPr>
             </a:p>
           </p:txBody>
@@ -8256,14 +8265,14 @@
             <a:p>
               <a:r>
                 <a:rPr lang="en-US" sz="1400" dirty="0" smtClean="0">
-                  <a:latin typeface="Arial"/>
-                  <a:cs typeface="Arial"/>
+                  <a:latin typeface="Times New Roman"/>
+                  <a:cs typeface="Times New Roman"/>
                 </a:rPr>
                 <a:t>1</a:t>
               </a:r>
               <a:endParaRPr lang="en-US" sz="1400" dirty="0">
-                <a:latin typeface="Arial"/>
-                <a:cs typeface="Arial"/>
+                <a:latin typeface="Times New Roman"/>
+                <a:cs typeface="Times New Roman"/>
               </a:endParaRPr>
             </a:p>
           </p:txBody>
@@ -8292,14 +8301,14 @@
             <a:p>
               <a:r>
                 <a:rPr lang="en-US" sz="1400" dirty="0" smtClean="0">
-                  <a:latin typeface="Arial"/>
-                  <a:cs typeface="Arial"/>
+                  <a:latin typeface="Times New Roman"/>
+                  <a:cs typeface="Times New Roman"/>
                 </a:rPr>
                 <a:t>3</a:t>
               </a:r>
               <a:endParaRPr lang="en-US" sz="1400" dirty="0">
-                <a:latin typeface="Arial"/>
-                <a:cs typeface="Arial"/>
+                <a:latin typeface="Times New Roman"/>
+                <a:cs typeface="Times New Roman"/>
               </a:endParaRPr>
             </a:p>
           </p:txBody>
@@ -8313,7 +8322,7 @@
           <p:spPr>
             <a:xfrm>
               <a:off x="1875098" y="4557036"/>
-              <a:ext cx="450336" cy="338554"/>
+              <a:ext cx="402975" cy="338554"/>
             </a:xfrm>
             <a:prstGeom prst="rect">
               <a:avLst/>
@@ -8327,15 +8336,15 @@
             <a:lstStyle/>
             <a:p>
               <a:r>
-                <a:rPr lang="en-US" sz="1600" i="1" dirty="0" smtClean="0">
-                  <a:latin typeface="Arial"/>
-                  <a:cs typeface="Arial"/>
+                <a:rPr lang="en-US" sz="1600" dirty="0" smtClean="0">
+                  <a:latin typeface="Times New Roman"/>
+                  <a:cs typeface="Times New Roman"/>
                 </a:rPr>
-                <a:t>x1</a:t>
+                <a:t>×1</a:t>
               </a:r>
-              <a:endParaRPr lang="en-US" sz="1600" i="1" dirty="0">
-                <a:latin typeface="Arial"/>
-                <a:cs typeface="Arial"/>
+              <a:endParaRPr lang="en-US" sz="1600" dirty="0">
+                <a:latin typeface="Times New Roman"/>
+                <a:cs typeface="Times New Roman"/>
               </a:endParaRPr>
             </a:p>
           </p:txBody>
@@ -8350,7 +8359,7 @@
         <p:spPr>
           <a:xfrm>
             <a:off x="4369956" y="1360673"/>
-            <a:ext cx="404089" cy="307777"/>
+            <a:ext cx="383927" cy="307777"/>
           </a:xfrm>
           <a:prstGeom prst="rect">
             <a:avLst/>
@@ -8365,14 +8374,14 @@
           <a:p>
             <a:r>
               <a:rPr lang="en-US" sz="1400" dirty="0" smtClean="0">
-                <a:latin typeface="Arial"/>
-                <a:cs typeface="Arial"/>
+                <a:latin typeface="Times New Roman"/>
+                <a:cs typeface="Times New Roman"/>
               </a:rPr>
               <a:t>(a)</a:t>
             </a:r>
             <a:endParaRPr lang="en-US" sz="1400" dirty="0">
-              <a:latin typeface="Arial"/>
-              <a:cs typeface="Arial"/>
+              <a:latin typeface="Times New Roman"/>
+              <a:cs typeface="Times New Roman"/>
             </a:endParaRPr>
           </a:p>
         </p:txBody>
@@ -8401,28 +8410,28 @@
           <a:p>
             <a:r>
               <a:rPr lang="en-US" sz="1400" dirty="0" smtClean="0">
-                <a:latin typeface="Arial"/>
-                <a:cs typeface="Arial"/>
+                <a:latin typeface="Times New Roman"/>
+                <a:cs typeface="Times New Roman"/>
               </a:rPr>
               <a:t>(</a:t>
             </a:r>
             <a:r>
               <a:rPr lang="en-US" sz="1400" dirty="0" err="1" smtClean="0">
-                <a:latin typeface="Arial"/>
-                <a:cs typeface="Arial"/>
+                <a:latin typeface="Times New Roman"/>
+                <a:cs typeface="Times New Roman"/>
               </a:rPr>
               <a:t>b</a:t>
             </a:r>
             <a:r>
               <a:rPr lang="en-US" sz="1400" dirty="0" smtClean="0">
-                <a:latin typeface="Arial"/>
-                <a:cs typeface="Arial"/>
+                <a:latin typeface="Times New Roman"/>
+                <a:cs typeface="Times New Roman"/>
               </a:rPr>
               <a:t>)</a:t>
             </a:r>
             <a:endParaRPr lang="en-US" sz="1400" dirty="0">
-              <a:latin typeface="Arial"/>
-              <a:cs typeface="Arial"/>
+              <a:latin typeface="Times New Roman"/>
+              <a:cs typeface="Times New Roman"/>
             </a:endParaRPr>
           </a:p>
         </p:txBody>
@@ -8435,7 +8444,7 @@
         </p:nvSpPr>
         <p:spPr>
           <a:xfrm>
-            <a:off x="4377858" y="5656783"/>
+            <a:off x="4377858" y="5092271"/>
             <a:ext cx="394008" cy="307777"/>
           </a:xfrm>
           <a:prstGeom prst="rect">
@@ -8451,28 +8460,28 @@
           <a:p>
             <a:r>
               <a:rPr lang="en-US" sz="1400" dirty="0" smtClean="0">
-                <a:latin typeface="Arial"/>
-                <a:cs typeface="Arial"/>
+                <a:latin typeface="Times New Roman"/>
+                <a:cs typeface="Times New Roman"/>
               </a:rPr>
               <a:t>(</a:t>
             </a:r>
             <a:r>
               <a:rPr lang="en-US" sz="1400" dirty="0" err="1" smtClean="0">
-                <a:latin typeface="Arial"/>
-                <a:cs typeface="Arial"/>
+                <a:latin typeface="Times New Roman"/>
+                <a:cs typeface="Times New Roman"/>
               </a:rPr>
               <a:t>c</a:t>
             </a:r>
             <a:r>
               <a:rPr lang="en-US" sz="1400" dirty="0" smtClean="0">
-                <a:latin typeface="Arial"/>
-                <a:cs typeface="Arial"/>
+                <a:latin typeface="Times New Roman"/>
+                <a:cs typeface="Times New Roman"/>
               </a:rPr>
               <a:t>)</a:t>
             </a:r>
             <a:endParaRPr lang="en-US" sz="1400" dirty="0">
-              <a:latin typeface="Arial"/>
-              <a:cs typeface="Arial"/>
+              <a:latin typeface="Times New Roman"/>
+              <a:cs typeface="Times New Roman"/>
             </a:endParaRPr>
           </a:p>
         </p:txBody>
@@ -9005,10 +9014,6 @@
               </a:rPr>
               <a:t>) = 0</a:t>
             </a:r>
-            <a:endParaRPr lang="en-US" sz="1400" dirty="0" smtClean="0">
-              <a:latin typeface="Arial"/>
-              <a:cs typeface="Arial"/>
-            </a:endParaRPr>
           </a:p>
           <a:p>
             <a:r>
@@ -9051,14 +9056,7 @@
                 <a:latin typeface="Arial"/>
                 <a:cs typeface="Arial"/>
               </a:rPr>
-              <a:t>) =</a:t>
-            </a:r>
-            <a:r>
-              <a:rPr lang="en-US" sz="1400" dirty="0" smtClean="0">
-                <a:latin typeface="Arial"/>
-                <a:cs typeface="Arial"/>
-              </a:rPr>
-              <a:t> 2</a:t>
+              <a:t>) = 2</a:t>
             </a:r>
           </a:p>
           <a:p>
@@ -9162,14 +9160,51 @@
                 <a:latin typeface="Arial"/>
                 <a:cs typeface="Arial"/>
               </a:rPr>
-              <a:t>, </a:t>
+              <a:t>, Filter</a:t>
+            </a:r>
+            <a:r>
+              <a:rPr lang="en-US" sz="1400" baseline="-25000" dirty="0" smtClean="0">
+                <a:latin typeface="Arial"/>
+                <a:cs typeface="Arial"/>
+              </a:rPr>
+              <a:t>2</a:t>
             </a:r>
             <a:r>
               <a:rPr lang="en-US" sz="1400" dirty="0" smtClean="0">
                 <a:latin typeface="Arial"/>
                 <a:cs typeface="Arial"/>
               </a:rPr>
-              <a:t>Filter</a:t>
+              <a:t>) = 1</a:t>
+            </a:r>
+          </a:p>
+          <a:p>
+            <a:r>
+              <a:rPr lang="en-US" sz="1400" i="1" dirty="0" err="1" smtClean="0">
+                <a:latin typeface="Arial"/>
+                <a:cs typeface="Arial"/>
+              </a:rPr>
+              <a:t>u</a:t>
+            </a:r>
+            <a:r>
+              <a:rPr lang="en-US" sz="1400" dirty="0" err="1" smtClean="0">
+                <a:latin typeface="Arial"/>
+                <a:cs typeface="Arial"/>
+              </a:rPr>
+              <a:t>(</a:t>
+            </a:r>
+            <a:r>
+              <a:rPr lang="en-US" sz="1400" i="1" dirty="0" err="1" smtClean="0">
+                <a:latin typeface="Arial"/>
+                <a:cs typeface="Arial"/>
+              </a:rPr>
+              <a:t>W</a:t>
+            </a:r>
+            <a:r>
+              <a:rPr lang="en-US" sz="1400" dirty="0" smtClean="0">
+                <a:latin typeface="Arial"/>
+                <a:cs typeface="Arial"/>
+              </a:rPr>
+              <a:t>, Filter</a:t>
             </a:r>
             <a:r>
               <a:rPr lang="en-US" sz="1400" baseline="-25000" dirty="0" smtClean="0">
@@ -9183,86 +9218,7 @@
                 <a:latin typeface="Arial"/>
                 <a:cs typeface="Arial"/>
               </a:rPr>
-              <a:t>) </a:t>
-            </a:r>
-            <a:r>
-              <a:rPr lang="en-US" sz="1400" dirty="0" smtClean="0">
-                <a:latin typeface="Arial"/>
-                <a:cs typeface="Arial"/>
-              </a:rPr>
-              <a:t>=</a:t>
-            </a:r>
-            <a:r>
-              <a:rPr lang="en-US" sz="1400" dirty="0" smtClean="0">
-                <a:latin typeface="Arial"/>
-                <a:cs typeface="Arial"/>
-              </a:rPr>
-              <a:t> 1</a:t>
-            </a:r>
-          </a:p>
-          <a:p>
-            <a:r>
-              <a:rPr lang="en-US" sz="1400" i="1" dirty="0" err="1" smtClean="0">
-                <a:latin typeface="Arial"/>
-                <a:cs typeface="Arial"/>
-              </a:rPr>
-              <a:t>u</a:t>
-            </a:r>
-            <a:r>
-              <a:rPr lang="en-US" sz="1400" dirty="0" err="1" smtClean="0">
-                <a:latin typeface="Arial"/>
-                <a:cs typeface="Arial"/>
-              </a:rPr>
-              <a:t>(</a:t>
-            </a:r>
-            <a:r>
-              <a:rPr lang="en-US" sz="1400" i="1" dirty="0" err="1" smtClean="0">
-                <a:latin typeface="Arial"/>
-                <a:cs typeface="Arial"/>
-              </a:rPr>
-              <a:t>W</a:t>
-            </a:r>
-            <a:r>
-              <a:rPr lang="en-US" sz="1400" dirty="0" smtClean="0">
-                <a:latin typeface="Arial"/>
-                <a:cs typeface="Arial"/>
-              </a:rPr>
-              <a:t>, </a:t>
-            </a:r>
-            <a:r>
-              <a:rPr lang="en-US" sz="1400" dirty="0" smtClean="0">
-                <a:latin typeface="Arial"/>
-                <a:cs typeface="Arial"/>
-              </a:rPr>
-              <a:t>Filter</a:t>
-            </a:r>
-            <a:r>
-              <a:rPr lang="en-US" sz="1400" baseline="-25000" dirty="0" smtClean="0">
-                <a:latin typeface="Arial"/>
-                <a:cs typeface="Arial"/>
-              </a:rPr>
-              <a:t>2</a:t>
-            </a:r>
-            <a:r>
-              <a:rPr lang="en-US" sz="1400" dirty="0" smtClean="0">
-                <a:latin typeface="Arial"/>
-                <a:cs typeface="Arial"/>
-              </a:rPr>
-              <a:t>) </a:t>
-            </a:r>
-            <a:r>
-              <a:rPr lang="en-US" sz="1400" dirty="0" smtClean="0">
-                <a:latin typeface="Arial"/>
-                <a:cs typeface="Arial"/>
-              </a:rPr>
-              <a:t>=</a:t>
-            </a:r>
-            <a:r>
-              <a:rPr lang="en-US" sz="1400" dirty="0" smtClean="0">
-                <a:latin typeface="Arial"/>
-                <a:cs typeface="Arial"/>
-              </a:rPr>
-              <a:t> 1</a:t>
+              <a:t>) = 1</a:t>
             </a:r>
           </a:p>
           <a:p>
@@ -9366,14 +9322,51 @@
                 <a:latin typeface="Arial"/>
                 <a:cs typeface="Arial"/>
               </a:rPr>
-              <a:t>, </a:t>
+              <a:t>, Filter</a:t>
+            </a:r>
+            <a:r>
+              <a:rPr lang="en-US" sz="1400" baseline="-25000" dirty="0" smtClean="0">
+                <a:latin typeface="Arial"/>
+                <a:cs typeface="Arial"/>
+              </a:rPr>
+              <a:t>3</a:t>
             </a:r>
             <a:r>
               <a:rPr lang="en-US" sz="1400" dirty="0" smtClean="0">
                 <a:latin typeface="Arial"/>
                 <a:cs typeface="Arial"/>
               </a:rPr>
-              <a:t>Filter</a:t>
+              <a:t>) = 3</a:t>
+            </a:r>
+          </a:p>
+          <a:p>
+            <a:r>
+              <a:rPr lang="en-US" sz="1400" i="1" dirty="0" err="1" smtClean="0">
+                <a:latin typeface="Arial"/>
+                <a:cs typeface="Arial"/>
+              </a:rPr>
+              <a:t>u</a:t>
+            </a:r>
+            <a:r>
+              <a:rPr lang="en-US" sz="1400" dirty="0" err="1" smtClean="0">
+                <a:latin typeface="Arial"/>
+                <a:cs typeface="Arial"/>
+              </a:rPr>
+              <a:t>(</a:t>
+            </a:r>
+            <a:r>
+              <a:rPr lang="en-US" sz="1400" i="1" dirty="0" err="1" smtClean="0">
+                <a:latin typeface="Arial"/>
+                <a:cs typeface="Arial"/>
+              </a:rPr>
+              <a:t>W</a:t>
+            </a:r>
+            <a:r>
+              <a:rPr lang="en-US" sz="1400" dirty="0" smtClean="0">
+                <a:latin typeface="Arial"/>
+                <a:cs typeface="Arial"/>
+              </a:rPr>
+              <a:t>, Filter</a:t>
             </a:r>
             <a:r>
               <a:rPr lang="en-US" sz="1400" baseline="-25000" dirty="0" smtClean="0">
@@ -9387,86 +9380,7 @@
                 <a:latin typeface="Arial"/>
                 <a:cs typeface="Arial"/>
               </a:rPr>
-              <a:t>) </a:t>
-            </a:r>
-            <a:r>
-              <a:rPr lang="en-US" sz="1400" dirty="0" smtClean="0">
-                <a:latin typeface="Arial"/>
-                <a:cs typeface="Arial"/>
-              </a:rPr>
-              <a:t>=</a:t>
-            </a:r>
-            <a:r>
-              <a:rPr lang="en-US" sz="1400" dirty="0" smtClean="0">
-                <a:latin typeface="Arial"/>
-                <a:cs typeface="Arial"/>
-              </a:rPr>
-              <a:t> 3</a:t>
-            </a:r>
-          </a:p>
-          <a:p>
-            <a:r>
-              <a:rPr lang="en-US" sz="1400" i="1" dirty="0" err="1" smtClean="0">
-                <a:latin typeface="Arial"/>
-                <a:cs typeface="Arial"/>
-              </a:rPr>
-              <a:t>u</a:t>
-            </a:r>
-            <a:r>
-              <a:rPr lang="en-US" sz="1400" dirty="0" err="1" smtClean="0">
-                <a:latin typeface="Arial"/>
-                <a:cs typeface="Arial"/>
-              </a:rPr>
-              <a:t>(</a:t>
-            </a:r>
-            <a:r>
-              <a:rPr lang="en-US" sz="1400" i="1" dirty="0" err="1" smtClean="0">
-                <a:latin typeface="Arial"/>
-                <a:cs typeface="Arial"/>
-              </a:rPr>
-              <a:t>W</a:t>
-            </a:r>
-            <a:r>
-              <a:rPr lang="en-US" sz="1400" dirty="0" smtClean="0">
-                <a:latin typeface="Arial"/>
-                <a:cs typeface="Arial"/>
-              </a:rPr>
-              <a:t>, </a:t>
-            </a:r>
-            <a:r>
-              <a:rPr lang="en-US" sz="1400" dirty="0" smtClean="0">
-                <a:latin typeface="Arial"/>
-                <a:cs typeface="Arial"/>
-              </a:rPr>
-              <a:t>Filter</a:t>
-            </a:r>
-            <a:r>
-              <a:rPr lang="en-US" sz="1400" baseline="-25000" dirty="0" smtClean="0">
-                <a:latin typeface="Arial"/>
-                <a:cs typeface="Arial"/>
-              </a:rPr>
-              <a:t>3</a:t>
-            </a:r>
-            <a:r>
-              <a:rPr lang="en-US" sz="1400" dirty="0" smtClean="0">
-                <a:latin typeface="Arial"/>
-                <a:cs typeface="Arial"/>
-              </a:rPr>
-              <a:t>) </a:t>
-            </a:r>
-            <a:r>
-              <a:rPr lang="en-US" sz="1400" dirty="0" smtClean="0">
-                <a:latin typeface="Arial"/>
-                <a:cs typeface="Arial"/>
-              </a:rPr>
-              <a:t>=</a:t>
-            </a:r>
-            <a:r>
-              <a:rPr lang="en-US" sz="1400" dirty="0" smtClean="0">
-                <a:latin typeface="Arial"/>
-                <a:cs typeface="Arial"/>
-              </a:rPr>
-              <a:t> 0</a:t>
+              <a:t>) = 0</a:t>
             </a:r>
           </a:p>
           <a:p>
@@ -11969,7 +11883,17 @@
                 <a:latin typeface="Arial"/>
                 <a:cs typeface="Arial"/>
               </a:rPr>
-              <a:t>,</a:t>
+              <a:t>, F</a:t>
+            </a:r>
+            <a:r>
+              <a:rPr lang="en-US" sz="1200" baseline="-25000" dirty="0" smtClean="0">
+                <a:solidFill>
+                  <a:schemeClr val="tx1"/>
+                </a:solidFill>
+                <a:latin typeface="Arial"/>
+                <a:cs typeface="Arial"/>
+              </a:rPr>
+              <a:t>3</a:t>
             </a:r>
             <a:r>
               <a:rPr lang="en-US" sz="1200" dirty="0" smtClean="0">
@@ -11979,7 +11903,27 @@
                 <a:latin typeface="Arial"/>
                 <a:cs typeface="Arial"/>
               </a:rPr>
-              <a:t> F</a:t>
+              <a:t>)</a:t>
+            </a:r>
+            <a:r>
+              <a:rPr lang="en-US" sz="1200" i="1" dirty="0" smtClean="0">
+                <a:solidFill>
+                  <a:schemeClr val="tx1"/>
+                </a:solidFill>
+                <a:latin typeface="Arial"/>
+                <a:cs typeface="Arial"/>
+              </a:rPr>
+              <a:t> </a:t>
+            </a:r>
+            <a:r>
+              <a:rPr lang="en-US" sz="1200" dirty="0" smtClean="0">
+                <a:solidFill>
+                  <a:schemeClr val="tx1"/>
+                </a:solidFill>
+                <a:latin typeface="Arial"/>
+                <a:cs typeface="Arial"/>
+              </a:rPr>
+              <a:t>= ((1, (F</a:t>
             </a:r>
             <a:r>
               <a:rPr lang="en-US" sz="1200" baseline="-25000" dirty="0" smtClean="0">
@@ -11989,6 +11933,26 @@
                 <a:latin typeface="Arial"/>
                 <a:cs typeface="Arial"/>
               </a:rPr>
+              <a:t>1</a:t>
+            </a:r>
+            <a:r>
+              <a:rPr lang="en-US" sz="1200" dirty="0" smtClean="0">
+                <a:solidFill>
+                  <a:schemeClr val="tx1"/>
+                </a:solidFill>
+                <a:latin typeface="Arial"/>
+                <a:cs typeface="Arial"/>
+              </a:rPr>
+              <a:t>, F</a:t>
+            </a:r>
+            <a:r>
+              <a:rPr lang="en-US" sz="1200" baseline="-25000" dirty="0" smtClean="0">
+                <a:solidFill>
+                  <a:schemeClr val="tx1"/>
+                </a:solidFill>
+                <a:latin typeface="Arial"/>
+                <a:cs typeface="Arial"/>
+              </a:rPr>
               <a:t>3</a:t>
             </a:r>
             <a:r>
@@ -11999,18 +11963,10 @@
                 <a:latin typeface="Arial"/>
                 <a:cs typeface="Arial"/>
               </a:rPr>
-              <a:t>)</a:t>
-            </a:r>
-            <a:r>
-              <a:rPr lang="en-US" sz="1200" i="1" dirty="0" smtClean="0">
-                <a:solidFill>
-                  <a:schemeClr val="tx1"/>
-                </a:solidFill>
-                <a:latin typeface="Arial"/>
-                <a:cs typeface="Arial"/>
-              </a:rPr>
-              <a:t> </a:t>
-            </a:r>
+              <a:t>)),</a:t>
+            </a:r>
+          </a:p>
+          <a:p>
             <a:r>
               <a:rPr lang="en-US" sz="1200" dirty="0" smtClean="0">
                 <a:solidFill>
@@ -12019,7 +11975,17 @@
                 <a:latin typeface="Arial"/>
                 <a:cs typeface="Arial"/>
               </a:rPr>
-              <a:t>= ((1, </a:t>
+              <a:t>                   (2, (F</a:t>
+            </a:r>
+            <a:r>
+              <a:rPr lang="en-US" sz="1200" baseline="-25000" dirty="0" smtClean="0">
+                <a:solidFill>
+                  <a:schemeClr val="tx1"/>
+                </a:solidFill>
+                <a:latin typeface="Arial"/>
+                <a:cs typeface="Arial"/>
+              </a:rPr>
+              <a:t>2</a:t>
             </a:r>
             <a:r>
               <a:rPr lang="en-US" sz="1200" dirty="0" smtClean="0">
@@ -12029,139 +11995,7 @@
                 <a:latin typeface="Arial"/>
                 <a:cs typeface="Arial"/>
               </a:rPr>
-              <a:t>(</a:t>
-            </a:r>
-            <a:r>
-              <a:rPr lang="en-US" sz="1200" dirty="0" smtClean="0">
-                <a:solidFill>
-                  <a:schemeClr val="tx1"/>
-                </a:solidFill>
-                <a:latin typeface="Arial"/>
-                <a:cs typeface="Arial"/>
-              </a:rPr>
-              <a:t>F</a:t>
-            </a:r>
-            <a:r>
-              <a:rPr lang="en-US" sz="1200" baseline="-25000" dirty="0" smtClean="0">
-                <a:solidFill>
-                  <a:schemeClr val="tx1"/>
-                </a:solidFill>
-                <a:latin typeface="Arial"/>
-                <a:cs typeface="Arial"/>
-              </a:rPr>
-              <a:t>1</a:t>
-            </a:r>
-            <a:r>
-              <a:rPr lang="en-US" sz="1200" dirty="0" smtClean="0">
-                <a:solidFill>
-                  <a:schemeClr val="tx1"/>
-                </a:solidFill>
-                <a:latin typeface="Arial"/>
-                <a:cs typeface="Arial"/>
-              </a:rPr>
-              <a:t>,</a:t>
-            </a:r>
-            <a:r>
-              <a:rPr lang="en-US" sz="1200" dirty="0" smtClean="0">
-                <a:solidFill>
-                  <a:schemeClr val="tx1"/>
-                </a:solidFill>
-                <a:latin typeface="Arial"/>
-                <a:cs typeface="Arial"/>
-              </a:rPr>
-              <a:t> F</a:t>
-            </a:r>
-            <a:r>
-              <a:rPr lang="en-US" sz="1200" baseline="-25000" dirty="0" smtClean="0">
-                <a:solidFill>
-                  <a:schemeClr val="tx1"/>
-                </a:solidFill>
-                <a:latin typeface="Arial"/>
-                <a:cs typeface="Arial"/>
-              </a:rPr>
-              <a:t>3</a:t>
-            </a:r>
-            <a:r>
-              <a:rPr lang="en-US" sz="1200" dirty="0" smtClean="0">
-                <a:solidFill>
-                  <a:schemeClr val="tx1"/>
-                </a:solidFill>
-                <a:latin typeface="Arial"/>
-                <a:cs typeface="Arial"/>
-              </a:rPr>
-              <a:t>)</a:t>
-            </a:r>
-            <a:r>
-              <a:rPr lang="en-US" sz="1200" dirty="0" smtClean="0">
-                <a:solidFill>
-                  <a:schemeClr val="tx1"/>
-                </a:solidFill>
-                <a:latin typeface="Arial"/>
-                <a:cs typeface="Arial"/>
-              </a:rPr>
-              <a:t>),</a:t>
-            </a:r>
-          </a:p>
-          <a:p>
-            <a:r>
-              <a:rPr lang="en-US" sz="1200" dirty="0" smtClean="0">
-                <a:solidFill>
-                  <a:schemeClr val="tx1"/>
-                </a:solidFill>
-                <a:latin typeface="Arial"/>
-                <a:cs typeface="Arial"/>
-              </a:rPr>
-              <a:t>                  </a:t>
-            </a:r>
-            <a:r>
-              <a:rPr lang="en-US" sz="1200" dirty="0" smtClean="0">
-                <a:solidFill>
-                  <a:schemeClr val="tx1"/>
-                </a:solidFill>
-                <a:latin typeface="Arial"/>
-                <a:cs typeface="Arial"/>
-              </a:rPr>
-              <a:t> (2, (</a:t>
-            </a:r>
-            <a:r>
-              <a:rPr lang="en-US" sz="1200" dirty="0" smtClean="0">
-                <a:solidFill>
-                  <a:schemeClr val="tx1"/>
-                </a:solidFill>
-                <a:latin typeface="Arial"/>
-                <a:cs typeface="Arial"/>
-              </a:rPr>
-              <a:t>F</a:t>
-            </a:r>
-            <a:r>
-              <a:rPr lang="en-US" sz="1200" baseline="-25000" dirty="0" smtClean="0">
-                <a:solidFill>
-                  <a:schemeClr val="tx1"/>
-                </a:solidFill>
-                <a:latin typeface="Arial"/>
-                <a:cs typeface="Arial"/>
-              </a:rPr>
-              <a:t>2</a:t>
-            </a:r>
-            <a:r>
-              <a:rPr lang="en-US" sz="1200" dirty="0" smtClean="0">
-                <a:solidFill>
-                  <a:schemeClr val="tx1"/>
-                </a:solidFill>
-                <a:latin typeface="Arial"/>
-                <a:cs typeface="Arial"/>
-              </a:rPr>
-              <a:t>,</a:t>
-            </a:r>
-            <a:r>
-              <a:rPr lang="en-US" sz="1200" dirty="0" smtClean="0">
-                <a:solidFill>
-                  <a:schemeClr val="tx1"/>
-                </a:solidFill>
-                <a:latin typeface="Arial"/>
-                <a:cs typeface="Arial"/>
-              </a:rPr>
-              <a:t> F</a:t>
+              <a:t>, F</a:t>
             </a:r>
             <a:r>
               <a:rPr lang="en-US" sz="1200" baseline="-25000" dirty="0" smtClean="0">
@@ -12272,7 +12106,17 @@
                 <a:latin typeface="Arial"/>
                 <a:cs typeface="Arial"/>
               </a:rPr>
-              <a:t>= (</a:t>
+              <a:t>= ((2, {(F</a:t>
+            </a:r>
+            <a:r>
+              <a:rPr lang="en-US" sz="1200" baseline="-25000" dirty="0" smtClean="0">
+                <a:solidFill>
+                  <a:schemeClr val="tx1"/>
+                </a:solidFill>
+                <a:latin typeface="Arial"/>
+                <a:cs typeface="Arial"/>
+              </a:rPr>
+              <a:t>3</a:t>
             </a:r>
             <a:r>
               <a:rPr lang="en-US" sz="1200" dirty="0" smtClean="0">
@@ -12282,7 +12126,7 @@
                 <a:latin typeface="Arial"/>
                 <a:cs typeface="Arial"/>
               </a:rPr>
-              <a:t>(2, {(F</a:t>
+              <a:t>, F</a:t>
             </a:r>
             <a:r>
               <a:rPr lang="en-US" sz="1200" baseline="-25000" dirty="0" smtClean="0">
@@ -12292,6 +12136,38 @@
                 <a:latin typeface="Arial"/>
                 <a:cs typeface="Arial"/>
               </a:rPr>
+              <a:t>4</a:t>
+            </a:r>
+            <a:r>
+              <a:rPr lang="en-US" sz="1200" dirty="0" smtClean="0">
+                <a:solidFill>
+                  <a:schemeClr val="tx1"/>
+                </a:solidFill>
+                <a:latin typeface="Arial"/>
+                <a:cs typeface="Arial"/>
+              </a:rPr>
+              <a:t>)}),</a:t>
+            </a:r>
+          </a:p>
+          <a:p>
+            <a:r>
+              <a:rPr lang="en-US" sz="1200" dirty="0" smtClean="0">
+                <a:solidFill>
+                  <a:schemeClr val="tx1"/>
+                </a:solidFill>
+                <a:latin typeface="Arial"/>
+                <a:cs typeface="Arial"/>
+              </a:rPr>
+              <a:t>       (1, {(F</a:t>
+            </a:r>
+            <a:r>
+              <a:rPr lang="en-US" sz="1200" baseline="-25000" dirty="0" smtClean="0">
+                <a:solidFill>
+                  <a:schemeClr val="tx1"/>
+                </a:solidFill>
+                <a:latin typeface="Arial"/>
+                <a:cs typeface="Arial"/>
+              </a:rPr>
               <a:t>3</a:t>
             </a:r>
             <a:r>
@@ -12322,7 +12198,17 @@
                 <a:latin typeface="Arial"/>
                 <a:cs typeface="Arial"/>
               </a:rPr>
-              <a:t>)})</a:t>
+              <a:t>), (F</a:t>
+            </a:r>
+            <a:r>
+              <a:rPr lang="en-US" sz="1200" baseline="-25000" dirty="0" smtClean="0">
+                <a:solidFill>
+                  <a:schemeClr val="tx1"/>
+                </a:solidFill>
+                <a:latin typeface="Arial"/>
+                <a:cs typeface="Arial"/>
+              </a:rPr>
+              <a:t>3</a:t>
             </a:r>
             <a:r>
               <a:rPr lang="en-US" sz="1200" dirty="0" smtClean="0">
@@ -12332,10 +12218,18 @@
                 <a:latin typeface="Arial"/>
                 <a:cs typeface="Arial"/>
               </a:rPr>
-              <a:t>,</a:t>
-            </a:r>
-          </a:p>
-          <a:p>
+              <a:t>, F</a:t>
+            </a:r>
+            <a:r>
+              <a:rPr lang="en-US" sz="1200" baseline="-25000" dirty="0" smtClean="0">
+                <a:solidFill>
+                  <a:schemeClr val="tx1"/>
+                </a:solidFill>
+                <a:latin typeface="Arial"/>
+                <a:cs typeface="Arial"/>
+              </a:rPr>
+              <a:t>4</a:t>
+            </a:r>
             <a:r>
               <a:rPr lang="en-US" sz="1200" dirty="0" smtClean="0">
                 <a:solidFill>
@@ -12344,115 +12238,8 @@
                 <a:latin typeface="Arial"/>
                 <a:cs typeface="Arial"/>
               </a:rPr>
-              <a:t>      </a:t>
-            </a:r>
-            <a:r>
-              <a:rPr lang="en-US" sz="1200" dirty="0" smtClean="0">
-                <a:solidFill>
-                  <a:schemeClr val="tx1"/>
-                </a:solidFill>
-                <a:latin typeface="Arial"/>
-                <a:cs typeface="Arial"/>
-              </a:rPr>
-              <a:t> (1, {(F</a:t>
-            </a:r>
-            <a:r>
-              <a:rPr lang="en-US" sz="1200" baseline="-25000" dirty="0" smtClean="0">
-                <a:solidFill>
-                  <a:schemeClr val="tx1"/>
-                </a:solidFill>
-                <a:latin typeface="Arial"/>
-                <a:cs typeface="Arial"/>
-              </a:rPr>
-              <a:t>3</a:t>
-            </a:r>
-            <a:r>
-              <a:rPr lang="en-US" sz="1200" dirty="0" smtClean="0">
-                <a:solidFill>
-                  <a:schemeClr val="tx1"/>
-                </a:solidFill>
-                <a:latin typeface="Arial"/>
-                <a:cs typeface="Arial"/>
-              </a:rPr>
-              <a:t>, F</a:t>
-            </a:r>
-            <a:r>
-              <a:rPr lang="en-US" sz="1200" baseline="-25000" dirty="0" smtClean="0">
-                <a:solidFill>
-                  <a:schemeClr val="tx1"/>
-                </a:solidFill>
-                <a:latin typeface="Arial"/>
-                <a:cs typeface="Arial"/>
-              </a:rPr>
-              <a:t>4</a:t>
-            </a:r>
-            <a:r>
-              <a:rPr lang="en-US" sz="1200" dirty="0" smtClean="0">
-                <a:solidFill>
-                  <a:schemeClr val="tx1"/>
-                </a:solidFill>
-                <a:latin typeface="Arial"/>
-                <a:cs typeface="Arial"/>
-              </a:rPr>
-              <a:t>),</a:t>
-            </a:r>
-            <a:r>
-              <a:rPr lang="en-US" sz="1200" dirty="0" smtClean="0">
-                <a:solidFill>
-                  <a:schemeClr val="tx1"/>
-                </a:solidFill>
-                <a:latin typeface="Arial"/>
-                <a:cs typeface="Arial"/>
-              </a:rPr>
-              <a:t> (F</a:t>
-            </a:r>
-            <a:r>
-              <a:rPr lang="en-US" sz="1200" baseline="-25000" dirty="0" smtClean="0">
-                <a:solidFill>
-                  <a:schemeClr val="tx1"/>
-                </a:solidFill>
-                <a:latin typeface="Arial"/>
-                <a:cs typeface="Arial"/>
-              </a:rPr>
-              <a:t>3</a:t>
-            </a:r>
-            <a:r>
-              <a:rPr lang="en-US" sz="1200" dirty="0" smtClean="0">
-                <a:solidFill>
-                  <a:schemeClr val="tx1"/>
-                </a:solidFill>
-                <a:latin typeface="Arial"/>
-                <a:cs typeface="Arial"/>
-              </a:rPr>
-              <a:t>, F</a:t>
-            </a:r>
-            <a:r>
-              <a:rPr lang="en-US" sz="1200" baseline="-25000" dirty="0" smtClean="0">
-                <a:solidFill>
-                  <a:schemeClr val="tx1"/>
-                </a:solidFill>
-                <a:latin typeface="Arial"/>
-                <a:cs typeface="Arial"/>
-              </a:rPr>
-              <a:t>4</a:t>
-            </a:r>
-            <a:r>
-              <a:rPr lang="en-US" sz="1200" dirty="0" smtClean="0">
-                <a:solidFill>
-                  <a:schemeClr val="tx1"/>
-                </a:solidFill>
-                <a:latin typeface="Arial"/>
-                <a:cs typeface="Arial"/>
-              </a:rPr>
               <a:t>)}))</a:t>
             </a:r>
-            <a:endParaRPr lang="en-US" sz="1200" dirty="0" smtClean="0">
-              <a:solidFill>
-                <a:schemeClr val="tx1"/>
-              </a:solidFill>
-              <a:latin typeface="Arial"/>
-              <a:cs typeface="Arial"/>
-            </a:endParaRPr>
           </a:p>
           <a:p>
             <a:endParaRPr lang="en-US" sz="1200" dirty="0" smtClean="0">
@@ -18754,35 +18541,21 @@
                 <a:latin typeface="Arial"/>
                 <a:cs typeface="Arial"/>
               </a:rPr>
-              <a:t>, </a:t>
+              <a:t>, F</a:t>
+            </a:r>
+            <a:r>
+              <a:rPr lang="en-US" sz="1200" baseline="-25000" dirty="0" smtClean="0">
+                <a:latin typeface="Arial"/>
+                <a:cs typeface="Arial"/>
+              </a:rPr>
+              <a:t>5</a:t>
             </a:r>
             <a:r>
               <a:rPr lang="en-US" sz="1200" dirty="0" smtClean="0">
                 <a:latin typeface="Arial"/>
                 <a:cs typeface="Arial"/>
               </a:rPr>
-              <a:t>F</a:t>
-            </a:r>
-            <a:r>
-              <a:rPr lang="en-US" sz="1200" baseline="-25000" dirty="0" smtClean="0">
-                <a:latin typeface="Arial"/>
-                <a:cs typeface="Arial"/>
-              </a:rPr>
-              <a:t>5</a:t>
-            </a:r>
-            <a:r>
-              <a:rPr lang="en-US" sz="1200" dirty="0" smtClean="0">
-                <a:latin typeface="Arial"/>
-                <a:cs typeface="Arial"/>
-              </a:rPr>
-              <a:t>)</a:t>
-            </a:r>
-            <a:r>
-              <a:rPr lang="en-US" sz="1200" dirty="0" smtClean="0">
-                <a:latin typeface="Arial"/>
-                <a:cs typeface="Arial"/>
-              </a:rPr>
-              <a:t>}))</a:t>
+              <a:t>)}))</a:t>
             </a:r>
           </a:p>
           <a:p>

--- a/streams/docs/pldi-2011/figures/exe_model_examples.pptx
+++ b/streams/docs/pldi-2011/figures/exe_model_examples.pptx
@@ -7,9 +7,10 @@
   <p:sldIdLst>
     <p:sldId id="256" r:id="rId2"/>
     <p:sldId id="257" r:id="rId3"/>
-    <p:sldId id="258" r:id="rId4"/>
-    <p:sldId id="259" r:id="rId5"/>
-    <p:sldId id="260" r:id="rId6"/>
+    <p:sldId id="261" r:id="rId4"/>
+    <p:sldId id="258" r:id="rId5"/>
+    <p:sldId id="259" r:id="rId6"/>
+    <p:sldId id="260" r:id="rId7"/>
   </p:sldIdLst>
   <p:sldSz cx="9144000" cy="6858000" type="screen4x3"/>
   <p:notesSz cx="6858000" cy="9144000"/>
@@ -293,7 +294,7 @@
             <a:fld id="{FCD1AD2B-D049-894A-99EC-F5804FE8259F}" type="datetimeFigureOut">
               <a:rPr lang="en-US" smtClean="0"/>
               <a:pPr/>
-              <a:t>11/18/10</a:t>
+              <a:t>11/19/10</a:t>
             </a:fld>
             <a:endParaRPr lang="en-US"/>
           </a:p>
@@ -460,7 +461,7 @@
             <a:fld id="{FCD1AD2B-D049-894A-99EC-F5804FE8259F}" type="datetimeFigureOut">
               <a:rPr lang="en-US" smtClean="0"/>
               <a:pPr/>
-              <a:t>11/18/10</a:t>
+              <a:t>11/19/10</a:t>
             </a:fld>
             <a:endParaRPr lang="en-US"/>
           </a:p>
@@ -637,7 +638,7 @@
             <a:fld id="{FCD1AD2B-D049-894A-99EC-F5804FE8259F}" type="datetimeFigureOut">
               <a:rPr lang="en-US" smtClean="0"/>
               <a:pPr/>
-              <a:t>11/18/10</a:t>
+              <a:t>11/19/10</a:t>
             </a:fld>
             <a:endParaRPr lang="en-US"/>
           </a:p>
@@ -804,7 +805,7 @@
             <a:fld id="{FCD1AD2B-D049-894A-99EC-F5804FE8259F}" type="datetimeFigureOut">
               <a:rPr lang="en-US" smtClean="0"/>
               <a:pPr/>
-              <a:t>11/18/10</a:t>
+              <a:t>11/19/10</a:t>
             </a:fld>
             <a:endParaRPr lang="en-US"/>
           </a:p>
@@ -1047,7 +1048,7 @@
             <a:fld id="{FCD1AD2B-D049-894A-99EC-F5804FE8259F}" type="datetimeFigureOut">
               <a:rPr lang="en-US" smtClean="0"/>
               <a:pPr/>
-              <a:t>11/18/10</a:t>
+              <a:t>11/19/10</a:t>
             </a:fld>
             <a:endParaRPr lang="en-US"/>
           </a:p>
@@ -1332,7 +1333,7 @@
             <a:fld id="{FCD1AD2B-D049-894A-99EC-F5804FE8259F}" type="datetimeFigureOut">
               <a:rPr lang="en-US" smtClean="0"/>
               <a:pPr/>
-              <a:t>11/18/10</a:t>
+              <a:t>11/19/10</a:t>
             </a:fld>
             <a:endParaRPr lang="en-US"/>
           </a:p>
@@ -1751,7 +1752,7 @@
             <a:fld id="{FCD1AD2B-D049-894A-99EC-F5804FE8259F}" type="datetimeFigureOut">
               <a:rPr lang="en-US" smtClean="0"/>
               <a:pPr/>
-              <a:t>11/18/10</a:t>
+              <a:t>11/19/10</a:t>
             </a:fld>
             <a:endParaRPr lang="en-US"/>
           </a:p>
@@ -1866,7 +1867,7 @@
             <a:fld id="{FCD1AD2B-D049-894A-99EC-F5804FE8259F}" type="datetimeFigureOut">
               <a:rPr lang="en-US" smtClean="0"/>
               <a:pPr/>
-              <a:t>11/18/10</a:t>
+              <a:t>11/19/10</a:t>
             </a:fld>
             <a:endParaRPr lang="en-US"/>
           </a:p>
@@ -1958,7 +1959,7 @@
             <a:fld id="{FCD1AD2B-D049-894A-99EC-F5804FE8259F}" type="datetimeFigureOut">
               <a:rPr lang="en-US" smtClean="0"/>
               <a:pPr/>
-              <a:t>11/18/10</a:t>
+              <a:t>11/19/10</a:t>
             </a:fld>
             <a:endParaRPr lang="en-US"/>
           </a:p>
@@ -2232,7 +2233,7 @@
             <a:fld id="{FCD1AD2B-D049-894A-99EC-F5804FE8259F}" type="datetimeFigureOut">
               <a:rPr lang="en-US" smtClean="0"/>
               <a:pPr/>
-              <a:t>11/18/10</a:t>
+              <a:t>11/19/10</a:t>
             </a:fld>
             <a:endParaRPr lang="en-US"/>
           </a:p>
@@ -2482,7 +2483,7 @@
             <a:fld id="{FCD1AD2B-D049-894A-99EC-F5804FE8259F}" type="datetimeFigureOut">
               <a:rPr lang="en-US" smtClean="0"/>
               <a:pPr/>
-              <a:t>11/18/10</a:t>
+              <a:t>11/19/10</a:t>
             </a:fld>
             <a:endParaRPr lang="en-US"/>
           </a:p>
@@ -2692,7 +2693,7 @@
             <a:fld id="{FCD1AD2B-D049-894A-99EC-F5804FE8259F}" type="datetimeFigureOut">
               <a:rPr lang="en-US" smtClean="0"/>
               <a:pPr/>
-              <a:t>11/18/10</a:t>
+              <a:t>11/19/10</a:t>
             </a:fld>
             <a:endParaRPr lang="en-US"/>
           </a:p>
@@ -8520,6 +8521,2192 @@
       </p:grpSpPr>
       <p:sp>
         <p:nvSpPr>
+          <p:cNvPr id="2" name="Rounded Rectangle 1"/>
+          <p:cNvSpPr/>
+          <p:nvPr/>
+        </p:nvSpPr>
+        <p:spPr>
+          <a:xfrm>
+            <a:off x="2414865" y="4282264"/>
+            <a:ext cx="1047545" cy="380479"/>
+          </a:xfrm>
+          <a:prstGeom prst="roundRect">
+            <a:avLst/>
+          </a:prstGeom>
+          <a:noFill/>
+          <a:ln>
+            <a:solidFill>
+              <a:schemeClr val="tx1"/>
+            </a:solidFill>
+          </a:ln>
+          <a:effectLst/>
+        </p:spPr>
+        <p:style>
+          <a:lnRef idx="1">
+            <a:schemeClr val="accent1"/>
+          </a:lnRef>
+          <a:fillRef idx="3">
+            <a:schemeClr val="accent1"/>
+          </a:fillRef>
+          <a:effectRef idx="2">
+            <a:schemeClr val="accent1"/>
+          </a:effectRef>
+          <a:fontRef idx="minor">
+            <a:schemeClr val="lt1"/>
+          </a:fontRef>
+        </p:style>
+        <p:txBody>
+          <a:bodyPr wrap="none" rtlCol="0" anchor="ctr"/>
+          <a:lstStyle/>
+          <a:p>
+            <a:pPr algn="ctr"/>
+            <a:r>
+              <a:rPr lang="en-US" sz="1400" i="1" dirty="0" err="1" smtClean="0">
+                <a:solidFill>
+                  <a:schemeClr val="tx1"/>
+                </a:solidFill>
+                <a:latin typeface="Times New Roman"/>
+                <a:cs typeface="Times New Roman"/>
+              </a:rPr>
+              <a:t>Filter</a:t>
+            </a:r>
+            <a:r>
+              <a:rPr lang="en-US" sz="1400" i="1" baseline="-25000" dirty="0" err="1" smtClean="0">
+                <a:solidFill>
+                  <a:schemeClr val="tx1"/>
+                </a:solidFill>
+                <a:latin typeface="Times New Roman"/>
+                <a:cs typeface="Times New Roman"/>
+              </a:rPr>
+              <a:t>1</a:t>
+            </a:r>
+            <a:endParaRPr lang="en-US" sz="1400" i="1" baseline="-25000" dirty="0">
+              <a:solidFill>
+                <a:schemeClr val="tx1"/>
+              </a:solidFill>
+              <a:latin typeface="Times New Roman"/>
+              <a:cs typeface="Times New Roman"/>
+            </a:endParaRPr>
+          </a:p>
+        </p:txBody>
+      </p:sp>
+      <p:cxnSp>
+        <p:nvCxnSpPr>
+          <p:cNvPr id="3" name="Straight Arrow Connector 2"/>
+          <p:cNvCxnSpPr>
+            <a:stCxn id="2" idx="3"/>
+            <a:endCxn id="4" idx="1"/>
+          </p:cNvCxnSpPr>
+          <p:nvPr/>
+        </p:nvCxnSpPr>
+        <p:spPr>
+          <a:xfrm>
+            <a:off x="3462410" y="4472504"/>
+            <a:ext cx="684783" cy="1588"/>
+          </a:xfrm>
+          <a:prstGeom prst="straightConnector1">
+            <a:avLst/>
+          </a:prstGeom>
+          <a:ln w="12700" cap="flat" cmpd="sng" algn="ctr">
+            <a:solidFill>
+              <a:srgbClr val="000000"/>
+            </a:solidFill>
+            <a:prstDash val="solid"/>
+            <a:round/>
+            <a:headEnd type="none" w="med" len="med"/>
+            <a:tailEnd type="triangle" w="med" len="med"/>
+          </a:ln>
+          <a:effectLst/>
+        </p:spPr>
+        <p:style>
+          <a:lnRef idx="2">
+            <a:schemeClr val="accent1"/>
+          </a:lnRef>
+          <a:fillRef idx="0">
+            <a:schemeClr val="accent1"/>
+          </a:fillRef>
+          <a:effectRef idx="1">
+            <a:schemeClr val="accent1"/>
+          </a:effectRef>
+          <a:fontRef idx="minor">
+            <a:schemeClr val="tx1"/>
+          </a:fontRef>
+        </p:style>
+      </p:cxnSp>
+      <p:sp>
+        <p:nvSpPr>
+          <p:cNvPr id="4" name="Rounded Rectangle 3"/>
+          <p:cNvSpPr/>
+          <p:nvPr/>
+        </p:nvSpPr>
+        <p:spPr>
+          <a:xfrm>
+            <a:off x="4147193" y="4282264"/>
+            <a:ext cx="1047545" cy="380479"/>
+          </a:xfrm>
+          <a:prstGeom prst="roundRect">
+            <a:avLst/>
+          </a:prstGeom>
+          <a:noFill/>
+          <a:ln>
+            <a:solidFill>
+              <a:schemeClr val="tx1"/>
+            </a:solidFill>
+          </a:ln>
+          <a:effectLst/>
+        </p:spPr>
+        <p:style>
+          <a:lnRef idx="1">
+            <a:schemeClr val="accent1"/>
+          </a:lnRef>
+          <a:fillRef idx="3">
+            <a:schemeClr val="accent1"/>
+          </a:fillRef>
+          <a:effectRef idx="2">
+            <a:schemeClr val="accent1"/>
+          </a:effectRef>
+          <a:fontRef idx="minor">
+            <a:schemeClr val="lt1"/>
+          </a:fontRef>
+        </p:style>
+        <p:txBody>
+          <a:bodyPr wrap="none" rtlCol="0" anchor="ctr"/>
+          <a:lstStyle/>
+          <a:p>
+            <a:pPr algn="ctr"/>
+            <a:r>
+              <a:rPr lang="en-US" sz="1400" i="1" dirty="0" err="1" smtClean="0">
+                <a:solidFill>
+                  <a:schemeClr val="tx1"/>
+                </a:solidFill>
+                <a:latin typeface="Times New Roman"/>
+                <a:cs typeface="Times New Roman"/>
+              </a:rPr>
+              <a:t>Filter</a:t>
+            </a:r>
+            <a:r>
+              <a:rPr lang="en-US" sz="1400" i="1" baseline="-25000" dirty="0" err="1" smtClean="0">
+                <a:solidFill>
+                  <a:schemeClr val="tx1"/>
+                </a:solidFill>
+                <a:latin typeface="Times New Roman"/>
+                <a:cs typeface="Times New Roman"/>
+              </a:rPr>
+              <a:t>2</a:t>
+            </a:r>
+            <a:endParaRPr lang="en-US" sz="1400" i="1" baseline="-25000" dirty="0">
+              <a:solidFill>
+                <a:schemeClr val="tx1"/>
+              </a:solidFill>
+              <a:latin typeface="Times New Roman"/>
+              <a:cs typeface="Times New Roman"/>
+            </a:endParaRPr>
+          </a:p>
+        </p:txBody>
+      </p:sp>
+      <p:sp>
+        <p:nvSpPr>
+          <p:cNvPr id="5" name="Rounded Rectangle 4"/>
+          <p:cNvSpPr/>
+          <p:nvPr/>
+        </p:nvSpPr>
+        <p:spPr>
+          <a:xfrm>
+            <a:off x="5904262" y="4282264"/>
+            <a:ext cx="1047545" cy="380479"/>
+          </a:xfrm>
+          <a:prstGeom prst="roundRect">
+            <a:avLst/>
+          </a:prstGeom>
+          <a:noFill/>
+          <a:ln>
+            <a:solidFill>
+              <a:schemeClr val="tx1"/>
+            </a:solidFill>
+          </a:ln>
+          <a:effectLst/>
+        </p:spPr>
+        <p:style>
+          <a:lnRef idx="1">
+            <a:schemeClr val="accent1"/>
+          </a:lnRef>
+          <a:fillRef idx="3">
+            <a:schemeClr val="accent1"/>
+          </a:fillRef>
+          <a:effectRef idx="2">
+            <a:schemeClr val="accent1"/>
+          </a:effectRef>
+          <a:fontRef idx="minor">
+            <a:schemeClr val="lt1"/>
+          </a:fontRef>
+        </p:style>
+        <p:txBody>
+          <a:bodyPr wrap="none" rtlCol="0" anchor="ctr"/>
+          <a:lstStyle/>
+          <a:p>
+            <a:pPr algn="ctr"/>
+            <a:r>
+              <a:rPr lang="en-US" sz="1400" i="1" dirty="0" err="1" smtClean="0">
+                <a:solidFill>
+                  <a:schemeClr val="tx1"/>
+                </a:solidFill>
+                <a:latin typeface="Times New Roman"/>
+                <a:cs typeface="Times New Roman"/>
+              </a:rPr>
+              <a:t>Filter</a:t>
+            </a:r>
+            <a:r>
+              <a:rPr lang="en-US" sz="1400" i="1" baseline="-25000" dirty="0" err="1" smtClean="0">
+                <a:solidFill>
+                  <a:schemeClr val="tx1"/>
+                </a:solidFill>
+                <a:latin typeface="Times New Roman"/>
+                <a:cs typeface="Times New Roman"/>
+              </a:rPr>
+              <a:t>3</a:t>
+            </a:r>
+            <a:endParaRPr lang="en-US" sz="1400" i="1" baseline="-25000" dirty="0">
+              <a:solidFill>
+                <a:schemeClr val="tx1"/>
+              </a:solidFill>
+              <a:latin typeface="Times New Roman"/>
+              <a:cs typeface="Times New Roman"/>
+            </a:endParaRPr>
+          </a:p>
+        </p:txBody>
+      </p:sp>
+      <p:cxnSp>
+        <p:nvCxnSpPr>
+          <p:cNvPr id="8" name="Straight Arrow Connector 7"/>
+          <p:cNvCxnSpPr>
+            <a:stCxn id="4" idx="3"/>
+            <a:endCxn id="5" idx="1"/>
+          </p:cNvCxnSpPr>
+          <p:nvPr/>
+        </p:nvCxnSpPr>
+        <p:spPr>
+          <a:xfrm>
+            <a:off x="5194738" y="4472504"/>
+            <a:ext cx="709524" cy="1588"/>
+          </a:xfrm>
+          <a:prstGeom prst="straightConnector1">
+            <a:avLst/>
+          </a:prstGeom>
+          <a:ln w="12700" cap="flat" cmpd="sng" algn="ctr">
+            <a:solidFill>
+              <a:srgbClr val="000000"/>
+            </a:solidFill>
+            <a:prstDash val="solid"/>
+            <a:round/>
+            <a:headEnd type="none" w="med" len="med"/>
+            <a:tailEnd type="triangle" w="med" len="med"/>
+          </a:ln>
+          <a:effectLst/>
+        </p:spPr>
+        <p:style>
+          <a:lnRef idx="2">
+            <a:schemeClr val="accent1"/>
+          </a:lnRef>
+          <a:fillRef idx="0">
+            <a:schemeClr val="accent1"/>
+          </a:fillRef>
+          <a:effectRef idx="1">
+            <a:schemeClr val="accent1"/>
+          </a:effectRef>
+          <a:fontRef idx="minor">
+            <a:schemeClr val="tx1"/>
+          </a:fontRef>
+        </p:style>
+      </p:cxnSp>
+      <p:sp>
+        <p:nvSpPr>
+          <p:cNvPr id="25" name="TextBox 24"/>
+          <p:cNvSpPr txBox="1"/>
+          <p:nvPr/>
+        </p:nvSpPr>
+        <p:spPr>
+          <a:xfrm>
+            <a:off x="3422250" y="4174781"/>
+            <a:ext cx="284515" cy="307777"/>
+          </a:xfrm>
+          <a:prstGeom prst="rect">
+            <a:avLst/>
+          </a:prstGeom>
+          <a:noFill/>
+        </p:spPr>
+        <p:txBody>
+          <a:bodyPr wrap="square" rtlCol="0">
+            <a:spAutoFit/>
+          </a:bodyPr>
+          <a:lstStyle/>
+          <a:p>
+            <a:r>
+              <a:rPr lang="en-US" sz="1400" dirty="0" smtClean="0">
+                <a:latin typeface="Times New Roman"/>
+                <a:cs typeface="Times New Roman"/>
+              </a:rPr>
+              <a:t>2</a:t>
+            </a:r>
+            <a:endParaRPr lang="en-US" sz="1400" dirty="0">
+              <a:latin typeface="Times New Roman"/>
+              <a:cs typeface="Times New Roman"/>
+            </a:endParaRPr>
+          </a:p>
+        </p:txBody>
+      </p:sp>
+      <p:sp>
+        <p:nvSpPr>
+          <p:cNvPr id="26" name="TextBox 25"/>
+          <p:cNvSpPr txBox="1"/>
+          <p:nvPr/>
+        </p:nvSpPr>
+        <p:spPr>
+          <a:xfrm>
+            <a:off x="3900586" y="4174781"/>
+            <a:ext cx="284515" cy="307777"/>
+          </a:xfrm>
+          <a:prstGeom prst="rect">
+            <a:avLst/>
+          </a:prstGeom>
+          <a:noFill/>
+        </p:spPr>
+        <p:txBody>
+          <a:bodyPr wrap="none" rtlCol="0">
+            <a:spAutoFit/>
+          </a:bodyPr>
+          <a:lstStyle/>
+          <a:p>
+            <a:r>
+              <a:rPr lang="en-US" sz="1400" dirty="0" smtClean="0">
+                <a:latin typeface="Times New Roman"/>
+                <a:cs typeface="Times New Roman"/>
+              </a:rPr>
+              <a:t>1</a:t>
+            </a:r>
+            <a:endParaRPr lang="en-US" sz="1400" dirty="0">
+              <a:latin typeface="Times New Roman"/>
+              <a:cs typeface="Times New Roman"/>
+            </a:endParaRPr>
+          </a:p>
+        </p:txBody>
+      </p:sp>
+      <p:sp>
+        <p:nvSpPr>
+          <p:cNvPr id="27" name="TextBox 26"/>
+          <p:cNvSpPr txBox="1"/>
+          <p:nvPr/>
+        </p:nvSpPr>
+        <p:spPr>
+          <a:xfrm>
+            <a:off x="5145902" y="4174781"/>
+            <a:ext cx="284515" cy="307777"/>
+          </a:xfrm>
+          <a:prstGeom prst="rect">
+            <a:avLst/>
+          </a:prstGeom>
+          <a:noFill/>
+        </p:spPr>
+        <p:txBody>
+          <a:bodyPr wrap="none" rtlCol="0">
+            <a:spAutoFit/>
+          </a:bodyPr>
+          <a:lstStyle/>
+          <a:p>
+            <a:r>
+              <a:rPr lang="en-US" sz="1400" dirty="0" smtClean="0">
+                <a:latin typeface="Times New Roman"/>
+                <a:cs typeface="Times New Roman"/>
+              </a:rPr>
+              <a:t>1</a:t>
+            </a:r>
+            <a:endParaRPr lang="en-US" sz="1400" dirty="0">
+              <a:latin typeface="Times New Roman"/>
+              <a:cs typeface="Times New Roman"/>
+            </a:endParaRPr>
+          </a:p>
+        </p:txBody>
+      </p:sp>
+      <p:sp>
+        <p:nvSpPr>
+          <p:cNvPr id="28" name="TextBox 27"/>
+          <p:cNvSpPr txBox="1"/>
+          <p:nvPr/>
+        </p:nvSpPr>
+        <p:spPr>
+          <a:xfrm>
+            <a:off x="5648979" y="4174781"/>
+            <a:ext cx="284515" cy="307777"/>
+          </a:xfrm>
+          <a:prstGeom prst="rect">
+            <a:avLst/>
+          </a:prstGeom>
+          <a:noFill/>
+        </p:spPr>
+        <p:txBody>
+          <a:bodyPr wrap="none" rtlCol="0">
+            <a:spAutoFit/>
+          </a:bodyPr>
+          <a:lstStyle/>
+          <a:p>
+            <a:r>
+              <a:rPr lang="en-US" sz="1400" dirty="0" smtClean="0">
+                <a:latin typeface="Times New Roman"/>
+                <a:cs typeface="Times New Roman"/>
+              </a:rPr>
+              <a:t>3</a:t>
+            </a:r>
+            <a:endParaRPr lang="en-US" sz="1400" dirty="0">
+              <a:latin typeface="Times New Roman"/>
+              <a:cs typeface="Times New Roman"/>
+            </a:endParaRPr>
+          </a:p>
+        </p:txBody>
+      </p:sp>
+      <p:sp>
+        <p:nvSpPr>
+          <p:cNvPr id="29" name="TextBox 28"/>
+          <p:cNvSpPr txBox="1"/>
+          <p:nvPr/>
+        </p:nvSpPr>
+        <p:spPr>
+          <a:xfrm>
+            <a:off x="6219360" y="4668523"/>
+            <a:ext cx="402975" cy="338554"/>
+          </a:xfrm>
+          <a:prstGeom prst="rect">
+            <a:avLst/>
+          </a:prstGeom>
+          <a:noFill/>
+        </p:spPr>
+        <p:txBody>
+          <a:bodyPr wrap="none" rtlCol="0">
+            <a:spAutoFit/>
+          </a:bodyPr>
+          <a:lstStyle/>
+          <a:p>
+            <a:r>
+              <a:rPr lang="en-US" sz="1600" dirty="0" smtClean="0">
+                <a:latin typeface="Times New Roman"/>
+                <a:cs typeface="Times New Roman"/>
+              </a:rPr>
+              <a:t>×2</a:t>
+            </a:r>
+            <a:endParaRPr lang="en-US" sz="1600" dirty="0">
+              <a:latin typeface="Times New Roman"/>
+              <a:cs typeface="Times New Roman"/>
+            </a:endParaRPr>
+          </a:p>
+        </p:txBody>
+      </p:sp>
+      <p:sp>
+        <p:nvSpPr>
+          <p:cNvPr id="30" name="TextBox 29"/>
+          <p:cNvSpPr txBox="1"/>
+          <p:nvPr/>
+        </p:nvSpPr>
+        <p:spPr>
+          <a:xfrm>
+            <a:off x="4445797" y="4668523"/>
+            <a:ext cx="402975" cy="338554"/>
+          </a:xfrm>
+          <a:prstGeom prst="rect">
+            <a:avLst/>
+          </a:prstGeom>
+          <a:noFill/>
+        </p:spPr>
+        <p:txBody>
+          <a:bodyPr wrap="none" rtlCol="0">
+            <a:spAutoFit/>
+          </a:bodyPr>
+          <a:lstStyle/>
+          <a:p>
+            <a:r>
+              <a:rPr lang="en-US" sz="1600" dirty="0" smtClean="0">
+                <a:latin typeface="Times New Roman"/>
+                <a:cs typeface="Times New Roman"/>
+              </a:rPr>
+              <a:t>×6</a:t>
+            </a:r>
+            <a:endParaRPr lang="en-US" sz="1600" dirty="0">
+              <a:latin typeface="Times New Roman"/>
+              <a:cs typeface="Times New Roman"/>
+            </a:endParaRPr>
+          </a:p>
+        </p:txBody>
+      </p:sp>
+      <p:sp>
+        <p:nvSpPr>
+          <p:cNvPr id="31" name="TextBox 30"/>
+          <p:cNvSpPr txBox="1"/>
+          <p:nvPr/>
+        </p:nvSpPr>
+        <p:spPr>
+          <a:xfrm>
+            <a:off x="2721716" y="4668523"/>
+            <a:ext cx="402975" cy="338554"/>
+          </a:xfrm>
+          <a:prstGeom prst="rect">
+            <a:avLst/>
+          </a:prstGeom>
+          <a:noFill/>
+        </p:spPr>
+        <p:txBody>
+          <a:bodyPr wrap="none" rtlCol="0">
+            <a:spAutoFit/>
+          </a:bodyPr>
+          <a:lstStyle/>
+          <a:p>
+            <a:r>
+              <a:rPr lang="en-US" sz="1600" dirty="0" smtClean="0">
+                <a:latin typeface="Times New Roman"/>
+                <a:cs typeface="Times New Roman"/>
+              </a:rPr>
+              <a:t>×3</a:t>
+            </a:r>
+            <a:endParaRPr lang="en-US" sz="1600" dirty="0">
+              <a:latin typeface="Times New Roman"/>
+              <a:cs typeface="Times New Roman"/>
+            </a:endParaRPr>
+          </a:p>
+        </p:txBody>
+      </p:sp>
+      <p:grpSp>
+        <p:nvGrpSpPr>
+          <p:cNvPr id="7" name="Group 88"/>
+          <p:cNvGrpSpPr/>
+          <p:nvPr/>
+        </p:nvGrpSpPr>
+        <p:grpSpPr>
+          <a:xfrm>
+            <a:off x="2909706" y="2034407"/>
+            <a:ext cx="3324588" cy="1544593"/>
+            <a:chOff x="1681417" y="1811738"/>
+            <a:chExt cx="3324588" cy="1544593"/>
+          </a:xfrm>
+        </p:grpSpPr>
+        <p:sp>
+          <p:nvSpPr>
+            <p:cNvPr id="35" name="Rounded Rectangle 34"/>
+            <p:cNvSpPr/>
+            <p:nvPr/>
+          </p:nvSpPr>
+          <p:spPr>
+            <a:xfrm>
+              <a:off x="3762411" y="2150386"/>
+              <a:ext cx="1243594" cy="1205945"/>
+            </a:xfrm>
+            <a:prstGeom prst="roundRect">
+              <a:avLst/>
+            </a:prstGeom>
+            <a:noFill/>
+            <a:ln>
+              <a:solidFill>
+                <a:schemeClr val="tx1"/>
+              </a:solidFill>
+            </a:ln>
+            <a:effectLst/>
+          </p:spPr>
+          <p:style>
+            <a:lnRef idx="1">
+              <a:schemeClr val="accent1"/>
+            </a:lnRef>
+            <a:fillRef idx="3">
+              <a:schemeClr val="accent1"/>
+            </a:fillRef>
+            <a:effectRef idx="2">
+              <a:schemeClr val="accent1"/>
+            </a:effectRef>
+            <a:fontRef idx="minor">
+              <a:schemeClr val="lt1"/>
+            </a:fontRef>
+          </p:style>
+          <p:txBody>
+            <a:bodyPr wrap="none" rtlCol="0" anchor="t"/>
+            <a:lstStyle/>
+            <a:p>
+              <a:r>
+                <a:rPr lang="en-US" sz="1400" i="1" dirty="0" smtClean="0">
+                  <a:solidFill>
+                    <a:schemeClr val="tx1"/>
+                  </a:solidFill>
+                  <a:latin typeface="Times New Roman"/>
+                  <a:cs typeface="Times New Roman"/>
+                </a:rPr>
+                <a:t>Filter</a:t>
+              </a:r>
+              <a:r>
+                <a:rPr lang="en-US" sz="1400" i="1" baseline="-25000" dirty="0" smtClean="0">
+                  <a:solidFill>
+                    <a:schemeClr val="tx1"/>
+                  </a:solidFill>
+                  <a:latin typeface="Times New Roman"/>
+                  <a:cs typeface="Times New Roman"/>
+                </a:rPr>
+                <a:t>2</a:t>
+              </a:r>
+            </a:p>
+            <a:p>
+              <a:endParaRPr lang="en-US" sz="1400" baseline="-25000" dirty="0" smtClean="0">
+                <a:solidFill>
+                  <a:schemeClr val="tx1"/>
+                </a:solidFill>
+                <a:latin typeface="Times New Roman"/>
+                <a:cs typeface="Times New Roman"/>
+              </a:endParaRPr>
+            </a:p>
+            <a:p>
+              <a:r>
+                <a:rPr lang="en-US" sz="1400" i="1" dirty="0" err="1" smtClean="0">
+                  <a:solidFill>
+                    <a:schemeClr val="tx1"/>
+                  </a:solidFill>
+                  <a:latin typeface="Times New Roman"/>
+                  <a:cs typeface="Times New Roman"/>
+                </a:rPr>
+                <a:t>e</a:t>
+              </a:r>
+              <a:r>
+                <a:rPr lang="en-US" sz="1400" dirty="0" err="1" smtClean="0">
+                  <a:solidFill>
+                    <a:schemeClr val="tx1"/>
+                  </a:solidFill>
+                  <a:latin typeface="Times New Roman"/>
+                  <a:cs typeface="Times New Roman"/>
+                </a:rPr>
+                <a:t>(</a:t>
+              </a:r>
+              <a:r>
+                <a:rPr lang="en-US" sz="1400" i="1" dirty="0" err="1" smtClean="0">
+                  <a:solidFill>
+                    <a:schemeClr val="tx1"/>
+                  </a:solidFill>
+                  <a:latin typeface="Times New Roman"/>
+                  <a:cs typeface="Times New Roman"/>
+                </a:rPr>
+                <a:t>W</a:t>
+              </a:r>
+              <a:r>
+                <a:rPr lang="en-US" sz="1400" dirty="0" smtClean="0">
+                  <a:solidFill>
+                    <a:schemeClr val="tx1"/>
+                  </a:solidFill>
+                  <a:latin typeface="Times New Roman"/>
+                  <a:cs typeface="Times New Roman"/>
+                </a:rPr>
+                <a:t>) = 3</a:t>
+              </a:r>
+            </a:p>
+            <a:p>
+              <a:r>
+                <a:rPr lang="en-US" sz="1400" i="1" dirty="0" err="1" smtClean="0">
+                  <a:solidFill>
+                    <a:schemeClr val="tx1"/>
+                  </a:solidFill>
+                  <a:latin typeface="Times New Roman"/>
+                  <a:cs typeface="Times New Roman"/>
+                </a:rPr>
+                <a:t>o</a:t>
+              </a:r>
+              <a:r>
+                <a:rPr lang="en-US" sz="1400" dirty="0" err="1" smtClean="0">
+                  <a:solidFill>
+                    <a:schemeClr val="tx1"/>
+                  </a:solidFill>
+                  <a:latin typeface="Times New Roman"/>
+                  <a:cs typeface="Times New Roman"/>
+                </a:rPr>
+                <a:t>(</a:t>
+              </a:r>
+              <a:r>
+                <a:rPr lang="en-US" sz="1400" i="1" dirty="0" err="1" smtClean="0">
+                  <a:solidFill>
+                    <a:schemeClr val="tx1"/>
+                  </a:solidFill>
+                  <a:latin typeface="Times New Roman"/>
+                  <a:cs typeface="Times New Roman"/>
+                </a:rPr>
+                <a:t>W</a:t>
+              </a:r>
+              <a:r>
+                <a:rPr lang="en-US" sz="1400" dirty="0" smtClean="0">
+                  <a:solidFill>
+                    <a:schemeClr val="tx1"/>
+                  </a:solidFill>
+                  <a:latin typeface="Times New Roman"/>
+                  <a:cs typeface="Times New Roman"/>
+                </a:rPr>
+                <a:t>) = 1</a:t>
+              </a:r>
+            </a:p>
+            <a:p>
+              <a:r>
+                <a:rPr lang="en-US" sz="1400" i="1" dirty="0" err="1" smtClean="0">
+                  <a:solidFill>
+                    <a:schemeClr val="tx1"/>
+                  </a:solidFill>
+                  <a:latin typeface="Times New Roman"/>
+                  <a:cs typeface="Times New Roman"/>
+                </a:rPr>
+                <a:t>u</a:t>
+              </a:r>
+              <a:r>
+                <a:rPr lang="en-US" sz="1400" dirty="0" err="1" smtClean="0">
+                  <a:solidFill>
+                    <a:schemeClr val="tx1"/>
+                  </a:solidFill>
+                  <a:latin typeface="Times New Roman"/>
+                  <a:cs typeface="Times New Roman"/>
+                </a:rPr>
+                <a:t>(</a:t>
+              </a:r>
+              <a:r>
+                <a:rPr lang="en-US" sz="1400" i="1" dirty="0" err="1" smtClean="0">
+                  <a:solidFill>
+                    <a:schemeClr val="tx1"/>
+                  </a:solidFill>
+                  <a:latin typeface="Times New Roman"/>
+                  <a:cs typeface="Times New Roman"/>
+                </a:rPr>
+                <a:t>W</a:t>
+              </a:r>
+              <a:r>
+                <a:rPr lang="en-US" sz="1400" dirty="0" smtClean="0">
+                  <a:solidFill>
+                    <a:schemeClr val="tx1"/>
+                  </a:solidFill>
+                  <a:latin typeface="Times New Roman"/>
+                  <a:cs typeface="Times New Roman"/>
+                </a:rPr>
+                <a:t>) = 1</a:t>
+              </a:r>
+            </a:p>
+            <a:p>
+              <a:endParaRPr lang="en-US" sz="1400" dirty="0" smtClean="0">
+                <a:solidFill>
+                  <a:schemeClr val="tx1"/>
+                </a:solidFill>
+                <a:latin typeface="Times New Roman"/>
+                <a:cs typeface="Times New Roman"/>
+              </a:endParaRPr>
+            </a:p>
+          </p:txBody>
+        </p:sp>
+        <p:grpSp>
+          <p:nvGrpSpPr>
+            <p:cNvPr id="9" name="Group 63"/>
+            <p:cNvGrpSpPr/>
+            <p:nvPr/>
+          </p:nvGrpSpPr>
+          <p:grpSpPr>
+            <a:xfrm rot="16200000" flipH="1">
+              <a:off x="2325341" y="1167814"/>
+              <a:ext cx="363128" cy="1650975"/>
+              <a:chOff x="2037882" y="390165"/>
+              <a:chExt cx="363128" cy="1650975"/>
+            </a:xfrm>
+            <a:effectLst/>
+          </p:grpSpPr>
+          <p:cxnSp>
+            <p:nvCxnSpPr>
+              <p:cNvPr id="37" name="Straight Connector 36"/>
+              <p:cNvCxnSpPr/>
+              <p:nvPr/>
+            </p:nvCxnSpPr>
+            <p:spPr>
+              <a:xfrm rot="5400000">
+                <a:off x="1213188" y="1214859"/>
+                <a:ext cx="1650975" cy="1588"/>
+              </a:xfrm>
+              <a:prstGeom prst="line">
+                <a:avLst/>
+              </a:prstGeom>
+              <a:ln w="12700" cap="flat" cmpd="sng" algn="ctr">
+                <a:solidFill>
+                  <a:srgbClr val="000000"/>
+                </a:solidFill>
+                <a:prstDash val="solid"/>
+                <a:round/>
+                <a:headEnd type="none" w="med" len="med"/>
+                <a:tailEnd type="none" w="med" len="med"/>
+              </a:ln>
+            </p:spPr>
+            <p:style>
+              <a:lnRef idx="2">
+                <a:schemeClr val="accent1"/>
+              </a:lnRef>
+              <a:fillRef idx="0">
+                <a:schemeClr val="accent1"/>
+              </a:fillRef>
+              <a:effectRef idx="1">
+                <a:schemeClr val="accent1"/>
+              </a:effectRef>
+              <a:fontRef idx="minor">
+                <a:schemeClr val="tx1"/>
+              </a:fontRef>
+            </p:style>
+          </p:cxnSp>
+          <p:cxnSp>
+            <p:nvCxnSpPr>
+              <p:cNvPr id="38" name="Straight Connector 37"/>
+              <p:cNvCxnSpPr/>
+              <p:nvPr/>
+            </p:nvCxnSpPr>
+            <p:spPr>
+              <a:xfrm rot="5400000">
+                <a:off x="1574728" y="1214859"/>
+                <a:ext cx="1650975" cy="1588"/>
+              </a:xfrm>
+              <a:prstGeom prst="line">
+                <a:avLst/>
+              </a:prstGeom>
+              <a:ln w="12700" cap="flat" cmpd="sng" algn="ctr">
+                <a:solidFill>
+                  <a:srgbClr val="000000"/>
+                </a:solidFill>
+                <a:prstDash val="solid"/>
+                <a:round/>
+                <a:headEnd type="none" w="med" len="med"/>
+                <a:tailEnd type="none" w="med" len="med"/>
+              </a:ln>
+            </p:spPr>
+            <p:style>
+              <a:lnRef idx="2">
+                <a:schemeClr val="accent1"/>
+              </a:lnRef>
+              <a:fillRef idx="0">
+                <a:schemeClr val="accent1"/>
+              </a:fillRef>
+              <a:effectRef idx="1">
+                <a:schemeClr val="accent1"/>
+              </a:effectRef>
+              <a:fontRef idx="minor">
+                <a:schemeClr val="tx1"/>
+              </a:fontRef>
+            </p:style>
+          </p:cxnSp>
+          <p:cxnSp>
+            <p:nvCxnSpPr>
+              <p:cNvPr id="39" name="Straight Connector 38"/>
+              <p:cNvCxnSpPr/>
+              <p:nvPr/>
+            </p:nvCxnSpPr>
+            <p:spPr>
+              <a:xfrm>
+                <a:off x="2038675" y="1406731"/>
+                <a:ext cx="361540" cy="1588"/>
+              </a:xfrm>
+              <a:prstGeom prst="line">
+                <a:avLst/>
+              </a:prstGeom>
+              <a:ln w="12700" cap="flat" cmpd="sng" algn="ctr">
+                <a:solidFill>
+                  <a:srgbClr val="000000"/>
+                </a:solidFill>
+                <a:prstDash val="solid"/>
+                <a:round/>
+                <a:headEnd type="none" w="med" len="med"/>
+                <a:tailEnd type="none" w="med" len="med"/>
+              </a:ln>
+            </p:spPr>
+            <p:style>
+              <a:lnRef idx="2">
+                <a:schemeClr val="accent1"/>
+              </a:lnRef>
+              <a:fillRef idx="0">
+                <a:schemeClr val="accent1"/>
+              </a:fillRef>
+              <a:effectRef idx="1">
+                <a:schemeClr val="accent1"/>
+              </a:effectRef>
+              <a:fontRef idx="minor">
+                <a:schemeClr val="tx1"/>
+              </a:fontRef>
+            </p:style>
+          </p:cxnSp>
+          <p:cxnSp>
+            <p:nvCxnSpPr>
+              <p:cNvPr id="40" name="Straight Connector 39"/>
+              <p:cNvCxnSpPr/>
+              <p:nvPr/>
+            </p:nvCxnSpPr>
+            <p:spPr>
+              <a:xfrm>
+                <a:off x="2038675" y="1706208"/>
+                <a:ext cx="361540" cy="1588"/>
+              </a:xfrm>
+              <a:prstGeom prst="line">
+                <a:avLst/>
+              </a:prstGeom>
+              <a:ln w="12700" cap="flat" cmpd="sng" algn="ctr">
+                <a:solidFill>
+                  <a:srgbClr val="000000"/>
+                </a:solidFill>
+                <a:prstDash val="solid"/>
+                <a:round/>
+                <a:headEnd type="none" w="med" len="med"/>
+                <a:tailEnd type="none" w="med" len="med"/>
+              </a:ln>
+            </p:spPr>
+            <p:style>
+              <a:lnRef idx="2">
+                <a:schemeClr val="accent1"/>
+              </a:lnRef>
+              <a:fillRef idx="0">
+                <a:schemeClr val="accent1"/>
+              </a:fillRef>
+              <a:effectRef idx="1">
+                <a:schemeClr val="accent1"/>
+              </a:effectRef>
+              <a:fontRef idx="minor">
+                <a:schemeClr val="tx1"/>
+              </a:fontRef>
+            </p:style>
+          </p:cxnSp>
+          <p:cxnSp>
+            <p:nvCxnSpPr>
+              <p:cNvPr id="41" name="Straight Connector 40"/>
+              <p:cNvCxnSpPr/>
+              <p:nvPr/>
+            </p:nvCxnSpPr>
+            <p:spPr>
+              <a:xfrm>
+                <a:off x="2038675" y="2005687"/>
+                <a:ext cx="361540" cy="1588"/>
+              </a:xfrm>
+              <a:prstGeom prst="line">
+                <a:avLst/>
+              </a:prstGeom>
+              <a:ln w="12700" cap="flat" cmpd="sng" algn="ctr">
+                <a:solidFill>
+                  <a:srgbClr val="000000"/>
+                </a:solidFill>
+                <a:prstDash val="solid"/>
+                <a:round/>
+                <a:headEnd type="none" w="med" len="med"/>
+                <a:tailEnd type="none" w="med" len="med"/>
+              </a:ln>
+            </p:spPr>
+            <p:style>
+              <a:lnRef idx="2">
+                <a:schemeClr val="accent1"/>
+              </a:lnRef>
+              <a:fillRef idx="0">
+                <a:schemeClr val="accent1"/>
+              </a:fillRef>
+              <a:effectRef idx="1">
+                <a:schemeClr val="accent1"/>
+              </a:effectRef>
+              <a:fontRef idx="minor">
+                <a:schemeClr val="tx1"/>
+              </a:fontRef>
+            </p:style>
+          </p:cxnSp>
+          <p:cxnSp>
+            <p:nvCxnSpPr>
+              <p:cNvPr id="42" name="Straight Connector 41"/>
+              <p:cNvCxnSpPr/>
+              <p:nvPr/>
+            </p:nvCxnSpPr>
+            <p:spPr>
+              <a:xfrm>
+                <a:off x="2038675" y="1107254"/>
+                <a:ext cx="361540" cy="1588"/>
+              </a:xfrm>
+              <a:prstGeom prst="line">
+                <a:avLst/>
+              </a:prstGeom>
+              <a:ln w="12700" cap="flat" cmpd="sng" algn="ctr">
+                <a:solidFill>
+                  <a:srgbClr val="000000"/>
+                </a:solidFill>
+                <a:prstDash val="solid"/>
+                <a:round/>
+                <a:headEnd type="none" w="med" len="med"/>
+                <a:tailEnd type="none" w="med" len="med"/>
+              </a:ln>
+            </p:spPr>
+            <p:style>
+              <a:lnRef idx="2">
+                <a:schemeClr val="accent1"/>
+              </a:lnRef>
+              <a:fillRef idx="0">
+                <a:schemeClr val="accent1"/>
+              </a:fillRef>
+              <a:effectRef idx="1">
+                <a:schemeClr val="accent1"/>
+              </a:effectRef>
+              <a:fontRef idx="minor">
+                <a:schemeClr val="tx1"/>
+              </a:fontRef>
+            </p:style>
+          </p:cxnSp>
+          <p:cxnSp>
+            <p:nvCxnSpPr>
+              <p:cNvPr id="43" name="Straight Connector 42"/>
+              <p:cNvCxnSpPr/>
+              <p:nvPr/>
+            </p:nvCxnSpPr>
+            <p:spPr>
+              <a:xfrm>
+                <a:off x="2038675" y="807777"/>
+                <a:ext cx="361540" cy="1588"/>
+              </a:xfrm>
+              <a:prstGeom prst="line">
+                <a:avLst/>
+              </a:prstGeom>
+              <a:ln w="12700" cap="flat" cmpd="sng" algn="ctr">
+                <a:solidFill>
+                  <a:srgbClr val="000000"/>
+                </a:solidFill>
+                <a:prstDash val="solid"/>
+                <a:round/>
+                <a:headEnd type="none" w="med" len="med"/>
+                <a:tailEnd type="none" w="med" len="med"/>
+              </a:ln>
+            </p:spPr>
+            <p:style>
+              <a:lnRef idx="2">
+                <a:schemeClr val="accent1"/>
+              </a:lnRef>
+              <a:fillRef idx="0">
+                <a:schemeClr val="accent1"/>
+              </a:fillRef>
+              <a:effectRef idx="1">
+                <a:schemeClr val="accent1"/>
+              </a:effectRef>
+              <a:fontRef idx="minor">
+                <a:schemeClr val="tx1"/>
+              </a:fontRef>
+            </p:style>
+          </p:cxnSp>
+          <p:cxnSp>
+            <p:nvCxnSpPr>
+              <p:cNvPr id="44" name="Straight Connector 43"/>
+              <p:cNvCxnSpPr/>
+              <p:nvPr/>
+            </p:nvCxnSpPr>
+            <p:spPr>
+              <a:xfrm>
+                <a:off x="2038675" y="508300"/>
+                <a:ext cx="361540" cy="1588"/>
+              </a:xfrm>
+              <a:prstGeom prst="line">
+                <a:avLst/>
+              </a:prstGeom>
+              <a:ln w="12700" cap="flat" cmpd="sng" algn="ctr">
+                <a:solidFill>
+                  <a:srgbClr val="000000"/>
+                </a:solidFill>
+                <a:prstDash val="solid"/>
+                <a:round/>
+                <a:headEnd type="none" w="med" len="med"/>
+                <a:tailEnd type="none" w="med" len="med"/>
+              </a:ln>
+            </p:spPr>
+            <p:style>
+              <a:lnRef idx="2">
+                <a:schemeClr val="accent1"/>
+              </a:lnRef>
+              <a:fillRef idx="0">
+                <a:schemeClr val="accent1"/>
+              </a:fillRef>
+              <a:effectRef idx="1">
+                <a:schemeClr val="accent1"/>
+              </a:effectRef>
+              <a:fontRef idx="minor">
+                <a:schemeClr val="tx1"/>
+              </a:fontRef>
+            </p:style>
+          </p:cxnSp>
+          <p:sp>
+            <p:nvSpPr>
+              <p:cNvPr id="45" name="TextBox 44"/>
+              <p:cNvSpPr txBox="1"/>
+              <p:nvPr/>
+            </p:nvSpPr>
+            <p:spPr>
+              <a:xfrm rot="16200000">
+                <a:off x="2081351" y="1697097"/>
+                <a:ext cx="284515" cy="307777"/>
+              </a:xfrm>
+              <a:prstGeom prst="rect">
+                <a:avLst/>
+              </a:prstGeom>
+              <a:noFill/>
+            </p:spPr>
+            <p:txBody>
+              <a:bodyPr wrap="none" rtlCol="0">
+                <a:spAutoFit/>
+              </a:bodyPr>
+              <a:lstStyle/>
+              <a:p>
+                <a:r>
+                  <a:rPr lang="en-US" sz="1400" dirty="0" smtClean="0">
+                    <a:latin typeface="Times New Roman"/>
+                    <a:cs typeface="Times New Roman"/>
+                  </a:rPr>
+                  <a:t>0</a:t>
+                </a:r>
+                <a:endParaRPr lang="en-US" sz="1400" dirty="0">
+                  <a:latin typeface="Times New Roman"/>
+                  <a:cs typeface="Times New Roman"/>
+                </a:endParaRPr>
+              </a:p>
+            </p:txBody>
+          </p:sp>
+          <p:sp>
+            <p:nvSpPr>
+              <p:cNvPr id="46" name="TextBox 45"/>
+              <p:cNvSpPr txBox="1"/>
+              <p:nvPr/>
+            </p:nvSpPr>
+            <p:spPr>
+              <a:xfrm rot="16200000">
+                <a:off x="2081351" y="1408319"/>
+                <a:ext cx="284515" cy="307777"/>
+              </a:xfrm>
+              <a:prstGeom prst="rect">
+                <a:avLst/>
+              </a:prstGeom>
+              <a:noFill/>
+            </p:spPr>
+            <p:txBody>
+              <a:bodyPr wrap="none" rtlCol="0">
+                <a:spAutoFit/>
+              </a:bodyPr>
+              <a:lstStyle/>
+              <a:p>
+                <a:r>
+                  <a:rPr lang="en-US" sz="1400" dirty="0" smtClean="0">
+                    <a:latin typeface="Times New Roman"/>
+                    <a:cs typeface="Times New Roman"/>
+                  </a:rPr>
+                  <a:t>1</a:t>
+                </a:r>
+                <a:endParaRPr lang="en-US" sz="1400" dirty="0">
+                  <a:latin typeface="Times New Roman"/>
+                  <a:cs typeface="Times New Roman"/>
+                </a:endParaRPr>
+              </a:p>
+            </p:txBody>
+          </p:sp>
+          <p:sp>
+            <p:nvSpPr>
+              <p:cNvPr id="47" name="TextBox 46"/>
+              <p:cNvSpPr txBox="1"/>
+              <p:nvPr/>
+            </p:nvSpPr>
+            <p:spPr>
+              <a:xfrm rot="16200000">
+                <a:off x="2081351" y="1108842"/>
+                <a:ext cx="284515" cy="307777"/>
+              </a:xfrm>
+              <a:prstGeom prst="rect">
+                <a:avLst/>
+              </a:prstGeom>
+              <a:noFill/>
+            </p:spPr>
+            <p:txBody>
+              <a:bodyPr wrap="none" rtlCol="0">
+                <a:spAutoFit/>
+              </a:bodyPr>
+              <a:lstStyle/>
+              <a:p>
+                <a:r>
+                  <a:rPr lang="en-US" sz="1400" dirty="0" smtClean="0">
+                    <a:latin typeface="Times New Roman"/>
+                    <a:cs typeface="Times New Roman"/>
+                  </a:rPr>
+                  <a:t>2</a:t>
+                </a:r>
+                <a:endParaRPr lang="en-US" sz="1400" dirty="0">
+                  <a:latin typeface="Times New Roman"/>
+                  <a:cs typeface="Times New Roman"/>
+                </a:endParaRPr>
+              </a:p>
+            </p:txBody>
+          </p:sp>
+          <p:sp>
+            <p:nvSpPr>
+              <p:cNvPr id="48" name="TextBox 47"/>
+              <p:cNvSpPr txBox="1"/>
+              <p:nvPr/>
+            </p:nvSpPr>
+            <p:spPr>
+              <a:xfrm rot="16200000">
+                <a:off x="2081351" y="809365"/>
+                <a:ext cx="284515" cy="307777"/>
+              </a:xfrm>
+              <a:prstGeom prst="rect">
+                <a:avLst/>
+              </a:prstGeom>
+              <a:noFill/>
+            </p:spPr>
+            <p:txBody>
+              <a:bodyPr wrap="none" rtlCol="0">
+                <a:spAutoFit/>
+              </a:bodyPr>
+              <a:lstStyle/>
+              <a:p>
+                <a:r>
+                  <a:rPr lang="en-US" sz="1400" dirty="0" smtClean="0">
+                    <a:latin typeface="Times New Roman"/>
+                    <a:cs typeface="Times New Roman"/>
+                  </a:rPr>
+                  <a:t>3</a:t>
+                </a:r>
+                <a:endParaRPr lang="en-US" sz="1400" dirty="0">
+                  <a:latin typeface="Times New Roman"/>
+                  <a:cs typeface="Times New Roman"/>
+                </a:endParaRPr>
+              </a:p>
+            </p:txBody>
+          </p:sp>
+          <p:sp>
+            <p:nvSpPr>
+              <p:cNvPr id="49" name="TextBox 48"/>
+              <p:cNvSpPr txBox="1"/>
+              <p:nvPr/>
+            </p:nvSpPr>
+            <p:spPr>
+              <a:xfrm rot="16200000">
+                <a:off x="2081351" y="509888"/>
+                <a:ext cx="284515" cy="307777"/>
+              </a:xfrm>
+              <a:prstGeom prst="rect">
+                <a:avLst/>
+              </a:prstGeom>
+              <a:noFill/>
+            </p:spPr>
+            <p:txBody>
+              <a:bodyPr wrap="none" rtlCol="0">
+                <a:spAutoFit/>
+              </a:bodyPr>
+              <a:lstStyle/>
+              <a:p>
+                <a:r>
+                  <a:rPr lang="en-US" sz="1400" dirty="0" smtClean="0">
+                    <a:latin typeface="Times New Roman"/>
+                    <a:cs typeface="Times New Roman"/>
+                  </a:rPr>
+                  <a:t>4</a:t>
+                </a:r>
+                <a:endParaRPr lang="en-US" sz="1400" dirty="0">
+                  <a:latin typeface="Times New Roman"/>
+                  <a:cs typeface="Times New Roman"/>
+                </a:endParaRPr>
+              </a:p>
+            </p:txBody>
+          </p:sp>
+        </p:grpSp>
+        <p:sp>
+          <p:nvSpPr>
+            <p:cNvPr id="50" name="Left Brace 49"/>
+            <p:cNvSpPr/>
+            <p:nvPr/>
+          </p:nvSpPr>
+          <p:spPr>
+            <a:xfrm rot="5400000" flipH="1">
+              <a:off x="2791269" y="1792134"/>
+              <a:ext cx="124420" cy="914669"/>
+            </a:xfrm>
+            <a:prstGeom prst="leftBrace">
+              <a:avLst>
+                <a:gd name="adj1" fmla="val 8333"/>
+                <a:gd name="adj2" fmla="val 50000"/>
+              </a:avLst>
+            </a:prstGeom>
+            <a:ln w="15875" cap="flat" cmpd="sng" algn="ctr">
+              <a:solidFill>
+                <a:srgbClr val="FF0000"/>
+              </a:solidFill>
+              <a:prstDash val="solid"/>
+              <a:round/>
+              <a:headEnd type="none" w="med" len="med"/>
+              <a:tailEnd type="none" w="med" len="med"/>
+            </a:ln>
+            <a:effectLst/>
+          </p:spPr>
+          <p:style>
+            <a:lnRef idx="2">
+              <a:schemeClr val="accent1"/>
+            </a:lnRef>
+            <a:fillRef idx="0">
+              <a:schemeClr val="accent1"/>
+            </a:fillRef>
+            <a:effectRef idx="1">
+              <a:schemeClr val="accent1"/>
+            </a:effectRef>
+            <a:fontRef idx="minor">
+              <a:schemeClr val="tx1"/>
+            </a:fontRef>
+          </p:style>
+          <p:txBody>
+            <a:bodyPr rtlCol="0" anchor="ctr"/>
+            <a:lstStyle/>
+            <a:p>
+              <a:pPr algn="ctr"/>
+              <a:endParaRPr lang="en-US">
+                <a:latin typeface="Times New Roman"/>
+                <a:cs typeface="Times New Roman"/>
+              </a:endParaRPr>
+            </a:p>
+          </p:txBody>
+        </p:sp>
+        <p:cxnSp>
+          <p:nvCxnSpPr>
+            <p:cNvPr id="53" name="Straight Connector 52"/>
+            <p:cNvCxnSpPr>
+              <a:endCxn id="50" idx="1"/>
+            </p:cNvCxnSpPr>
+            <p:nvPr/>
+          </p:nvCxnSpPr>
+          <p:spPr>
+            <a:xfrm rot="10800000">
+              <a:off x="2853480" y="2311680"/>
+              <a:ext cx="898963" cy="261233"/>
+            </a:xfrm>
+            <a:prstGeom prst="line">
+              <a:avLst/>
+            </a:prstGeom>
+            <a:ln w="15875" cap="flat" cmpd="sng" algn="ctr">
+              <a:solidFill>
+                <a:srgbClr val="FF0000"/>
+              </a:solidFill>
+              <a:prstDash val="solid"/>
+              <a:round/>
+              <a:headEnd type="triangle" w="med" len="med"/>
+              <a:tailEnd type="none" w="med" len="med"/>
+            </a:ln>
+            <a:effectLst/>
+          </p:spPr>
+          <p:style>
+            <a:lnRef idx="2">
+              <a:schemeClr val="accent1"/>
+            </a:lnRef>
+            <a:fillRef idx="0">
+              <a:schemeClr val="accent1"/>
+            </a:fillRef>
+            <a:effectRef idx="1">
+              <a:schemeClr val="accent1"/>
+            </a:effectRef>
+            <a:fontRef idx="minor">
+              <a:schemeClr val="tx1"/>
+            </a:fontRef>
+          </p:style>
+        </p:cxnSp>
+        <p:cxnSp>
+          <p:nvCxnSpPr>
+            <p:cNvPr id="54" name="Straight Connector 53"/>
+            <p:cNvCxnSpPr>
+              <a:stCxn id="35" idx="1"/>
+            </p:cNvCxnSpPr>
+            <p:nvPr/>
+          </p:nvCxnSpPr>
+          <p:spPr>
+            <a:xfrm rot="10800000">
+              <a:off x="2551395" y="2452503"/>
+              <a:ext cx="1211016" cy="300857"/>
+            </a:xfrm>
+            <a:prstGeom prst="line">
+              <a:avLst/>
+            </a:prstGeom>
+            <a:ln w="15875" cap="flat" cmpd="sng" algn="ctr">
+              <a:solidFill>
+                <a:srgbClr val="0000FF"/>
+              </a:solidFill>
+              <a:prstDash val="solid"/>
+              <a:round/>
+              <a:headEnd type="triangle" w="med" len="med"/>
+              <a:tailEnd type="none" w="med" len="med"/>
+            </a:ln>
+            <a:effectLst/>
+          </p:spPr>
+          <p:style>
+            <a:lnRef idx="2">
+              <a:schemeClr val="accent1"/>
+            </a:lnRef>
+            <a:fillRef idx="0">
+              <a:schemeClr val="accent1"/>
+            </a:fillRef>
+            <a:effectRef idx="1">
+              <a:schemeClr val="accent1"/>
+            </a:effectRef>
+            <a:fontRef idx="minor">
+              <a:schemeClr val="tx1"/>
+            </a:fontRef>
+          </p:style>
+        </p:cxnSp>
+        <p:cxnSp>
+          <p:nvCxnSpPr>
+            <p:cNvPr id="55" name="Straight Connector 54"/>
+            <p:cNvCxnSpPr/>
+            <p:nvPr/>
+          </p:nvCxnSpPr>
+          <p:spPr>
+            <a:xfrm rot="10800000">
+              <a:off x="2259944" y="2584237"/>
+              <a:ext cx="1492499" cy="359768"/>
+            </a:xfrm>
+            <a:prstGeom prst="line">
+              <a:avLst/>
+            </a:prstGeom>
+            <a:ln w="15875" cap="flat" cmpd="sng" algn="ctr">
+              <a:solidFill>
+                <a:srgbClr val="008000"/>
+              </a:solidFill>
+              <a:prstDash val="solid"/>
+              <a:round/>
+              <a:headEnd type="triangle" w="med" len="med"/>
+              <a:tailEnd type="none" w="med" len="med"/>
+            </a:ln>
+            <a:effectLst/>
+          </p:spPr>
+          <p:style>
+            <a:lnRef idx="2">
+              <a:schemeClr val="accent1"/>
+            </a:lnRef>
+            <a:fillRef idx="0">
+              <a:schemeClr val="accent1"/>
+            </a:fillRef>
+            <a:effectRef idx="1">
+              <a:schemeClr val="accent1"/>
+            </a:effectRef>
+            <a:fontRef idx="minor">
+              <a:schemeClr val="tx1"/>
+            </a:fontRef>
+          </p:style>
+        </p:cxnSp>
+        <p:grpSp>
+          <p:nvGrpSpPr>
+            <p:cNvPr id="10" name="Group 75"/>
+            <p:cNvGrpSpPr/>
+            <p:nvPr/>
+          </p:nvGrpSpPr>
+          <p:grpSpPr>
+            <a:xfrm rot="5400000">
+              <a:off x="2415383" y="1859151"/>
+              <a:ext cx="272021" cy="914669"/>
+              <a:chOff x="1153572" y="2386924"/>
+              <a:chExt cx="272021" cy="914669"/>
+            </a:xfrm>
+          </p:grpSpPr>
+          <p:sp>
+            <p:nvSpPr>
+              <p:cNvPr id="51" name="Left Brace 50"/>
+              <p:cNvSpPr/>
+              <p:nvPr/>
+            </p:nvSpPr>
+            <p:spPr>
+              <a:xfrm flipH="1">
+                <a:off x="1301173" y="2386924"/>
+                <a:ext cx="124420" cy="914669"/>
+              </a:xfrm>
+              <a:prstGeom prst="leftBrace">
+                <a:avLst>
+                  <a:gd name="adj1" fmla="val 8333"/>
+                  <a:gd name="adj2" fmla="val 50000"/>
+                </a:avLst>
+              </a:prstGeom>
+              <a:ln w="15875" cap="flat" cmpd="sng" algn="ctr">
+                <a:solidFill>
+                  <a:srgbClr val="0000FF"/>
+                </a:solidFill>
+                <a:prstDash val="solid"/>
+                <a:round/>
+                <a:headEnd type="none" w="med" len="med"/>
+                <a:tailEnd type="none" w="med" len="med"/>
+              </a:ln>
+              <a:effectLst/>
+            </p:spPr>
+            <p:style>
+              <a:lnRef idx="2">
+                <a:schemeClr val="accent1"/>
+              </a:lnRef>
+              <a:fillRef idx="0">
+                <a:schemeClr val="accent1"/>
+              </a:fillRef>
+              <a:effectRef idx="1">
+                <a:schemeClr val="accent1"/>
+              </a:effectRef>
+              <a:fontRef idx="minor">
+                <a:schemeClr val="tx1"/>
+              </a:fontRef>
+            </p:style>
+            <p:txBody>
+              <a:bodyPr rtlCol="0" anchor="ctr"/>
+              <a:lstStyle/>
+              <a:p>
+                <a:pPr algn="ctr"/>
+                <a:endParaRPr lang="en-US">
+                  <a:latin typeface="Times New Roman"/>
+                  <a:cs typeface="Times New Roman"/>
+                </a:endParaRPr>
+              </a:p>
+            </p:txBody>
+          </p:sp>
+          <p:cxnSp>
+            <p:nvCxnSpPr>
+              <p:cNvPr id="56" name="Straight Connector 55"/>
+              <p:cNvCxnSpPr/>
+              <p:nvPr/>
+            </p:nvCxnSpPr>
+            <p:spPr>
+              <a:xfrm>
+                <a:off x="1153572" y="2386924"/>
+                <a:ext cx="173001" cy="1588"/>
+              </a:xfrm>
+              <a:prstGeom prst="line">
+                <a:avLst/>
+              </a:prstGeom>
+              <a:ln w="15875" cap="flat" cmpd="sng" algn="ctr">
+                <a:solidFill>
+                  <a:srgbClr val="0000FF"/>
+                </a:solidFill>
+                <a:prstDash val="solid"/>
+                <a:round/>
+                <a:headEnd type="none" w="med" len="med"/>
+                <a:tailEnd type="none" w="med" len="med"/>
+              </a:ln>
+              <a:effectLst/>
+            </p:spPr>
+            <p:style>
+              <a:lnRef idx="2">
+                <a:schemeClr val="accent1"/>
+              </a:lnRef>
+              <a:fillRef idx="0">
+                <a:schemeClr val="accent1"/>
+              </a:fillRef>
+              <a:effectRef idx="1">
+                <a:schemeClr val="accent1"/>
+              </a:effectRef>
+              <a:fontRef idx="minor">
+                <a:schemeClr val="tx1"/>
+              </a:fontRef>
+            </p:style>
+          </p:cxnSp>
+          <p:cxnSp>
+            <p:nvCxnSpPr>
+              <p:cNvPr id="57" name="Straight Connector 56"/>
+              <p:cNvCxnSpPr/>
+              <p:nvPr/>
+            </p:nvCxnSpPr>
+            <p:spPr>
+              <a:xfrm>
+                <a:off x="1160233" y="3298417"/>
+                <a:ext cx="173001" cy="1588"/>
+              </a:xfrm>
+              <a:prstGeom prst="line">
+                <a:avLst/>
+              </a:prstGeom>
+              <a:ln w="15875" cap="flat" cmpd="sng" algn="ctr">
+                <a:solidFill>
+                  <a:srgbClr val="0000FF"/>
+                </a:solidFill>
+                <a:prstDash val="solid"/>
+                <a:round/>
+                <a:headEnd type="none" w="med" len="med"/>
+                <a:tailEnd type="none" w="med" len="med"/>
+              </a:ln>
+              <a:effectLst/>
+            </p:spPr>
+            <p:style>
+              <a:lnRef idx="2">
+                <a:schemeClr val="accent1"/>
+              </a:lnRef>
+              <a:fillRef idx="0">
+                <a:schemeClr val="accent1"/>
+              </a:fillRef>
+              <a:effectRef idx="1">
+                <a:schemeClr val="accent1"/>
+              </a:effectRef>
+              <a:fontRef idx="minor">
+                <a:schemeClr val="tx1"/>
+              </a:fontRef>
+            </p:style>
+          </p:cxnSp>
+        </p:grpSp>
+        <p:grpSp>
+          <p:nvGrpSpPr>
+            <p:cNvPr id="11" name="Group 74"/>
+            <p:cNvGrpSpPr/>
+            <p:nvPr/>
+          </p:nvGrpSpPr>
+          <p:grpSpPr>
+            <a:xfrm rot="5400000">
+              <a:off x="2050926" y="1937426"/>
+              <a:ext cx="399950" cy="893669"/>
+              <a:chOff x="1160233" y="2085859"/>
+              <a:chExt cx="399950" cy="893669"/>
+            </a:xfrm>
+          </p:grpSpPr>
+          <p:sp>
+            <p:nvSpPr>
+              <p:cNvPr id="52" name="Left Brace 51"/>
+              <p:cNvSpPr/>
+              <p:nvPr/>
+            </p:nvSpPr>
+            <p:spPr>
+              <a:xfrm flipH="1">
+                <a:off x="1435763" y="2085859"/>
+                <a:ext cx="124420" cy="892081"/>
+              </a:xfrm>
+              <a:prstGeom prst="leftBrace">
+                <a:avLst>
+                  <a:gd name="adj1" fmla="val 8333"/>
+                  <a:gd name="adj2" fmla="val 50000"/>
+                </a:avLst>
+              </a:prstGeom>
+              <a:ln w="15875" cap="flat" cmpd="sng" algn="ctr">
+                <a:solidFill>
+                  <a:srgbClr val="008000"/>
+                </a:solidFill>
+                <a:prstDash val="solid"/>
+                <a:round/>
+                <a:headEnd type="none" w="med" len="med"/>
+                <a:tailEnd type="none" w="med" len="med"/>
+              </a:ln>
+              <a:effectLst/>
+            </p:spPr>
+            <p:style>
+              <a:lnRef idx="2">
+                <a:schemeClr val="accent1"/>
+              </a:lnRef>
+              <a:fillRef idx="0">
+                <a:schemeClr val="accent1"/>
+              </a:fillRef>
+              <a:effectRef idx="1">
+                <a:schemeClr val="accent1"/>
+              </a:effectRef>
+              <a:fontRef idx="minor">
+                <a:schemeClr val="tx1"/>
+              </a:fontRef>
+            </p:style>
+            <p:txBody>
+              <a:bodyPr rtlCol="0" anchor="ctr"/>
+              <a:lstStyle/>
+              <a:p>
+                <a:pPr algn="ctr"/>
+                <a:endParaRPr lang="en-US">
+                  <a:latin typeface="Times New Roman"/>
+                  <a:cs typeface="Times New Roman"/>
+                </a:endParaRPr>
+              </a:p>
+            </p:txBody>
+          </p:sp>
+          <p:cxnSp>
+            <p:nvCxnSpPr>
+              <p:cNvPr id="58" name="Straight Connector 57"/>
+              <p:cNvCxnSpPr>
+                <a:endCxn id="52" idx="0"/>
+              </p:cNvCxnSpPr>
+              <p:nvPr/>
+            </p:nvCxnSpPr>
+            <p:spPr>
+              <a:xfrm flipV="1">
+                <a:off x="1160233" y="2085859"/>
+                <a:ext cx="275530" cy="1588"/>
+              </a:xfrm>
+              <a:prstGeom prst="line">
+                <a:avLst/>
+              </a:prstGeom>
+              <a:ln w="15875" cap="flat" cmpd="sng" algn="ctr">
+                <a:solidFill>
+                  <a:srgbClr val="008000"/>
+                </a:solidFill>
+                <a:prstDash val="solid"/>
+                <a:round/>
+                <a:headEnd type="none" w="med" len="med"/>
+                <a:tailEnd type="none" w="med" len="med"/>
+              </a:ln>
+              <a:effectLst/>
+            </p:spPr>
+            <p:style>
+              <a:lnRef idx="2">
+                <a:schemeClr val="accent1"/>
+              </a:lnRef>
+              <a:fillRef idx="0">
+                <a:schemeClr val="accent1"/>
+              </a:fillRef>
+              <a:effectRef idx="1">
+                <a:schemeClr val="accent1"/>
+              </a:effectRef>
+              <a:fontRef idx="minor">
+                <a:schemeClr val="tx1"/>
+              </a:fontRef>
+            </p:style>
+          </p:cxnSp>
+          <p:cxnSp>
+            <p:nvCxnSpPr>
+              <p:cNvPr id="59" name="Straight Connector 58"/>
+              <p:cNvCxnSpPr/>
+              <p:nvPr/>
+            </p:nvCxnSpPr>
+            <p:spPr>
+              <a:xfrm flipV="1">
+                <a:off x="1160233" y="2977940"/>
+                <a:ext cx="275530" cy="1588"/>
+              </a:xfrm>
+              <a:prstGeom prst="line">
+                <a:avLst/>
+              </a:prstGeom>
+              <a:ln w="15875" cap="flat" cmpd="sng" algn="ctr">
+                <a:solidFill>
+                  <a:srgbClr val="008000"/>
+                </a:solidFill>
+                <a:prstDash val="solid"/>
+                <a:round/>
+                <a:headEnd type="none" w="med" len="med"/>
+                <a:tailEnd type="none" w="med" len="med"/>
+              </a:ln>
+              <a:effectLst/>
+            </p:spPr>
+            <p:style>
+              <a:lnRef idx="2">
+                <a:schemeClr val="accent1"/>
+              </a:lnRef>
+              <a:fillRef idx="0">
+                <a:schemeClr val="accent1"/>
+              </a:fillRef>
+              <a:effectRef idx="1">
+                <a:schemeClr val="accent1"/>
+              </a:effectRef>
+              <a:fontRef idx="minor">
+                <a:schemeClr val="tx1"/>
+              </a:fontRef>
+            </p:style>
+          </p:cxnSp>
+        </p:grpSp>
+        <p:sp>
+          <p:nvSpPr>
+            <p:cNvPr id="60" name="TextBox 59"/>
+            <p:cNvSpPr txBox="1"/>
+            <p:nvPr/>
+          </p:nvSpPr>
+          <p:spPr>
+            <a:xfrm>
+              <a:off x="3279495" y="2206981"/>
+              <a:ext cx="334279" cy="307777"/>
+            </a:xfrm>
+            <a:prstGeom prst="rect">
+              <a:avLst/>
+            </a:prstGeom>
+            <a:noFill/>
+            <a:effectLst/>
+          </p:spPr>
+          <p:txBody>
+            <a:bodyPr wrap="none" rtlCol="0">
+              <a:spAutoFit/>
+            </a:bodyPr>
+            <a:lstStyle/>
+            <a:p>
+              <a:r>
+                <a:rPr lang="en-US" sz="1400" i="1" dirty="0" smtClean="0">
+                  <a:solidFill>
+                    <a:srgbClr val="FF0000"/>
+                  </a:solidFill>
+                  <a:latin typeface="Times New Roman"/>
+                  <a:cs typeface="Times New Roman"/>
+                </a:rPr>
+                <a:t>1</a:t>
+              </a:r>
+              <a:endParaRPr lang="en-US" sz="1400" i="1" dirty="0">
+                <a:solidFill>
+                  <a:srgbClr val="FF0000"/>
+                </a:solidFill>
+                <a:latin typeface="Times New Roman"/>
+                <a:cs typeface="Times New Roman"/>
+              </a:endParaRPr>
+            </a:p>
+          </p:txBody>
+        </p:sp>
+        <p:sp>
+          <p:nvSpPr>
+            <p:cNvPr id="61" name="TextBox 60"/>
+            <p:cNvSpPr txBox="1"/>
+            <p:nvPr/>
+          </p:nvSpPr>
+          <p:spPr>
+            <a:xfrm>
+              <a:off x="3049312" y="2333762"/>
+              <a:ext cx="328039" cy="307777"/>
+            </a:xfrm>
+            <a:prstGeom prst="rect">
+              <a:avLst/>
+            </a:prstGeom>
+            <a:noFill/>
+            <a:effectLst/>
+          </p:spPr>
+          <p:txBody>
+            <a:bodyPr wrap="square" rtlCol="0">
+              <a:spAutoFit/>
+            </a:bodyPr>
+            <a:lstStyle/>
+            <a:p>
+              <a:r>
+                <a:rPr lang="en-US" sz="1400" i="1" dirty="0" smtClean="0">
+                  <a:solidFill>
+                    <a:srgbClr val="0000FF"/>
+                  </a:solidFill>
+                  <a:latin typeface="Times New Roman"/>
+                  <a:cs typeface="Times New Roman"/>
+                </a:rPr>
+                <a:t>2</a:t>
+              </a:r>
+              <a:endParaRPr lang="en-US" sz="1400" i="1" dirty="0">
+                <a:solidFill>
+                  <a:srgbClr val="0000FF"/>
+                </a:solidFill>
+                <a:latin typeface="Times New Roman"/>
+                <a:cs typeface="Times New Roman"/>
+              </a:endParaRPr>
+            </a:p>
+          </p:txBody>
+        </p:sp>
+        <p:sp>
+          <p:nvSpPr>
+            <p:cNvPr id="62" name="TextBox 61"/>
+            <p:cNvSpPr txBox="1"/>
+            <p:nvPr/>
+          </p:nvSpPr>
+          <p:spPr>
+            <a:xfrm>
+              <a:off x="2823587" y="2496740"/>
+              <a:ext cx="334279" cy="307777"/>
+            </a:xfrm>
+            <a:prstGeom prst="rect">
+              <a:avLst/>
+            </a:prstGeom>
+            <a:noFill/>
+            <a:effectLst/>
+          </p:spPr>
+          <p:txBody>
+            <a:bodyPr wrap="none" rtlCol="0">
+              <a:spAutoFit/>
+            </a:bodyPr>
+            <a:lstStyle/>
+            <a:p>
+              <a:r>
+                <a:rPr lang="en-US" sz="1400" i="1" dirty="0" smtClean="0">
+                  <a:solidFill>
+                    <a:srgbClr val="008000"/>
+                  </a:solidFill>
+                  <a:latin typeface="Times New Roman"/>
+                  <a:cs typeface="Times New Roman"/>
+                </a:rPr>
+                <a:t>3</a:t>
+              </a:r>
+              <a:endParaRPr lang="en-US" sz="1400" i="1" dirty="0">
+                <a:solidFill>
+                  <a:srgbClr val="008000"/>
+                </a:solidFill>
+                <a:latin typeface="Times New Roman"/>
+                <a:cs typeface="Times New Roman"/>
+              </a:endParaRPr>
+            </a:p>
+          </p:txBody>
+        </p:sp>
+      </p:grpSp>
+      <p:sp>
+        <p:nvSpPr>
+          <p:cNvPr id="87" name="TextBox 86"/>
+          <p:cNvSpPr txBox="1"/>
+          <p:nvPr/>
+        </p:nvSpPr>
+        <p:spPr>
+          <a:xfrm>
+            <a:off x="4468921" y="3669694"/>
+            <a:ext cx="383927" cy="307777"/>
+          </a:xfrm>
+          <a:prstGeom prst="rect">
+            <a:avLst/>
+          </a:prstGeom>
+          <a:noFill/>
+        </p:spPr>
+        <p:txBody>
+          <a:bodyPr wrap="none" rtlCol="0">
+            <a:spAutoFit/>
+          </a:bodyPr>
+          <a:lstStyle/>
+          <a:p>
+            <a:r>
+              <a:rPr lang="en-US" sz="1400" dirty="0" smtClean="0">
+                <a:latin typeface="Times New Roman"/>
+                <a:cs typeface="Times New Roman"/>
+              </a:rPr>
+              <a:t>(a)</a:t>
+            </a:r>
+            <a:endParaRPr lang="en-US" sz="1400" dirty="0">
+              <a:latin typeface="Times New Roman"/>
+              <a:cs typeface="Times New Roman"/>
+            </a:endParaRPr>
+          </a:p>
+        </p:txBody>
+      </p:sp>
+      <p:sp>
+        <p:nvSpPr>
+          <p:cNvPr id="91" name="TextBox 90"/>
+          <p:cNvSpPr txBox="1"/>
+          <p:nvPr/>
+        </p:nvSpPr>
+        <p:spPr>
+          <a:xfrm>
+            <a:off x="4439884" y="5471410"/>
+            <a:ext cx="404089" cy="307777"/>
+          </a:xfrm>
+          <a:prstGeom prst="rect">
+            <a:avLst/>
+          </a:prstGeom>
+          <a:noFill/>
+        </p:spPr>
+        <p:txBody>
+          <a:bodyPr wrap="none" rtlCol="0">
+            <a:spAutoFit/>
+          </a:bodyPr>
+          <a:lstStyle/>
+          <a:p>
+            <a:r>
+              <a:rPr lang="en-US" sz="1400" dirty="0" smtClean="0">
+                <a:latin typeface="Times New Roman"/>
+                <a:cs typeface="Times New Roman"/>
+              </a:rPr>
+              <a:t>(</a:t>
+            </a:r>
+            <a:r>
+              <a:rPr lang="en-US" sz="1400" dirty="0" err="1" smtClean="0">
+                <a:latin typeface="Times New Roman"/>
+                <a:cs typeface="Times New Roman"/>
+              </a:rPr>
+              <a:t>b</a:t>
+            </a:r>
+            <a:r>
+              <a:rPr lang="en-US" sz="1400" dirty="0" smtClean="0">
+                <a:latin typeface="Times New Roman"/>
+                <a:cs typeface="Times New Roman"/>
+              </a:rPr>
+              <a:t>)</a:t>
+            </a:r>
+            <a:endParaRPr lang="en-US" sz="1400" dirty="0">
+              <a:latin typeface="Times New Roman"/>
+              <a:cs typeface="Times New Roman"/>
+            </a:endParaRPr>
+          </a:p>
+        </p:txBody>
+      </p:sp>
+      <p:sp>
+        <p:nvSpPr>
+          <p:cNvPr id="72" name="TextBox 71"/>
+          <p:cNvSpPr txBox="1"/>
+          <p:nvPr/>
+        </p:nvSpPr>
+        <p:spPr>
+          <a:xfrm>
+            <a:off x="1740137" y="4667521"/>
+            <a:ext cx="1111978" cy="307777"/>
+          </a:xfrm>
+          <a:prstGeom prst="rect">
+            <a:avLst/>
+          </a:prstGeom>
+          <a:noFill/>
+        </p:spPr>
+        <p:txBody>
+          <a:bodyPr wrap="none" rtlCol="0">
+            <a:spAutoFit/>
+          </a:bodyPr>
+          <a:lstStyle/>
+          <a:p>
+            <a:r>
+              <a:rPr lang="en-US" sz="1400" dirty="0" smtClean="0">
+                <a:latin typeface="Times"/>
+                <a:cs typeface="Times"/>
+              </a:rPr>
+              <a:t>Steady-state:</a:t>
+            </a:r>
+            <a:endParaRPr lang="en-US" sz="1400" dirty="0">
+              <a:latin typeface="Times"/>
+              <a:cs typeface="Times"/>
+            </a:endParaRPr>
+          </a:p>
+        </p:txBody>
+      </p:sp>
+      <p:sp>
+        <p:nvSpPr>
+          <p:cNvPr id="75" name="TextBox 74"/>
+          <p:cNvSpPr txBox="1"/>
+          <p:nvPr/>
+        </p:nvSpPr>
+        <p:spPr>
+          <a:xfrm>
+            <a:off x="6223312" y="4944635"/>
+            <a:ext cx="402975" cy="338554"/>
+          </a:xfrm>
+          <a:prstGeom prst="rect">
+            <a:avLst/>
+          </a:prstGeom>
+          <a:noFill/>
+        </p:spPr>
+        <p:txBody>
+          <a:bodyPr wrap="none" rtlCol="0">
+            <a:spAutoFit/>
+          </a:bodyPr>
+          <a:lstStyle/>
+          <a:p>
+            <a:r>
+              <a:rPr lang="en-US" sz="1600" dirty="0" smtClean="0">
+                <a:latin typeface="Times New Roman"/>
+                <a:cs typeface="Times New Roman"/>
+              </a:rPr>
+              <a:t>×0</a:t>
+            </a:r>
+            <a:endParaRPr lang="en-US" sz="1600" dirty="0">
+              <a:latin typeface="Times New Roman"/>
+              <a:cs typeface="Times New Roman"/>
+            </a:endParaRPr>
+          </a:p>
+        </p:txBody>
+      </p:sp>
+      <p:sp>
+        <p:nvSpPr>
+          <p:cNvPr id="76" name="TextBox 75"/>
+          <p:cNvSpPr txBox="1"/>
+          <p:nvPr/>
+        </p:nvSpPr>
+        <p:spPr>
+          <a:xfrm>
+            <a:off x="4449749" y="4944635"/>
+            <a:ext cx="402975" cy="338554"/>
+          </a:xfrm>
+          <a:prstGeom prst="rect">
+            <a:avLst/>
+          </a:prstGeom>
+          <a:noFill/>
+        </p:spPr>
+        <p:txBody>
+          <a:bodyPr wrap="none" rtlCol="0">
+            <a:spAutoFit/>
+          </a:bodyPr>
+          <a:lstStyle/>
+          <a:p>
+            <a:r>
+              <a:rPr lang="en-US" sz="1600" dirty="0" smtClean="0">
+                <a:latin typeface="Times New Roman"/>
+                <a:cs typeface="Times New Roman"/>
+              </a:rPr>
+              <a:t>×0</a:t>
+            </a:r>
+            <a:endParaRPr lang="en-US" sz="1600" dirty="0">
+              <a:latin typeface="Times New Roman"/>
+              <a:cs typeface="Times New Roman"/>
+            </a:endParaRPr>
+          </a:p>
+        </p:txBody>
+      </p:sp>
+      <p:sp>
+        <p:nvSpPr>
+          <p:cNvPr id="77" name="TextBox 76"/>
+          <p:cNvSpPr txBox="1"/>
+          <p:nvPr/>
+        </p:nvSpPr>
+        <p:spPr>
+          <a:xfrm>
+            <a:off x="2725668" y="4944635"/>
+            <a:ext cx="402975" cy="338554"/>
+          </a:xfrm>
+          <a:prstGeom prst="rect">
+            <a:avLst/>
+          </a:prstGeom>
+          <a:noFill/>
+        </p:spPr>
+        <p:txBody>
+          <a:bodyPr wrap="none" rtlCol="0">
+            <a:spAutoFit/>
+          </a:bodyPr>
+          <a:lstStyle/>
+          <a:p>
+            <a:r>
+              <a:rPr lang="en-US" sz="1600" dirty="0" smtClean="0">
+                <a:latin typeface="Times New Roman"/>
+                <a:cs typeface="Times New Roman"/>
+              </a:rPr>
+              <a:t>×1</a:t>
+            </a:r>
+            <a:endParaRPr lang="en-US" sz="1600" dirty="0">
+              <a:latin typeface="Times New Roman"/>
+              <a:cs typeface="Times New Roman"/>
+            </a:endParaRPr>
+          </a:p>
+        </p:txBody>
+      </p:sp>
+      <p:sp>
+        <p:nvSpPr>
+          <p:cNvPr id="78" name="TextBox 77"/>
+          <p:cNvSpPr txBox="1"/>
+          <p:nvPr/>
+        </p:nvSpPr>
+        <p:spPr>
+          <a:xfrm>
+            <a:off x="1694605" y="4951864"/>
+            <a:ext cx="1183636" cy="307777"/>
+          </a:xfrm>
+          <a:prstGeom prst="rect">
+            <a:avLst/>
+          </a:prstGeom>
+          <a:noFill/>
+        </p:spPr>
+        <p:txBody>
+          <a:bodyPr wrap="square" rtlCol="0">
+            <a:spAutoFit/>
+          </a:bodyPr>
+          <a:lstStyle/>
+          <a:p>
+            <a:r>
+              <a:rPr lang="en-US" sz="1400" dirty="0" smtClean="0">
+                <a:latin typeface="Times"/>
+                <a:cs typeface="Times"/>
+              </a:rPr>
+              <a:t>Initialization:</a:t>
+            </a:r>
+            <a:endParaRPr lang="en-US" sz="1400" dirty="0">
+              <a:latin typeface="Times"/>
+              <a:cs typeface="Times"/>
+            </a:endParaRPr>
+          </a:p>
+        </p:txBody>
+      </p:sp>
+    </p:spTree>
+  </p:cSld>
+  <p:clrMapOvr>
+    <a:masterClrMapping/>
+  </p:clrMapOvr>
+  <p:timing>
+    <p:tnLst>
+      <p:par>
+        <p:cTn id="1" dur="indefinite" restart="never" nodeType="tmRoot"/>
+      </p:par>
+    </p:tnLst>
+  </p:timing>
+</p:sld>
+</file>
+
+<file path=ppt/slides/slide4.xml><?xml version="1.0" encoding="utf-8"?>
+<p:sld xmlns:a="http://schemas.openxmlformats.org/drawingml/2006/main" xmlns:r="http://schemas.openxmlformats.org/officeDocument/2006/relationships" xmlns:mc="http://schemas.openxmlformats.org/markup-compatibility/2006" xmlns:mv="urn:schemas-microsoft-com:mac:vml" xmlns:p="http://schemas.openxmlformats.org/presentationml/2006/main" mc:Ignorable="mv" mc:PreserveAttributes="mv:*">
+  <p:cSld>
+    <p:spTree>
+      <p:nvGrpSpPr>
+        <p:cNvPr id="1" name=""/>
+        <p:cNvGrpSpPr/>
+        <p:nvPr/>
+      </p:nvGrpSpPr>
+      <p:grpSpPr>
+        <a:xfrm>
+          <a:off x="0" y="0"/>
+          <a:ext cx="0" cy="0"/>
+          <a:chOff x="0" y="0"/>
+          <a:chExt cx="0" cy="0"/>
+        </a:xfrm>
+      </p:grpSpPr>
+      <p:sp>
+        <p:nvSpPr>
           <p:cNvPr id="3" name="Rounded Rectangle 2"/>
           <p:cNvSpPr/>
           <p:nvPr/>
@@ -11437,7 +13624,7 @@
 </p:sld>
 </file>
 
-<file path=ppt/slides/slide4.xml><?xml version="1.0" encoding="utf-8"?>
+<file path=ppt/slides/slide5.xml><?xml version="1.0" encoding="utf-8"?>
 <p:sld xmlns:a="http://schemas.openxmlformats.org/drawingml/2006/main" xmlns:r="http://schemas.openxmlformats.org/officeDocument/2006/relationships" xmlns:mc="http://schemas.openxmlformats.org/markup-compatibility/2006" xmlns:mv="urn:schemas-microsoft-com:mac:vml" xmlns:p="http://schemas.openxmlformats.org/presentationml/2006/main" mc:Ignorable="mv" mc:PreserveAttributes="mv:*">
   <p:cSld>
     <p:spTree>
@@ -15304,7 +17491,7 @@
 </p:sld>
 </file>
 
-<file path=ppt/slides/slide5.xml><?xml version="1.0" encoding="utf-8"?>
+<file path=ppt/slides/slide6.xml><?xml version="1.0" encoding="utf-8"?>
 <p:sld xmlns:a="http://schemas.openxmlformats.org/drawingml/2006/main" xmlns:r="http://schemas.openxmlformats.org/officeDocument/2006/relationships" xmlns:mc="http://schemas.openxmlformats.org/markup-compatibility/2006" xmlns:mv="urn:schemas-microsoft-com:mac:vml" xmlns:p="http://schemas.openxmlformats.org/presentationml/2006/main" mc:Ignorable="mv" mc:PreserveAttributes="mv:*">
   <p:cSld>
     <p:spTree>
@@ -15329,8 +17516,8 @@
         </p:nvSpPr>
         <p:spPr>
           <a:xfrm>
-            <a:off x="0" y="1556064"/>
-            <a:ext cx="1047545" cy="380479"/>
+            <a:off x="0" y="1358148"/>
+            <a:ext cx="1047545" cy="810683"/>
           </a:xfrm>
           <a:prstGeom prst="roundRect">
             <a:avLst/>
@@ -15363,7 +17550,7 @@
           <a:p>
             <a:pPr algn="ctr"/>
             <a:r>
-              <a:rPr lang="en-US" sz="1400" dirty="0" smtClean="0">
+              <a:rPr lang="en-US" sz="2800" dirty="0" smtClean="0">
                 <a:solidFill>
                   <a:schemeClr val="tx1"/>
                 </a:solidFill>
@@ -15373,7 +17560,7 @@
               <a:t>F</a:t>
             </a:r>
             <a:r>
-              <a:rPr lang="en-US" sz="1400" baseline="-25000" dirty="0" smtClean="0">
+              <a:rPr lang="en-US" sz="2800" baseline="-25000" dirty="0" smtClean="0">
                 <a:solidFill>
                   <a:schemeClr val="tx1"/>
                 </a:solidFill>
@@ -15382,7 +17569,7 @@
               </a:rPr>
               <a:t>1</a:t>
             </a:r>
-            <a:endParaRPr lang="en-US" sz="1400" baseline="-25000" dirty="0">
+            <a:endParaRPr lang="en-US" sz="2800" baseline="-25000" dirty="0">
               <a:solidFill>
                 <a:schemeClr val="tx1"/>
               </a:solidFill>
@@ -15400,8 +17587,8 @@
         </p:nvSpPr>
         <p:spPr>
           <a:xfrm>
-            <a:off x="0" y="3429000"/>
-            <a:ext cx="1047545" cy="380479"/>
+            <a:off x="0" y="3198096"/>
+            <a:ext cx="1047545" cy="813816"/>
           </a:xfrm>
           <a:prstGeom prst="roundRect">
             <a:avLst/>
@@ -15434,7 +17621,7 @@
           <a:p>
             <a:pPr algn="ctr"/>
             <a:r>
-              <a:rPr lang="en-US" sz="1400" dirty="0" smtClean="0">
+              <a:rPr lang="en-US" sz="2800" dirty="0" smtClean="0">
                 <a:solidFill>
                   <a:schemeClr val="tx1"/>
                 </a:solidFill>
@@ -15444,7 +17631,7 @@
               <a:t>F</a:t>
             </a:r>
             <a:r>
-              <a:rPr lang="en-US" sz="1400" baseline="-25000" dirty="0" smtClean="0">
+              <a:rPr lang="en-US" sz="2800" baseline="-25000" dirty="0" smtClean="0">
                 <a:solidFill>
                   <a:schemeClr val="tx1"/>
                 </a:solidFill>
@@ -15453,7 +17640,7 @@
               </a:rPr>
               <a:t>2</a:t>
             </a:r>
-            <a:endParaRPr lang="en-US" sz="1400" baseline="-25000" dirty="0">
+            <a:endParaRPr lang="en-US" sz="2800" baseline="-25000" dirty="0">
               <a:solidFill>
                 <a:schemeClr val="tx1"/>
               </a:solidFill>
@@ -15463,173 +17650,16 @@
           </a:p>
         </p:txBody>
       </p:sp>
-      <p:grpSp>
-        <p:nvGrpSpPr>
-          <p:cNvPr id="136" name="Group 135"/>
-          <p:cNvGrpSpPr/>
-          <p:nvPr/>
-        </p:nvGrpSpPr>
-        <p:grpSpPr>
-          <a:xfrm>
-            <a:off x="8096455" y="1557171"/>
-            <a:ext cx="1047545" cy="2252308"/>
-            <a:chOff x="8096455" y="1557171"/>
-            <a:chExt cx="1047545" cy="2252308"/>
-          </a:xfrm>
-        </p:grpSpPr>
-        <p:sp>
-          <p:nvSpPr>
-            <p:cNvPr id="4" name="Rounded Rectangle 3"/>
-            <p:cNvSpPr/>
-            <p:nvPr/>
-          </p:nvSpPr>
-          <p:spPr>
-            <a:xfrm>
-              <a:off x="8096455" y="1557171"/>
-              <a:ext cx="1047545" cy="380479"/>
-            </a:xfrm>
-            <a:prstGeom prst="roundRect">
-              <a:avLst/>
-            </a:prstGeom>
-            <a:noFill/>
-            <a:ln>
-              <a:solidFill>
-                <a:schemeClr val="tx1"/>
-              </a:solidFill>
-            </a:ln>
-            <a:effectLst/>
-          </p:spPr>
-          <p:style>
-            <a:lnRef idx="1">
-              <a:schemeClr val="accent1"/>
-            </a:lnRef>
-            <a:fillRef idx="3">
-              <a:schemeClr val="accent1"/>
-            </a:fillRef>
-            <a:effectRef idx="2">
-              <a:schemeClr val="accent1"/>
-            </a:effectRef>
-            <a:fontRef idx="minor">
-              <a:schemeClr val="lt1"/>
-            </a:fontRef>
-          </p:style>
-          <p:txBody>
-            <a:bodyPr wrap="none" rtlCol="0" anchor="ctr"/>
-            <a:lstStyle/>
-            <a:p>
-              <a:pPr algn="ctr"/>
-              <a:r>
-                <a:rPr lang="en-US" sz="1400" dirty="0" smtClean="0">
-                  <a:solidFill>
-                    <a:schemeClr val="tx1"/>
-                  </a:solidFill>
-                  <a:latin typeface="Arial"/>
-                  <a:cs typeface="Arial"/>
-                </a:rPr>
-                <a:t>F</a:t>
-              </a:r>
-              <a:r>
-                <a:rPr lang="en-US" sz="1400" baseline="-25000" dirty="0" smtClean="0">
-                  <a:solidFill>
-                    <a:schemeClr val="tx1"/>
-                  </a:solidFill>
-                  <a:latin typeface="Arial"/>
-                  <a:cs typeface="Arial"/>
-                </a:rPr>
-                <a:t>4</a:t>
-              </a:r>
-              <a:endParaRPr lang="en-US" sz="1400" baseline="-25000" dirty="0">
-                <a:solidFill>
-                  <a:schemeClr val="tx1"/>
-                </a:solidFill>
-                <a:latin typeface="Arial"/>
-                <a:cs typeface="Arial"/>
-              </a:endParaRPr>
-            </a:p>
-          </p:txBody>
-        </p:sp>
-        <p:sp>
-          <p:nvSpPr>
-            <p:cNvPr id="5" name="Rounded Rectangle 4"/>
-            <p:cNvSpPr/>
-            <p:nvPr/>
-          </p:nvSpPr>
-          <p:spPr>
-            <a:xfrm>
-              <a:off x="8096455" y="3429000"/>
-              <a:ext cx="1047545" cy="380479"/>
-            </a:xfrm>
-            <a:prstGeom prst="roundRect">
-              <a:avLst/>
-            </a:prstGeom>
-            <a:noFill/>
-            <a:ln>
-              <a:solidFill>
-                <a:schemeClr val="tx1"/>
-              </a:solidFill>
-            </a:ln>
-            <a:effectLst/>
-          </p:spPr>
-          <p:style>
-            <a:lnRef idx="1">
-              <a:schemeClr val="accent1"/>
-            </a:lnRef>
-            <a:fillRef idx="3">
-              <a:schemeClr val="accent1"/>
-            </a:fillRef>
-            <a:effectRef idx="2">
-              <a:schemeClr val="accent1"/>
-            </a:effectRef>
-            <a:fontRef idx="minor">
-              <a:schemeClr val="lt1"/>
-            </a:fontRef>
-          </p:style>
-          <p:txBody>
-            <a:bodyPr wrap="none" rtlCol="0" anchor="ctr"/>
-            <a:lstStyle/>
-            <a:p>
-              <a:pPr algn="ctr"/>
-              <a:r>
-                <a:rPr lang="en-US" sz="1400" dirty="0" smtClean="0">
-                  <a:solidFill>
-                    <a:schemeClr val="tx1"/>
-                  </a:solidFill>
-                  <a:latin typeface="Arial"/>
-                  <a:cs typeface="Arial"/>
-                </a:rPr>
-                <a:t>F</a:t>
-              </a:r>
-              <a:r>
-                <a:rPr lang="en-US" sz="1400" baseline="-25000" dirty="0" smtClean="0">
-                  <a:solidFill>
-                    <a:schemeClr val="tx1"/>
-                  </a:solidFill>
-                  <a:latin typeface="Arial"/>
-                  <a:cs typeface="Arial"/>
-                </a:rPr>
-                <a:t>5</a:t>
-              </a:r>
-              <a:endParaRPr lang="en-US" sz="1400" baseline="-25000" dirty="0">
-                <a:solidFill>
-                  <a:schemeClr val="tx1"/>
-                </a:solidFill>
-                <a:latin typeface="Arial"/>
-                <a:cs typeface="Arial"/>
-              </a:endParaRPr>
-            </a:p>
-          </p:txBody>
-        </p:sp>
-      </p:grpSp>
       <p:sp>
         <p:nvSpPr>
-          <p:cNvPr id="8" name="Rounded Rectangle 7"/>
+          <p:cNvPr id="4" name="Rounded Rectangle 3"/>
           <p:cNvSpPr/>
           <p:nvPr/>
         </p:nvSpPr>
         <p:spPr>
           <a:xfrm>
-            <a:off x="2403631" y="1945231"/>
-            <a:ext cx="4336738" cy="1476188"/>
+            <a:off x="8096455" y="1359250"/>
+            <a:ext cx="1047545" cy="810237"/>
           </a:xfrm>
           <a:prstGeom prst="roundRect">
             <a:avLst/>
@@ -15657,6 +17687,148 @@
           </a:fontRef>
         </p:style>
         <p:txBody>
+          <a:bodyPr wrap="none" rtlCol="0" anchor="ctr"/>
+          <a:lstStyle/>
+          <a:p>
+            <a:pPr algn="ctr"/>
+            <a:r>
+              <a:rPr lang="en-US" sz="2800" dirty="0" smtClean="0">
+                <a:solidFill>
+                  <a:schemeClr val="tx1"/>
+                </a:solidFill>
+                <a:latin typeface="Arial"/>
+                <a:cs typeface="Arial"/>
+              </a:rPr>
+              <a:t>F</a:t>
+            </a:r>
+            <a:r>
+              <a:rPr lang="en-US" sz="2800" baseline="-25000" dirty="0" smtClean="0">
+                <a:solidFill>
+                  <a:schemeClr val="tx1"/>
+                </a:solidFill>
+                <a:latin typeface="Arial"/>
+                <a:cs typeface="Arial"/>
+              </a:rPr>
+              <a:t>4</a:t>
+            </a:r>
+            <a:endParaRPr lang="en-US" sz="2800" baseline="-25000" dirty="0">
+              <a:solidFill>
+                <a:schemeClr val="tx1"/>
+              </a:solidFill>
+              <a:latin typeface="Arial"/>
+              <a:cs typeface="Arial"/>
+            </a:endParaRPr>
+          </a:p>
+        </p:txBody>
+      </p:sp>
+      <p:sp>
+        <p:nvSpPr>
+          <p:cNvPr id="5" name="Rounded Rectangle 4"/>
+          <p:cNvSpPr/>
+          <p:nvPr/>
+        </p:nvSpPr>
+        <p:spPr>
+          <a:xfrm>
+            <a:off x="8096455" y="3222833"/>
+            <a:ext cx="1047545" cy="810237"/>
+          </a:xfrm>
+          <a:prstGeom prst="roundRect">
+            <a:avLst/>
+          </a:prstGeom>
+          <a:noFill/>
+          <a:ln>
+            <a:solidFill>
+              <a:schemeClr val="tx1"/>
+            </a:solidFill>
+          </a:ln>
+          <a:effectLst/>
+        </p:spPr>
+        <p:style>
+          <a:lnRef idx="1">
+            <a:schemeClr val="accent1"/>
+          </a:lnRef>
+          <a:fillRef idx="3">
+            <a:schemeClr val="accent1"/>
+          </a:fillRef>
+          <a:effectRef idx="2">
+            <a:schemeClr val="accent1"/>
+          </a:effectRef>
+          <a:fontRef idx="minor">
+            <a:schemeClr val="lt1"/>
+          </a:fontRef>
+        </p:style>
+        <p:txBody>
+          <a:bodyPr wrap="none" rtlCol="0" anchor="ctr"/>
+          <a:lstStyle/>
+          <a:p>
+            <a:pPr algn="ctr"/>
+            <a:r>
+              <a:rPr lang="en-US" sz="2800" dirty="0" smtClean="0">
+                <a:solidFill>
+                  <a:schemeClr val="tx1"/>
+                </a:solidFill>
+                <a:latin typeface="Arial"/>
+                <a:cs typeface="Arial"/>
+              </a:rPr>
+              <a:t>F</a:t>
+            </a:r>
+            <a:r>
+              <a:rPr lang="en-US" sz="2800" baseline="-25000" dirty="0" smtClean="0">
+                <a:solidFill>
+                  <a:schemeClr val="tx1"/>
+                </a:solidFill>
+                <a:latin typeface="Arial"/>
+                <a:cs typeface="Arial"/>
+              </a:rPr>
+              <a:t>5</a:t>
+            </a:r>
+            <a:endParaRPr lang="en-US" sz="2800" baseline="-25000" dirty="0">
+              <a:solidFill>
+                <a:schemeClr val="tx1"/>
+              </a:solidFill>
+              <a:latin typeface="Arial"/>
+              <a:cs typeface="Arial"/>
+            </a:endParaRPr>
+          </a:p>
+        </p:txBody>
+      </p:sp>
+      <p:sp>
+        <p:nvSpPr>
+          <p:cNvPr id="8" name="Rounded Rectangle 7"/>
+          <p:cNvSpPr/>
+          <p:nvPr/>
+        </p:nvSpPr>
+        <p:spPr>
+          <a:xfrm>
+            <a:off x="2403631" y="1311194"/>
+            <a:ext cx="4336738" cy="2704854"/>
+          </a:xfrm>
+          <a:prstGeom prst="roundRect">
+            <a:avLst/>
+          </a:prstGeom>
+          <a:noFill/>
+          <a:ln>
+            <a:solidFill>
+              <a:schemeClr val="tx1"/>
+            </a:solidFill>
+          </a:ln>
+          <a:effectLst/>
+        </p:spPr>
+        <p:style>
+          <a:lnRef idx="1">
+            <a:schemeClr val="accent1"/>
+          </a:lnRef>
+          <a:fillRef idx="3">
+            <a:schemeClr val="accent1"/>
+          </a:fillRef>
+          <a:effectRef idx="2">
+            <a:schemeClr val="accent1"/>
+          </a:effectRef>
+          <a:fontRef idx="minor">
+            <a:schemeClr val="lt1"/>
+          </a:fontRef>
+        </p:style>
+        <p:txBody>
           <a:bodyPr wrap="none" rtlCol="0" anchor="t"/>
           <a:lstStyle/>
           <a:p>
@@ -15681,8 +17853,8 @@
         </p:nvCxnSpPr>
         <p:spPr>
           <a:xfrm>
-            <a:off x="1047545" y="1746304"/>
-            <a:ext cx="1356086" cy="937021"/>
+            <a:off x="1047545" y="1763490"/>
+            <a:ext cx="1356086" cy="900131"/>
           </a:xfrm>
           <a:prstGeom prst="straightConnector1">
             <a:avLst/>
@@ -15724,8 +17896,8 @@
         </p:nvCxnSpPr>
         <p:spPr>
           <a:xfrm flipV="1">
-            <a:off x="1047545" y="2683325"/>
-            <a:ext cx="1356086" cy="935915"/>
+            <a:off x="1047545" y="2663621"/>
+            <a:ext cx="1356086" cy="941383"/>
           </a:xfrm>
           <a:prstGeom prst="straightConnector1">
             <a:avLst/>
@@ -15764,8 +17936,8 @@
         </p:nvGrpSpPr>
         <p:grpSpPr>
           <a:xfrm rot="16200000">
-            <a:off x="2912910" y="2078916"/>
-            <a:ext cx="214533" cy="1250592"/>
+            <a:off x="3153256" y="1764347"/>
+            <a:ext cx="314068" cy="1830818"/>
             <a:chOff x="4271218" y="1526397"/>
             <a:chExt cx="214533" cy="1250592"/>
           </a:xfrm>
@@ -16437,435 +18609,410 @@
           </p:txBody>
         </p:sp>
       </p:grpSp>
-      <p:grpSp>
-        <p:nvGrpSpPr>
-          <p:cNvPr id="10" name="Group 67"/>
-          <p:cNvGrpSpPr/>
+      <p:sp>
+        <p:nvSpPr>
+          <p:cNvPr id="7" name="Oval 6"/>
+          <p:cNvSpPr>
+            <a:spLocks noChangeAspect="1"/>
+          </p:cNvSpPr>
           <p:nvPr/>
-        </p:nvGrpSpPr>
-        <p:grpSpPr>
+        </p:nvSpPr>
+        <p:spPr>
           <a:xfrm>
             <a:off x="1384890" y="1975466"/>
-            <a:ext cx="784043" cy="553129"/>
-            <a:chOff x="3251956" y="743352"/>
-            <a:chExt cx="784043" cy="553129"/>
+            <a:ext cx="164592" cy="164592"/>
           </a:xfrm>
-        </p:grpSpPr>
-        <p:sp>
-          <p:nvSpPr>
-            <p:cNvPr id="7" name="Oval 6"/>
-            <p:cNvSpPr>
-              <a:spLocks noChangeAspect="1"/>
-            </p:cNvSpPr>
-            <p:nvPr/>
-          </p:nvSpPr>
-          <p:spPr>
-            <a:xfrm>
-              <a:off x="3251956" y="743352"/>
-              <a:ext cx="137160" cy="137160"/>
-            </a:xfrm>
-            <a:prstGeom prst="ellipse">
-              <a:avLst/>
-            </a:prstGeom>
-            <a:ln>
-              <a:solidFill>
-                <a:schemeClr val="tx1"/>
-              </a:solidFill>
-            </a:ln>
-            <a:effectLst/>
-          </p:spPr>
-          <p:style>
-            <a:lnRef idx="1">
-              <a:schemeClr val="accent1"/>
-            </a:lnRef>
-            <a:fillRef idx="3">
-              <a:schemeClr val="accent1"/>
-            </a:fillRef>
-            <a:effectRef idx="2">
-              <a:schemeClr val="accent1"/>
-            </a:effectRef>
-            <a:fontRef idx="minor">
-              <a:schemeClr val="lt1"/>
-            </a:fontRef>
-          </p:style>
-          <p:txBody>
-            <a:bodyPr wrap="none" rtlCol="0" anchor="ctr"/>
-            <a:lstStyle/>
-            <a:p>
-              <a:pPr algn="ctr"/>
-              <a:endParaRPr lang="en-US" sz="1100" dirty="0">
-                <a:latin typeface="Arial"/>
-                <a:cs typeface="Arial"/>
-              </a:endParaRPr>
-            </a:p>
-          </p:txBody>
-        </p:sp>
-        <p:sp>
-          <p:nvSpPr>
-            <p:cNvPr id="61" name="Oval 60"/>
-            <p:cNvSpPr>
-              <a:spLocks noChangeAspect="1"/>
-            </p:cNvSpPr>
-            <p:nvPr/>
-          </p:nvSpPr>
-          <p:spPr>
-            <a:xfrm>
-              <a:off x="3462085" y="879260"/>
-              <a:ext cx="137160" cy="137160"/>
-            </a:xfrm>
-            <a:prstGeom prst="ellipse">
-              <a:avLst/>
-            </a:prstGeom>
-            <a:ln>
-              <a:solidFill>
-                <a:schemeClr val="tx1"/>
-              </a:solidFill>
-            </a:ln>
-            <a:effectLst/>
-          </p:spPr>
-          <p:style>
-            <a:lnRef idx="1">
-              <a:schemeClr val="accent1"/>
-            </a:lnRef>
-            <a:fillRef idx="3">
-              <a:schemeClr val="accent1"/>
-            </a:fillRef>
-            <a:effectRef idx="2">
-              <a:schemeClr val="accent1"/>
-            </a:effectRef>
-            <a:fontRef idx="minor">
-              <a:schemeClr val="lt1"/>
-            </a:fontRef>
-          </p:style>
-          <p:txBody>
-            <a:bodyPr wrap="none" rtlCol="0" anchor="ctr"/>
-            <a:lstStyle/>
-            <a:p>
-              <a:pPr algn="ctr"/>
-              <a:endParaRPr lang="en-US" sz="1100" dirty="0">
-                <a:latin typeface="Arial"/>
-                <a:cs typeface="Arial"/>
-              </a:endParaRPr>
-            </a:p>
-          </p:txBody>
-        </p:sp>
-        <p:sp>
-          <p:nvSpPr>
-            <p:cNvPr id="62" name="Oval 61"/>
-            <p:cNvSpPr>
-              <a:spLocks noChangeAspect="1"/>
-            </p:cNvSpPr>
-            <p:nvPr/>
-          </p:nvSpPr>
-          <p:spPr>
-            <a:xfrm>
-              <a:off x="3696956" y="1023413"/>
-              <a:ext cx="137160" cy="137160"/>
-            </a:xfrm>
-            <a:prstGeom prst="ellipse">
-              <a:avLst/>
-            </a:prstGeom>
-            <a:ln>
-              <a:solidFill>
-                <a:schemeClr val="tx1"/>
-              </a:solidFill>
-            </a:ln>
-            <a:effectLst/>
-          </p:spPr>
-          <p:style>
-            <a:lnRef idx="1">
-              <a:schemeClr val="accent1"/>
-            </a:lnRef>
-            <a:fillRef idx="3">
-              <a:schemeClr val="accent1"/>
-            </a:fillRef>
-            <a:effectRef idx="2">
-              <a:schemeClr val="accent1"/>
-            </a:effectRef>
-            <a:fontRef idx="minor">
-              <a:schemeClr val="lt1"/>
-            </a:fontRef>
-          </p:style>
-          <p:txBody>
-            <a:bodyPr wrap="none" rtlCol="0" anchor="ctr"/>
-            <a:lstStyle/>
-            <a:p>
-              <a:pPr algn="ctr"/>
-              <a:endParaRPr lang="en-US" sz="1100" dirty="0">
-                <a:latin typeface="Arial"/>
-                <a:cs typeface="Arial"/>
-              </a:endParaRPr>
-            </a:p>
-          </p:txBody>
-        </p:sp>
-        <p:sp>
-          <p:nvSpPr>
-            <p:cNvPr id="63" name="Oval 62"/>
-            <p:cNvSpPr>
-              <a:spLocks noChangeAspect="1"/>
-            </p:cNvSpPr>
-            <p:nvPr/>
-          </p:nvSpPr>
-          <p:spPr>
-            <a:xfrm>
-              <a:off x="3898839" y="1159321"/>
-              <a:ext cx="137160" cy="137160"/>
-            </a:xfrm>
-            <a:prstGeom prst="ellipse">
-              <a:avLst/>
-            </a:prstGeom>
-            <a:ln>
-              <a:solidFill>
-                <a:schemeClr val="tx1"/>
-              </a:solidFill>
-            </a:ln>
-            <a:effectLst/>
-          </p:spPr>
-          <p:style>
-            <a:lnRef idx="1">
-              <a:schemeClr val="accent1"/>
-            </a:lnRef>
-            <a:fillRef idx="3">
-              <a:schemeClr val="accent1"/>
-            </a:fillRef>
-            <a:effectRef idx="2">
-              <a:schemeClr val="accent1"/>
-            </a:effectRef>
-            <a:fontRef idx="minor">
-              <a:schemeClr val="lt1"/>
-            </a:fontRef>
-          </p:style>
-          <p:txBody>
-            <a:bodyPr wrap="none" rtlCol="0" anchor="ctr"/>
-            <a:lstStyle/>
-            <a:p>
-              <a:pPr algn="ctr"/>
-              <a:endParaRPr lang="en-US" sz="1100" dirty="0">
-                <a:latin typeface="Arial"/>
-                <a:cs typeface="Arial"/>
-              </a:endParaRPr>
-            </a:p>
-          </p:txBody>
-        </p:sp>
-      </p:grpSp>
-      <p:grpSp>
-        <p:nvGrpSpPr>
-          <p:cNvPr id="11" name="Group 68"/>
-          <p:cNvGrpSpPr/>
+          <a:prstGeom prst="ellipse">
+            <a:avLst/>
+          </a:prstGeom>
+          <a:ln>
+            <a:solidFill>
+              <a:schemeClr val="tx1"/>
+            </a:solidFill>
+          </a:ln>
+          <a:effectLst/>
+        </p:spPr>
+        <p:style>
+          <a:lnRef idx="1">
+            <a:schemeClr val="accent1"/>
+          </a:lnRef>
+          <a:fillRef idx="3">
+            <a:schemeClr val="accent1"/>
+          </a:fillRef>
+          <a:effectRef idx="2">
+            <a:schemeClr val="accent1"/>
+          </a:effectRef>
+          <a:fontRef idx="minor">
+            <a:schemeClr val="lt1"/>
+          </a:fontRef>
+        </p:style>
+        <p:txBody>
+          <a:bodyPr wrap="none" rtlCol="0" anchor="ctr"/>
+          <a:lstStyle/>
+          <a:p>
+            <a:pPr algn="ctr"/>
+            <a:endParaRPr lang="en-US" sz="1100" dirty="0">
+              <a:latin typeface="Arial"/>
+              <a:cs typeface="Arial"/>
+            </a:endParaRPr>
+          </a:p>
+        </p:txBody>
+      </p:sp>
+      <p:sp>
+        <p:nvSpPr>
+          <p:cNvPr id="61" name="Oval 60"/>
+          <p:cNvSpPr>
+            <a:spLocks noChangeAspect="1"/>
+          </p:cNvSpPr>
           <p:nvPr/>
-        </p:nvGrpSpPr>
-        <p:grpSpPr>
+        </p:nvSpPr>
+        <p:spPr>
+          <a:xfrm>
+            <a:off x="1595019" y="2111374"/>
+            <a:ext cx="164592" cy="164592"/>
+          </a:xfrm>
+          <a:prstGeom prst="ellipse">
+            <a:avLst/>
+          </a:prstGeom>
+          <a:ln>
+            <a:solidFill>
+              <a:schemeClr val="tx1"/>
+            </a:solidFill>
+          </a:ln>
+          <a:effectLst/>
+        </p:spPr>
+        <p:style>
+          <a:lnRef idx="1">
+            <a:schemeClr val="accent1"/>
+          </a:lnRef>
+          <a:fillRef idx="3">
+            <a:schemeClr val="accent1"/>
+          </a:fillRef>
+          <a:effectRef idx="2">
+            <a:schemeClr val="accent1"/>
+          </a:effectRef>
+          <a:fontRef idx="minor">
+            <a:schemeClr val="lt1"/>
+          </a:fontRef>
+        </p:style>
+        <p:txBody>
+          <a:bodyPr wrap="none" rtlCol="0" anchor="ctr"/>
+          <a:lstStyle/>
+          <a:p>
+            <a:pPr algn="ctr"/>
+            <a:endParaRPr lang="en-US" sz="1100" dirty="0">
+              <a:latin typeface="Arial"/>
+              <a:cs typeface="Arial"/>
+            </a:endParaRPr>
+          </a:p>
+        </p:txBody>
+      </p:sp>
+      <p:sp>
+        <p:nvSpPr>
+          <p:cNvPr id="62" name="Oval 61"/>
+          <p:cNvSpPr>
+            <a:spLocks noChangeAspect="1"/>
+          </p:cNvSpPr>
+          <p:nvPr/>
+        </p:nvSpPr>
+        <p:spPr>
+          <a:xfrm>
+            <a:off x="1829890" y="2255527"/>
+            <a:ext cx="164592" cy="164592"/>
+          </a:xfrm>
+          <a:prstGeom prst="ellipse">
+            <a:avLst/>
+          </a:prstGeom>
+          <a:ln>
+            <a:solidFill>
+              <a:schemeClr val="tx1"/>
+            </a:solidFill>
+          </a:ln>
+          <a:effectLst/>
+        </p:spPr>
+        <p:style>
+          <a:lnRef idx="1">
+            <a:schemeClr val="accent1"/>
+          </a:lnRef>
+          <a:fillRef idx="3">
+            <a:schemeClr val="accent1"/>
+          </a:fillRef>
+          <a:effectRef idx="2">
+            <a:schemeClr val="accent1"/>
+          </a:effectRef>
+          <a:fontRef idx="minor">
+            <a:schemeClr val="lt1"/>
+          </a:fontRef>
+        </p:style>
+        <p:txBody>
+          <a:bodyPr wrap="none" rtlCol="0" anchor="ctr"/>
+          <a:lstStyle/>
+          <a:p>
+            <a:pPr algn="ctr"/>
+            <a:endParaRPr lang="en-US" sz="1100" dirty="0">
+              <a:latin typeface="Arial"/>
+              <a:cs typeface="Arial"/>
+            </a:endParaRPr>
+          </a:p>
+        </p:txBody>
+      </p:sp>
+      <p:sp>
+        <p:nvSpPr>
+          <p:cNvPr id="63" name="Oval 62"/>
+          <p:cNvSpPr>
+            <a:spLocks noChangeAspect="1"/>
+          </p:cNvSpPr>
+          <p:nvPr/>
+        </p:nvSpPr>
+        <p:spPr>
+          <a:xfrm>
+            <a:off x="2031773" y="2391435"/>
+            <a:ext cx="164592" cy="164592"/>
+          </a:xfrm>
+          <a:prstGeom prst="ellipse">
+            <a:avLst/>
+          </a:prstGeom>
+          <a:ln>
+            <a:solidFill>
+              <a:schemeClr val="tx1"/>
+            </a:solidFill>
+          </a:ln>
+          <a:effectLst/>
+        </p:spPr>
+        <p:style>
+          <a:lnRef idx="1">
+            <a:schemeClr val="accent1"/>
+          </a:lnRef>
+          <a:fillRef idx="3">
+            <a:schemeClr val="accent1"/>
+          </a:fillRef>
+          <a:effectRef idx="2">
+            <a:schemeClr val="accent1"/>
+          </a:effectRef>
+          <a:fontRef idx="minor">
+            <a:schemeClr val="lt1"/>
+          </a:fontRef>
+        </p:style>
+        <p:txBody>
+          <a:bodyPr wrap="none" rtlCol="0" anchor="ctr"/>
+          <a:lstStyle/>
+          <a:p>
+            <a:pPr algn="ctr"/>
+            <a:endParaRPr lang="en-US" sz="1100" dirty="0">
+              <a:latin typeface="Arial"/>
+              <a:cs typeface="Arial"/>
+            </a:endParaRPr>
+          </a:p>
+        </p:txBody>
+      </p:sp>
+      <p:sp>
+        <p:nvSpPr>
+          <p:cNvPr id="70" name="Oval 69"/>
+          <p:cNvSpPr>
+            <a:spLocks noChangeAspect="1"/>
+          </p:cNvSpPr>
+          <p:nvPr/>
+        </p:nvSpPr>
+        <p:spPr>
           <a:xfrm rot="21448006" flipH="1">
-            <a:off x="1348118" y="2858814"/>
-            <a:ext cx="784043" cy="553129"/>
-            <a:chOff x="3251956" y="743352"/>
-            <a:chExt cx="784043" cy="553129"/>
+            <a:off x="1986086" y="2844101"/>
+            <a:ext cx="164592" cy="164592"/>
           </a:xfrm>
+          <a:prstGeom prst="ellipse">
+            <a:avLst/>
+          </a:prstGeom>
           <a:solidFill>
             <a:srgbClr val="C0504D"/>
           </a:solidFill>
-        </p:grpSpPr>
-        <p:sp>
-          <p:nvSpPr>
-            <p:cNvPr id="70" name="Oval 69"/>
-            <p:cNvSpPr>
-              <a:spLocks noChangeAspect="1"/>
-            </p:cNvSpPr>
-            <p:nvPr/>
-          </p:nvSpPr>
-          <p:spPr>
-            <a:xfrm>
-              <a:off x="3251956" y="743352"/>
-              <a:ext cx="137160" cy="137160"/>
-            </a:xfrm>
-            <a:prstGeom prst="ellipse">
-              <a:avLst/>
-            </a:prstGeom>
-            <a:grpFill/>
-            <a:ln>
-              <a:solidFill>
-                <a:schemeClr val="tx1"/>
-              </a:solidFill>
-            </a:ln>
-            <a:effectLst/>
-          </p:spPr>
-          <p:style>
-            <a:lnRef idx="1">
-              <a:schemeClr val="accent1"/>
-            </a:lnRef>
-            <a:fillRef idx="3">
-              <a:schemeClr val="accent1"/>
-            </a:fillRef>
-            <a:effectRef idx="2">
-              <a:schemeClr val="accent1"/>
-            </a:effectRef>
-            <a:fontRef idx="minor">
-              <a:schemeClr val="lt1"/>
-            </a:fontRef>
-          </p:style>
-          <p:txBody>
-            <a:bodyPr wrap="none" rtlCol="0" anchor="ctr"/>
-            <a:lstStyle/>
-            <a:p>
-              <a:pPr algn="ctr"/>
-              <a:endParaRPr lang="en-US" sz="1100" dirty="0">
-                <a:latin typeface="Arial"/>
-                <a:cs typeface="Arial"/>
-              </a:endParaRPr>
-            </a:p>
-          </p:txBody>
-        </p:sp>
-        <p:sp>
-          <p:nvSpPr>
-            <p:cNvPr id="71" name="Oval 70"/>
-            <p:cNvSpPr>
-              <a:spLocks noChangeAspect="1"/>
-            </p:cNvSpPr>
-            <p:nvPr/>
-          </p:nvSpPr>
-          <p:spPr>
-            <a:xfrm>
-              <a:off x="3462085" y="879260"/>
-              <a:ext cx="137160" cy="137160"/>
-            </a:xfrm>
-            <a:prstGeom prst="ellipse">
-              <a:avLst/>
-            </a:prstGeom>
-            <a:grpFill/>
-            <a:ln>
-              <a:solidFill>
-                <a:schemeClr val="tx1"/>
-              </a:solidFill>
-            </a:ln>
-            <a:effectLst/>
-          </p:spPr>
-          <p:style>
-            <a:lnRef idx="1">
-              <a:schemeClr val="accent1"/>
-            </a:lnRef>
-            <a:fillRef idx="3">
-              <a:schemeClr val="accent1"/>
-            </a:fillRef>
-            <a:effectRef idx="2">
-              <a:schemeClr val="accent1"/>
-            </a:effectRef>
-            <a:fontRef idx="minor">
-              <a:schemeClr val="lt1"/>
-            </a:fontRef>
-          </p:style>
-          <p:txBody>
-            <a:bodyPr wrap="none" rtlCol="0" anchor="ctr"/>
-            <a:lstStyle/>
-            <a:p>
-              <a:pPr algn="ctr"/>
-              <a:endParaRPr lang="en-US" sz="1100" dirty="0">
-                <a:latin typeface="Arial"/>
-                <a:cs typeface="Arial"/>
-              </a:endParaRPr>
-            </a:p>
-          </p:txBody>
-        </p:sp>
-        <p:sp>
-          <p:nvSpPr>
-            <p:cNvPr id="72" name="Oval 71"/>
-            <p:cNvSpPr>
-              <a:spLocks noChangeAspect="1"/>
-            </p:cNvSpPr>
-            <p:nvPr/>
-          </p:nvSpPr>
-          <p:spPr>
-            <a:xfrm>
-              <a:off x="3696956" y="1023413"/>
-              <a:ext cx="137160" cy="137160"/>
-            </a:xfrm>
-            <a:prstGeom prst="ellipse">
-              <a:avLst/>
-            </a:prstGeom>
-            <a:grpFill/>
-            <a:ln>
-              <a:solidFill>
-                <a:schemeClr val="tx1"/>
-              </a:solidFill>
-            </a:ln>
-            <a:effectLst/>
-          </p:spPr>
-          <p:style>
-            <a:lnRef idx="1">
-              <a:schemeClr val="accent1"/>
-            </a:lnRef>
-            <a:fillRef idx="3">
-              <a:schemeClr val="accent1"/>
-            </a:fillRef>
-            <a:effectRef idx="2">
-              <a:schemeClr val="accent1"/>
-            </a:effectRef>
-            <a:fontRef idx="minor">
-              <a:schemeClr val="lt1"/>
-            </a:fontRef>
-          </p:style>
-          <p:txBody>
-            <a:bodyPr wrap="none" rtlCol="0" anchor="ctr"/>
-            <a:lstStyle/>
-            <a:p>
-              <a:pPr algn="ctr"/>
-              <a:endParaRPr lang="en-US" sz="1100" dirty="0">
-                <a:latin typeface="Arial"/>
-                <a:cs typeface="Arial"/>
-              </a:endParaRPr>
-            </a:p>
-          </p:txBody>
-        </p:sp>
-        <p:sp>
-          <p:nvSpPr>
-            <p:cNvPr id="73" name="Oval 72"/>
-            <p:cNvSpPr>
-              <a:spLocks noChangeAspect="1"/>
-            </p:cNvSpPr>
-            <p:nvPr/>
-          </p:nvSpPr>
-          <p:spPr>
-            <a:xfrm>
-              <a:off x="3898839" y="1159321"/>
-              <a:ext cx="137160" cy="137160"/>
-            </a:xfrm>
-            <a:prstGeom prst="ellipse">
-              <a:avLst/>
-            </a:prstGeom>
-            <a:grpFill/>
-            <a:ln>
-              <a:solidFill>
-                <a:schemeClr val="tx1"/>
-              </a:solidFill>
-            </a:ln>
-            <a:effectLst/>
-          </p:spPr>
-          <p:style>
-            <a:lnRef idx="1">
-              <a:schemeClr val="accent1"/>
-            </a:lnRef>
-            <a:fillRef idx="3">
-              <a:schemeClr val="accent1"/>
-            </a:fillRef>
-            <a:effectRef idx="2">
-              <a:schemeClr val="accent1"/>
-            </a:effectRef>
-            <a:fontRef idx="minor">
-              <a:schemeClr val="lt1"/>
-            </a:fontRef>
-          </p:style>
-          <p:txBody>
-            <a:bodyPr wrap="none" rtlCol="0" anchor="ctr"/>
-            <a:lstStyle/>
-            <a:p>
-              <a:pPr algn="ctr"/>
-              <a:endParaRPr lang="en-US" sz="1100" dirty="0">
-                <a:latin typeface="Arial"/>
-                <a:cs typeface="Arial"/>
-              </a:endParaRPr>
-            </a:p>
-          </p:txBody>
-        </p:sp>
-      </p:grpSp>
+          <a:ln>
+            <a:solidFill>
+              <a:schemeClr val="tx1"/>
+            </a:solidFill>
+          </a:ln>
+          <a:effectLst/>
+        </p:spPr>
+        <p:style>
+          <a:lnRef idx="1">
+            <a:schemeClr val="accent1"/>
+          </a:lnRef>
+          <a:fillRef idx="3">
+            <a:schemeClr val="accent1"/>
+          </a:fillRef>
+          <a:effectRef idx="2">
+            <a:schemeClr val="accent1"/>
+          </a:effectRef>
+          <a:fontRef idx="minor">
+            <a:schemeClr val="lt1"/>
+          </a:fontRef>
+        </p:style>
+        <p:txBody>
+          <a:bodyPr wrap="none" rtlCol="0" anchor="ctr"/>
+          <a:lstStyle/>
+          <a:p>
+            <a:pPr algn="ctr"/>
+            <a:endParaRPr lang="en-US" sz="1100" dirty="0">
+              <a:latin typeface="Arial"/>
+              <a:cs typeface="Arial"/>
+            </a:endParaRPr>
+          </a:p>
+        </p:txBody>
+      </p:sp>
+      <p:sp>
+        <p:nvSpPr>
+          <p:cNvPr id="71" name="Oval 70"/>
+          <p:cNvSpPr>
+            <a:spLocks noChangeAspect="1"/>
+          </p:cNvSpPr>
+          <p:nvPr/>
+        </p:nvSpPr>
+        <p:spPr>
+          <a:xfrm rot="21448006" flipH="1">
+            <a:off x="1782170" y="2989163"/>
+            <a:ext cx="164592" cy="164592"/>
+          </a:xfrm>
+          <a:prstGeom prst="ellipse">
+            <a:avLst/>
+          </a:prstGeom>
+          <a:solidFill>
+            <a:srgbClr val="C0504D"/>
+          </a:solidFill>
+          <a:ln>
+            <a:solidFill>
+              <a:schemeClr val="tx1"/>
+            </a:solidFill>
+          </a:ln>
+          <a:effectLst/>
+        </p:spPr>
+        <p:style>
+          <a:lnRef idx="1">
+            <a:schemeClr val="accent1"/>
+          </a:lnRef>
+          <a:fillRef idx="3">
+            <a:schemeClr val="accent1"/>
+          </a:fillRef>
+          <a:effectRef idx="2">
+            <a:schemeClr val="accent1"/>
+          </a:effectRef>
+          <a:fontRef idx="minor">
+            <a:schemeClr val="lt1"/>
+          </a:fontRef>
+        </p:style>
+        <p:txBody>
+          <a:bodyPr wrap="none" rtlCol="0" anchor="ctr"/>
+          <a:lstStyle/>
+          <a:p>
+            <a:pPr algn="ctr"/>
+            <a:endParaRPr lang="en-US" sz="1100" dirty="0">
+              <a:latin typeface="Arial"/>
+              <a:cs typeface="Arial"/>
+            </a:endParaRPr>
+          </a:p>
+        </p:txBody>
+      </p:sp>
+      <p:sp>
+        <p:nvSpPr>
+          <p:cNvPr id="72" name="Oval 71"/>
+          <p:cNvSpPr>
+            <a:spLocks noChangeAspect="1"/>
+          </p:cNvSpPr>
+          <p:nvPr/>
+        </p:nvSpPr>
+        <p:spPr>
+          <a:xfrm rot="21448006" flipH="1">
+            <a:off x="1553899" y="3143556"/>
+            <a:ext cx="164592" cy="164592"/>
+          </a:xfrm>
+          <a:prstGeom prst="ellipse">
+            <a:avLst/>
+          </a:prstGeom>
+          <a:solidFill>
+            <a:srgbClr val="C0504D"/>
+          </a:solidFill>
+          <a:ln>
+            <a:solidFill>
+              <a:schemeClr val="tx1"/>
+            </a:solidFill>
+          </a:ln>
+          <a:effectLst/>
+        </p:spPr>
+        <p:style>
+          <a:lnRef idx="1">
+            <a:schemeClr val="accent1"/>
+          </a:lnRef>
+          <a:fillRef idx="3">
+            <a:schemeClr val="accent1"/>
+          </a:fillRef>
+          <a:effectRef idx="2">
+            <a:schemeClr val="accent1"/>
+          </a:effectRef>
+          <a:fontRef idx="minor">
+            <a:schemeClr val="lt1"/>
+          </a:fontRef>
+        </p:style>
+        <p:txBody>
+          <a:bodyPr wrap="none" rtlCol="0" anchor="ctr"/>
+          <a:lstStyle/>
+          <a:p>
+            <a:pPr algn="ctr"/>
+            <a:endParaRPr lang="en-US" sz="1100" dirty="0">
+              <a:latin typeface="Arial"/>
+              <a:cs typeface="Arial"/>
+            </a:endParaRPr>
+          </a:p>
+        </p:txBody>
+      </p:sp>
+      <p:sp>
+        <p:nvSpPr>
+          <p:cNvPr id="73" name="Oval 72"/>
+          <p:cNvSpPr>
+            <a:spLocks noChangeAspect="1"/>
+          </p:cNvSpPr>
+          <p:nvPr/>
+        </p:nvSpPr>
+        <p:spPr>
+          <a:xfrm rot="21448006" flipH="1">
+            <a:off x="1358221" y="3288254"/>
+            <a:ext cx="164592" cy="164592"/>
+          </a:xfrm>
+          <a:prstGeom prst="ellipse">
+            <a:avLst/>
+          </a:prstGeom>
+          <a:solidFill>
+            <a:srgbClr val="C0504D"/>
+          </a:solidFill>
+          <a:ln>
+            <a:solidFill>
+              <a:schemeClr val="tx1"/>
+            </a:solidFill>
+          </a:ln>
+          <a:effectLst/>
+        </p:spPr>
+        <p:style>
+          <a:lnRef idx="1">
+            <a:schemeClr val="accent1"/>
+          </a:lnRef>
+          <a:fillRef idx="3">
+            <a:schemeClr val="accent1"/>
+          </a:fillRef>
+          <a:effectRef idx="2">
+            <a:schemeClr val="accent1"/>
+          </a:effectRef>
+          <a:fontRef idx="minor">
+            <a:schemeClr val="lt1"/>
+          </a:fontRef>
+        </p:style>
+        <p:txBody>
+          <a:bodyPr wrap="none" rtlCol="0" anchor="ctr"/>
+          <a:lstStyle/>
+          <a:p>
+            <a:pPr algn="ctr"/>
+            <a:endParaRPr lang="en-US" sz="1100" dirty="0">
+              <a:latin typeface="Arial"/>
+              <a:cs typeface="Arial"/>
+            </a:endParaRPr>
+          </a:p>
+        </p:txBody>
+      </p:sp>
       <p:grpSp>
         <p:nvGrpSpPr>
           <p:cNvPr id="75" name="Group 74"/>
@@ -16874,8 +19021,8 @@
         </p:nvGrpSpPr>
         <p:grpSpPr>
           <a:xfrm rot="16200000">
-            <a:off x="6011597" y="2082874"/>
-            <a:ext cx="214533" cy="1250592"/>
+            <a:off x="5620660" y="1729787"/>
+            <a:ext cx="326605" cy="1903901"/>
             <a:chOff x="4272076" y="3954832"/>
             <a:chExt cx="214533" cy="1250592"/>
           </a:xfrm>
@@ -17286,7 +19433,7 @@
             <a:p>
               <a:pPr algn="r"/>
               <a:r>
-                <a:rPr lang="en-US" sz="900" dirty="0" smtClean="0">
+                <a:rPr lang="en-US" sz="1200" dirty="0" smtClean="0">
                   <a:solidFill>
                     <a:srgbClr val="000000"/>
                   </a:solidFill>
@@ -17295,7 +19442,7 @@
                 </a:rPr>
                 <a:t>1</a:t>
               </a:r>
-              <a:endParaRPr lang="en-US" sz="900" dirty="0">
+              <a:endParaRPr lang="en-US" sz="1200" dirty="0">
                 <a:solidFill>
                   <a:srgbClr val="000000"/>
                 </a:solidFill>
@@ -17351,7 +19498,7 @@
             <a:p>
               <a:pPr algn="r"/>
               <a:r>
-                <a:rPr lang="en-US" sz="900" dirty="0" smtClean="0">
+                <a:rPr lang="en-US" sz="1200" dirty="0" smtClean="0">
                   <a:solidFill>
                     <a:srgbClr val="000000"/>
                   </a:solidFill>
@@ -17360,7 +19507,7 @@
                 </a:rPr>
                 <a:t>2</a:t>
               </a:r>
-              <a:endParaRPr lang="en-US" sz="900" dirty="0">
+              <a:endParaRPr lang="en-US" sz="1200" dirty="0">
                 <a:solidFill>
                   <a:srgbClr val="000000"/>
                 </a:solidFill>
@@ -17416,7 +19563,7 @@
             <a:p>
               <a:pPr algn="r"/>
               <a:r>
-                <a:rPr lang="en-US" sz="900" dirty="0" smtClean="0">
+                <a:rPr lang="en-US" sz="1200" dirty="0" smtClean="0">
                   <a:solidFill>
                     <a:srgbClr val="000000"/>
                   </a:solidFill>
@@ -17425,7 +19572,7 @@
                 </a:rPr>
                 <a:t>3</a:t>
               </a:r>
-              <a:endParaRPr lang="en-US" sz="900" dirty="0">
+              <a:endParaRPr lang="en-US" sz="1200" dirty="0">
                 <a:solidFill>
                   <a:srgbClr val="000000"/>
                 </a:solidFill>
@@ -17481,7 +19628,7 @@
             <a:p>
               <a:pPr algn="r"/>
               <a:r>
-                <a:rPr lang="en-US" sz="900" dirty="0" smtClean="0">
+                <a:rPr lang="en-US" sz="1200" dirty="0" smtClean="0">
                   <a:solidFill>
                     <a:srgbClr val="000000"/>
                   </a:solidFill>
@@ -17490,7 +19637,7 @@
                 </a:rPr>
                 <a:t>4</a:t>
               </a:r>
-              <a:endParaRPr lang="en-US" sz="900" dirty="0">
+              <a:endParaRPr lang="en-US" sz="1200" dirty="0">
                 <a:solidFill>
                   <a:srgbClr val="000000"/>
                 </a:solidFill>
@@ -17546,7 +19693,7 @@
             <a:p>
               <a:pPr algn="r"/>
               <a:r>
-                <a:rPr lang="en-US" sz="900" dirty="0" smtClean="0">
+                <a:rPr lang="en-US" sz="1200" dirty="0" smtClean="0">
                   <a:solidFill>
                     <a:srgbClr val="000000"/>
                   </a:solidFill>
@@ -17555,7 +19702,7 @@
                 </a:rPr>
                 <a:t>5</a:t>
               </a:r>
-              <a:endParaRPr lang="en-US" sz="900" dirty="0">
+              <a:endParaRPr lang="en-US" sz="1200" dirty="0">
                 <a:solidFill>
                   <a:srgbClr val="000000"/>
                 </a:solidFill>
@@ -17611,7 +19758,7 @@
             <a:p>
               <a:pPr algn="r"/>
               <a:r>
-                <a:rPr lang="en-US" sz="900" dirty="0" smtClean="0">
+                <a:rPr lang="en-US" sz="1200" dirty="0" smtClean="0">
                   <a:solidFill>
                     <a:srgbClr val="000000"/>
                   </a:solidFill>
@@ -17620,7 +19767,7 @@
                 </a:rPr>
                 <a:t>6</a:t>
               </a:r>
-              <a:endParaRPr lang="en-US" sz="900" dirty="0">
+              <a:endParaRPr lang="en-US" sz="1200" dirty="0">
                 <a:solidFill>
                   <a:srgbClr val="000000"/>
                 </a:solidFill>
@@ -17642,8 +19789,8 @@
         </p:nvCxnSpPr>
         <p:spPr>
           <a:xfrm flipV="1">
-            <a:off x="6740369" y="1747411"/>
-            <a:ext cx="1356086" cy="935914"/>
+            <a:off x="6740369" y="1764369"/>
+            <a:ext cx="1356086" cy="899252"/>
           </a:xfrm>
           <a:prstGeom prst="straightConnector1">
             <a:avLst/>
@@ -17685,8 +19832,8 @@
         </p:nvCxnSpPr>
         <p:spPr>
           <a:xfrm>
-            <a:off x="6740369" y="2683325"/>
-            <a:ext cx="1356086" cy="935915"/>
+            <a:off x="6740369" y="2663621"/>
+            <a:ext cx="1356086" cy="964331"/>
           </a:xfrm>
           <a:prstGeom prst="straightConnector1">
             <a:avLst/>
@@ -17727,8 +19874,8 @@
         </p:nvSpPr>
         <p:spPr>
           <a:xfrm>
-            <a:off x="7800898" y="1835002"/>
-            <a:ext cx="137160" cy="137160"/>
+            <a:off x="7776157" y="1802014"/>
+            <a:ext cx="192024" cy="192024"/>
           </a:xfrm>
           <a:prstGeom prst="ellipse">
             <a:avLst/>
@@ -17763,7 +19910,7 @@
           <a:p>
             <a:pPr algn="r"/>
             <a:r>
-              <a:rPr lang="en-US" sz="900" dirty="0" smtClean="0">
+              <a:rPr lang="en-US" sz="1200" dirty="0" smtClean="0">
                 <a:solidFill>
                   <a:srgbClr val="000000"/>
                 </a:solidFill>
@@ -17772,7 +19919,7 @@
               </a:rPr>
               <a:t>1</a:t>
             </a:r>
-            <a:endParaRPr lang="en-US" sz="900" dirty="0">
+            <a:endParaRPr lang="en-US" sz="1200" dirty="0">
               <a:solidFill>
                 <a:srgbClr val="000000"/>
               </a:solidFill>
@@ -17792,8 +19939,8 @@
         </p:nvSpPr>
         <p:spPr>
           <a:xfrm>
-            <a:off x="7616726" y="1959346"/>
-            <a:ext cx="137160" cy="137160"/>
+            <a:off x="7591985" y="1926358"/>
+            <a:ext cx="192024" cy="192024"/>
           </a:xfrm>
           <a:prstGeom prst="ellipse">
             <a:avLst/>
@@ -17828,7 +19975,7 @@
           <a:p>
             <a:pPr algn="r"/>
             <a:r>
-              <a:rPr lang="en-US" sz="900" dirty="0" smtClean="0">
+              <a:rPr lang="en-US" sz="1200" dirty="0" smtClean="0">
                 <a:solidFill>
                   <a:srgbClr val="000000"/>
                 </a:solidFill>
@@ -17837,7 +19984,7 @@
               </a:rPr>
               <a:t>2</a:t>
             </a:r>
-            <a:endParaRPr lang="en-US" sz="900" dirty="0">
+            <a:endParaRPr lang="en-US" sz="1200" dirty="0">
               <a:solidFill>
                 <a:srgbClr val="000000"/>
               </a:solidFill>
@@ -17857,8 +20004,8 @@
         </p:nvSpPr>
         <p:spPr>
           <a:xfrm>
-            <a:off x="7446952" y="2083690"/>
-            <a:ext cx="137160" cy="137160"/>
+            <a:off x="7422211" y="2050702"/>
+            <a:ext cx="192024" cy="192024"/>
           </a:xfrm>
           <a:prstGeom prst="ellipse">
             <a:avLst/>
@@ -17893,7 +20040,7 @@
           <a:p>
             <a:pPr algn="r"/>
             <a:r>
-              <a:rPr lang="en-US" sz="900" dirty="0" smtClean="0">
+              <a:rPr lang="en-US" sz="1200" dirty="0" smtClean="0">
                 <a:solidFill>
                   <a:srgbClr val="000000"/>
                 </a:solidFill>
@@ -17902,7 +20049,7 @@
               </a:rPr>
               <a:t>3</a:t>
             </a:r>
-            <a:endParaRPr lang="en-US" sz="900" dirty="0">
+            <a:endParaRPr lang="en-US" sz="1200" dirty="0">
               <a:solidFill>
                 <a:srgbClr val="000000"/>
               </a:solidFill>
@@ -17922,8 +20069,8 @@
         </p:nvSpPr>
         <p:spPr>
           <a:xfrm>
-            <a:off x="7662347" y="3291840"/>
-            <a:ext cx="137160" cy="137160"/>
+            <a:off x="7612865" y="3234111"/>
+            <a:ext cx="192024" cy="192024"/>
           </a:xfrm>
           <a:prstGeom prst="ellipse">
             <a:avLst/>
@@ -17958,7 +20105,7 @@
           <a:p>
             <a:pPr algn="r"/>
             <a:r>
-              <a:rPr lang="en-US" sz="900" dirty="0" smtClean="0">
+              <a:rPr lang="en-US" sz="1200" dirty="0" smtClean="0">
                 <a:solidFill>
                   <a:srgbClr val="000000"/>
                 </a:solidFill>
@@ -17967,7 +20114,7 @@
               </a:rPr>
               <a:t>3</a:t>
             </a:r>
-            <a:endParaRPr lang="en-US" sz="900" dirty="0">
+            <a:endParaRPr lang="en-US" sz="1200" dirty="0">
               <a:solidFill>
                 <a:srgbClr val="000000"/>
               </a:solidFill>
@@ -17987,8 +20134,8 @@
         </p:nvSpPr>
         <p:spPr>
           <a:xfrm>
-            <a:off x="7271679" y="2199781"/>
-            <a:ext cx="137160" cy="137160"/>
+            <a:off x="7246938" y="2166793"/>
+            <a:ext cx="192024" cy="192024"/>
           </a:xfrm>
           <a:prstGeom prst="ellipse">
             <a:avLst/>
@@ -18023,7 +20170,7 @@
           <a:p>
             <a:pPr algn="r"/>
             <a:r>
-              <a:rPr lang="en-US" sz="900" dirty="0" smtClean="0">
+              <a:rPr lang="en-US" sz="1200" dirty="0" smtClean="0">
                 <a:solidFill>
                   <a:srgbClr val="000000"/>
                 </a:solidFill>
@@ -18032,7 +20179,7 @@
               </a:rPr>
               <a:t>4</a:t>
             </a:r>
-            <a:endParaRPr lang="en-US" sz="900" dirty="0">
+            <a:endParaRPr lang="en-US" sz="1200" dirty="0">
               <a:solidFill>
                 <a:srgbClr val="000000"/>
               </a:solidFill>
@@ -18052,8 +20199,8 @@
         </p:nvSpPr>
         <p:spPr>
           <a:xfrm>
-            <a:off x="7109113" y="2315714"/>
-            <a:ext cx="137160" cy="137160"/>
+            <a:off x="7084372" y="2282726"/>
+            <a:ext cx="192024" cy="192024"/>
           </a:xfrm>
           <a:prstGeom prst="ellipse">
             <a:avLst/>
@@ -18088,7 +20235,7 @@
           <a:p>
             <a:pPr algn="r"/>
             <a:r>
-              <a:rPr lang="en-US" sz="900" dirty="0" smtClean="0">
+              <a:rPr lang="en-US" sz="1200" dirty="0" smtClean="0">
                 <a:solidFill>
                   <a:srgbClr val="000000"/>
                 </a:solidFill>
@@ -18097,7 +20244,7 @@
               </a:rPr>
               <a:t>5</a:t>
             </a:r>
-            <a:endParaRPr lang="en-US" sz="900" dirty="0">
+            <a:endParaRPr lang="en-US" sz="1200" dirty="0">
               <a:solidFill>
                 <a:srgbClr val="000000"/>
               </a:solidFill>
@@ -18117,8 +20264,8 @@
         </p:nvSpPr>
         <p:spPr>
           <a:xfrm>
-            <a:off x="6938136" y="2431485"/>
-            <a:ext cx="137160" cy="137160"/>
+            <a:off x="6913395" y="2398497"/>
+            <a:ext cx="192024" cy="192024"/>
           </a:xfrm>
           <a:prstGeom prst="ellipse">
             <a:avLst/>
@@ -18153,7 +20300,7 @@
           <a:p>
             <a:pPr algn="r"/>
             <a:r>
-              <a:rPr lang="en-US" sz="900" dirty="0" smtClean="0">
+              <a:rPr lang="en-US" sz="1200" dirty="0" smtClean="0">
                 <a:solidFill>
                   <a:srgbClr val="000000"/>
                 </a:solidFill>
@@ -18162,7 +20309,7 @@
               </a:rPr>
               <a:t>6</a:t>
             </a:r>
-            <a:endParaRPr lang="en-US" sz="900" dirty="0">
+            <a:endParaRPr lang="en-US" sz="1200" dirty="0">
               <a:solidFill>
                 <a:srgbClr val="000000"/>
               </a:solidFill>
@@ -18182,8 +20329,8 @@
         </p:nvSpPr>
         <p:spPr>
           <a:xfrm>
-            <a:off x="7433420" y="3147530"/>
-            <a:ext cx="137160" cy="137160"/>
+            <a:off x="7383938" y="3089801"/>
+            <a:ext cx="192024" cy="192024"/>
           </a:xfrm>
           <a:prstGeom prst="ellipse">
             <a:avLst/>
@@ -18218,7 +20365,7 @@
           <a:p>
             <a:pPr algn="r"/>
             <a:r>
-              <a:rPr lang="en-US" sz="900" dirty="0" smtClean="0">
+              <a:rPr lang="en-US" sz="1200" dirty="0" smtClean="0">
                 <a:solidFill>
                   <a:srgbClr val="000000"/>
                 </a:solidFill>
@@ -18227,7 +20374,7 @@
               </a:rPr>
               <a:t>6</a:t>
             </a:r>
-            <a:endParaRPr lang="en-US" sz="900" dirty="0">
+            <a:endParaRPr lang="en-US" sz="1200" dirty="0">
               <a:solidFill>
                 <a:srgbClr val="000000"/>
               </a:solidFill>
@@ -18245,8 +20392,8 @@
         </p:nvSpPr>
         <p:spPr>
           <a:xfrm>
-            <a:off x="2405320" y="1951319"/>
-            <a:ext cx="1826826" cy="646331"/>
+            <a:off x="2545522" y="1291593"/>
+            <a:ext cx="3469220" cy="1200328"/>
           </a:xfrm>
           <a:prstGeom prst="rect">
             <a:avLst/>
@@ -18260,84 +20407,84 @@
           <a:lstStyle/>
           <a:p>
             <a:r>
-              <a:rPr lang="en-US" sz="1200" i="1" dirty="0" smtClean="0">
+              <a:rPr lang="en-US" sz="2400" i="1" dirty="0" smtClean="0">
                 <a:latin typeface="Arial"/>
                 <a:cs typeface="Arial"/>
               </a:rPr>
               <a:t>ID</a:t>
             </a:r>
             <a:r>
-              <a:rPr lang="en-US" sz="1200" dirty="0" smtClean="0">
+              <a:rPr lang="en-US" sz="2400" dirty="0" smtClean="0">
                 <a:latin typeface="Arial"/>
                 <a:cs typeface="Arial"/>
               </a:rPr>
               <a:t>(</a:t>
             </a:r>
             <a:r>
-              <a:rPr lang="en-US" sz="1200" i="1" dirty="0" smtClean="0">
+              <a:rPr lang="en-US" sz="2400" i="1" dirty="0" smtClean="0">
                 <a:latin typeface="Arial"/>
                 <a:cs typeface="Arial"/>
               </a:rPr>
               <a:t>S</a:t>
             </a:r>
             <a:r>
-              <a:rPr lang="en-US" sz="1200" dirty="0" smtClean="0">
+              <a:rPr lang="en-US" sz="2400" dirty="0" smtClean="0">
                 <a:latin typeface="Arial"/>
                 <a:cs typeface="Arial"/>
               </a:rPr>
               <a:t>, F</a:t>
             </a:r>
             <a:r>
-              <a:rPr lang="en-US" sz="1200" baseline="-25000" dirty="0" smtClean="0">
+              <a:rPr lang="en-US" sz="2400" baseline="-25000" dirty="0" smtClean="0">
                 <a:latin typeface="Arial"/>
                 <a:cs typeface="Arial"/>
               </a:rPr>
               <a:t>3</a:t>
             </a:r>
             <a:r>
-              <a:rPr lang="en-US" sz="1200" dirty="0" smtClean="0">
+              <a:rPr lang="en-US" sz="2400" dirty="0" smtClean="0">
                 <a:latin typeface="Arial"/>
                 <a:cs typeface="Arial"/>
               </a:rPr>
               <a:t>)</a:t>
             </a:r>
             <a:r>
-              <a:rPr lang="en-US" sz="1200" i="1" dirty="0" smtClean="0">
+              <a:rPr lang="en-US" sz="2400" i="1" dirty="0" smtClean="0">
                 <a:latin typeface="Arial"/>
                 <a:cs typeface="Arial"/>
               </a:rPr>
               <a:t> </a:t>
             </a:r>
             <a:r>
-              <a:rPr lang="en-US" sz="1200" dirty="0" smtClean="0">
+              <a:rPr lang="en-US" sz="2400" dirty="0" smtClean="0">
                 <a:latin typeface="Arial"/>
                 <a:cs typeface="Arial"/>
               </a:rPr>
               <a:t>= ((1, (F</a:t>
             </a:r>
             <a:r>
-              <a:rPr lang="en-US" sz="1200" baseline="-25000" dirty="0" smtClean="0">
+              <a:rPr lang="en-US" sz="2400" baseline="-25000" dirty="0" smtClean="0">
                 <a:latin typeface="Arial"/>
                 <a:cs typeface="Arial"/>
               </a:rPr>
               <a:t>1</a:t>
             </a:r>
             <a:r>
-              <a:rPr lang="en-US" sz="1200" dirty="0" smtClean="0">
+              <a:rPr lang="en-US" sz="2400" dirty="0" smtClean="0">
                 <a:latin typeface="Arial"/>
                 <a:cs typeface="Arial"/>
               </a:rPr>
               <a:t>, F</a:t>
             </a:r>
             <a:r>
-              <a:rPr lang="en-US" sz="1200" baseline="-25000" dirty="0" smtClean="0">
+              <a:rPr lang="en-US" sz="2400" baseline="-25000" dirty="0" smtClean="0">
                 <a:latin typeface="Arial"/>
                 <a:cs typeface="Arial"/>
               </a:rPr>
               <a:t>3</a:t>
             </a:r>
             <a:r>
-              <a:rPr lang="en-US" sz="1200" dirty="0" smtClean="0">
+              <a:rPr lang="en-US" sz="2400" dirty="0" smtClean="0">
                 <a:latin typeface="Arial"/>
                 <a:cs typeface="Arial"/>
               </a:rPr>
@@ -18346,35 +20493,35 @@
           </a:p>
           <a:p>
             <a:r>
-              <a:rPr lang="en-US" sz="1200" dirty="0" smtClean="0">
+              <a:rPr lang="en-US" sz="2400" dirty="0" smtClean="0">
                 <a:latin typeface="Arial"/>
                 <a:cs typeface="Arial"/>
               </a:rPr>
               <a:t>                   (2, (F</a:t>
             </a:r>
             <a:r>
-              <a:rPr lang="en-US" sz="1200" baseline="-25000" dirty="0" smtClean="0">
+              <a:rPr lang="en-US" sz="2400" baseline="-25000" dirty="0" smtClean="0">
                 <a:latin typeface="Arial"/>
                 <a:cs typeface="Arial"/>
               </a:rPr>
               <a:t>2</a:t>
             </a:r>
             <a:r>
-              <a:rPr lang="en-US" sz="1200" dirty="0" smtClean="0">
+              <a:rPr lang="en-US" sz="2400" dirty="0" smtClean="0">
                 <a:latin typeface="Arial"/>
                 <a:cs typeface="Arial"/>
               </a:rPr>
               <a:t>, F</a:t>
             </a:r>
             <a:r>
-              <a:rPr lang="en-US" sz="1200" baseline="-25000" dirty="0" smtClean="0">
+              <a:rPr lang="en-US" sz="2400" baseline="-25000" dirty="0" smtClean="0">
                 <a:latin typeface="Arial"/>
                 <a:cs typeface="Arial"/>
               </a:rPr>
               <a:t>3</a:t>
             </a:r>
             <a:r>
-              <a:rPr lang="en-US" sz="1200" dirty="0" smtClean="0">
+              <a:rPr lang="en-US" sz="2400" dirty="0" smtClean="0">
                 <a:latin typeface="Arial"/>
                 <a:cs typeface="Arial"/>
               </a:rPr>
@@ -18382,7 +20529,7 @@
             </a:r>
           </a:p>
           <a:p>
-            <a:endParaRPr lang="en-US" sz="1200" dirty="0"/>
+            <a:endParaRPr lang="en-US" sz="2400" dirty="0"/>
           </a:p>
         </p:txBody>
       </p:sp>
@@ -18394,8 +20541,8 @@
         </p:nvSpPr>
         <p:spPr>
           <a:xfrm>
-            <a:off x="4701307" y="1934496"/>
-            <a:ext cx="2006563" cy="646331"/>
+            <a:off x="2482830" y="3179739"/>
+            <a:ext cx="3828694" cy="1200328"/>
           </a:xfrm>
           <a:prstGeom prst="rect">
             <a:avLst/>
@@ -18409,84 +20556,84 @@
           <a:lstStyle/>
           <a:p>
             <a:r>
-              <a:rPr lang="en-US" sz="1200" i="1" dirty="0" smtClean="0">
+              <a:rPr lang="en-US" sz="2400" i="1" dirty="0" smtClean="0">
                 <a:latin typeface="Arial"/>
                 <a:cs typeface="Arial"/>
               </a:rPr>
               <a:t>OD</a:t>
             </a:r>
             <a:r>
-              <a:rPr lang="en-US" sz="1200" dirty="0" smtClean="0">
+              <a:rPr lang="en-US" sz="2400" dirty="0" smtClean="0">
                 <a:latin typeface="Arial"/>
                 <a:cs typeface="Arial"/>
               </a:rPr>
               <a:t>(</a:t>
             </a:r>
             <a:r>
-              <a:rPr lang="en-US" sz="1200" i="1" dirty="0" smtClean="0">
+              <a:rPr lang="en-US" sz="2400" i="1" dirty="0" smtClean="0">
                 <a:latin typeface="Arial"/>
                 <a:cs typeface="Arial"/>
               </a:rPr>
               <a:t>S</a:t>
             </a:r>
             <a:r>
-              <a:rPr lang="en-US" sz="1200" dirty="0" smtClean="0">
+              <a:rPr lang="en-US" sz="2400" dirty="0" smtClean="0">
                 <a:latin typeface="Arial"/>
                 <a:cs typeface="Arial"/>
               </a:rPr>
               <a:t>, F</a:t>
             </a:r>
             <a:r>
-              <a:rPr lang="en-US" sz="1200" baseline="-25000" dirty="0" smtClean="0">
+              <a:rPr lang="en-US" sz="2400" baseline="-25000" dirty="0" smtClean="0">
                 <a:latin typeface="Arial"/>
                 <a:cs typeface="Arial"/>
               </a:rPr>
               <a:t>3</a:t>
             </a:r>
             <a:r>
-              <a:rPr lang="en-US" sz="1200" dirty="0" smtClean="0">
+              <a:rPr lang="en-US" sz="2400" dirty="0" smtClean="0">
                 <a:latin typeface="Arial"/>
                 <a:cs typeface="Arial"/>
               </a:rPr>
               <a:t>)</a:t>
             </a:r>
             <a:r>
-              <a:rPr lang="en-US" sz="1200" i="1" dirty="0" smtClean="0">
+              <a:rPr lang="en-US" sz="2400" i="1" dirty="0" smtClean="0">
                 <a:latin typeface="Arial"/>
                 <a:cs typeface="Arial"/>
               </a:rPr>
               <a:t> </a:t>
             </a:r>
             <a:r>
-              <a:rPr lang="en-US" sz="1200" dirty="0" smtClean="0">
+              <a:rPr lang="en-US" sz="2400" dirty="0" smtClean="0">
                 <a:latin typeface="Arial"/>
                 <a:cs typeface="Arial"/>
               </a:rPr>
               <a:t>= ((2, {(F</a:t>
             </a:r>
             <a:r>
-              <a:rPr lang="en-US" sz="1200" baseline="-25000" dirty="0" smtClean="0">
+              <a:rPr lang="en-US" sz="2400" baseline="-25000" dirty="0" smtClean="0">
                 <a:latin typeface="Arial"/>
                 <a:cs typeface="Arial"/>
               </a:rPr>
               <a:t>3</a:t>
             </a:r>
             <a:r>
-              <a:rPr lang="en-US" sz="1200" dirty="0" smtClean="0">
+              <a:rPr lang="en-US" sz="2400" dirty="0" smtClean="0">
                 <a:latin typeface="Arial"/>
                 <a:cs typeface="Arial"/>
               </a:rPr>
               <a:t>, F</a:t>
             </a:r>
             <a:r>
-              <a:rPr lang="en-US" sz="1200" baseline="-25000" dirty="0" smtClean="0">
+              <a:rPr lang="en-US" sz="2400" baseline="-25000" dirty="0" smtClean="0">
                 <a:latin typeface="Arial"/>
                 <a:cs typeface="Arial"/>
               </a:rPr>
               <a:t>4</a:t>
             </a:r>
             <a:r>
-              <a:rPr lang="en-US" sz="1200" dirty="0" smtClean="0">
+              <a:rPr lang="en-US" sz="2400" dirty="0" smtClean="0">
                 <a:latin typeface="Arial"/>
                 <a:cs typeface="Arial"/>
               </a:rPr>
@@ -18495,63 +20642,63 @@
           </a:p>
           <a:p>
             <a:r>
-              <a:rPr lang="en-US" sz="1200" dirty="0" smtClean="0">
+              <a:rPr lang="en-US" sz="2400" dirty="0" smtClean="0">
                 <a:latin typeface="Arial"/>
                 <a:cs typeface="Arial"/>
               </a:rPr>
               <a:t>       (1, {(F</a:t>
             </a:r>
             <a:r>
-              <a:rPr lang="en-US" sz="1200" baseline="-25000" dirty="0" smtClean="0">
+              <a:rPr lang="en-US" sz="2400" baseline="-25000" dirty="0" smtClean="0">
                 <a:latin typeface="Arial"/>
                 <a:cs typeface="Arial"/>
               </a:rPr>
               <a:t>3</a:t>
             </a:r>
             <a:r>
-              <a:rPr lang="en-US" sz="1200" dirty="0" smtClean="0">
+              <a:rPr lang="en-US" sz="2400" dirty="0" smtClean="0">
                 <a:latin typeface="Arial"/>
                 <a:cs typeface="Arial"/>
               </a:rPr>
               <a:t>, F</a:t>
             </a:r>
             <a:r>
-              <a:rPr lang="en-US" sz="1200" baseline="-25000" dirty="0" smtClean="0">
+              <a:rPr lang="en-US" sz="2400" baseline="-25000" dirty="0" smtClean="0">
                 <a:latin typeface="Arial"/>
                 <a:cs typeface="Arial"/>
               </a:rPr>
               <a:t>4</a:t>
             </a:r>
             <a:r>
-              <a:rPr lang="en-US" sz="1200" dirty="0" smtClean="0">
+              <a:rPr lang="en-US" sz="2400" dirty="0" smtClean="0">
                 <a:latin typeface="Arial"/>
                 <a:cs typeface="Arial"/>
               </a:rPr>
               <a:t>), (F</a:t>
             </a:r>
             <a:r>
-              <a:rPr lang="en-US" sz="1200" baseline="-25000" dirty="0" smtClean="0">
+              <a:rPr lang="en-US" sz="2400" baseline="-25000" dirty="0" smtClean="0">
                 <a:latin typeface="Arial"/>
                 <a:cs typeface="Arial"/>
               </a:rPr>
               <a:t>3</a:t>
             </a:r>
             <a:r>
-              <a:rPr lang="en-US" sz="1200" dirty="0" smtClean="0">
+              <a:rPr lang="en-US" sz="2400" dirty="0" smtClean="0">
                 <a:latin typeface="Arial"/>
                 <a:cs typeface="Arial"/>
               </a:rPr>
               <a:t>, F</a:t>
             </a:r>
             <a:r>
-              <a:rPr lang="en-US" sz="1200" baseline="-25000" dirty="0" smtClean="0">
+              <a:rPr lang="en-US" sz="2400" baseline="-25000" dirty="0" smtClean="0">
                 <a:latin typeface="Arial"/>
                 <a:cs typeface="Arial"/>
               </a:rPr>
               <a:t>5</a:t>
             </a:r>
             <a:r>
-              <a:rPr lang="en-US" sz="1200" dirty="0" smtClean="0">
+              <a:rPr lang="en-US" sz="2400" dirty="0" smtClean="0">
                 <a:latin typeface="Arial"/>
                 <a:cs typeface="Arial"/>
               </a:rPr>
@@ -18559,7 +20706,7 @@
             </a:r>
           </a:p>
           <a:p>
-            <a:endParaRPr lang="en-US" sz="1200" dirty="0"/>
+            <a:endParaRPr lang="en-US" sz="2400" dirty="0"/>
           </a:p>
         </p:txBody>
       </p:sp>
@@ -18571,8 +20718,8 @@
         </p:nvSpPr>
         <p:spPr>
           <a:xfrm>
-            <a:off x="4320672" y="2405505"/>
-            <a:ext cx="486782" cy="461665"/>
+            <a:off x="4295931" y="2380764"/>
+            <a:ext cx="537134" cy="523220"/>
           </a:xfrm>
           <a:prstGeom prst="rect">
             <a:avLst/>
@@ -18586,20 +20733,20 @@
           <a:lstStyle/>
           <a:p>
             <a:r>
-              <a:rPr lang="en-US" sz="2400" dirty="0" smtClean="0">
+              <a:rPr lang="en-US" sz="2800" dirty="0" smtClean="0">
                 <a:latin typeface="Arial"/>
                 <a:cs typeface="Arial"/>
               </a:rPr>
               <a:t>F</a:t>
             </a:r>
             <a:r>
-              <a:rPr lang="en-US" sz="2400" baseline="-25000" dirty="0" smtClean="0">
+              <a:rPr lang="en-US" sz="2800" baseline="-25000" dirty="0" smtClean="0">
                 <a:latin typeface="Arial"/>
                 <a:cs typeface="Arial"/>
               </a:rPr>
               <a:t>3</a:t>
             </a:r>
-            <a:endParaRPr lang="en-US" sz="2400" baseline="-25000" dirty="0">
+            <a:endParaRPr lang="en-US" sz="2800" baseline="-25000" dirty="0">
               <a:latin typeface="Arial"/>
               <a:cs typeface="Arial"/>
             </a:endParaRPr>
